--- a/Dokumente/Endpräsentation/newsminer_plus.pptx
+++ b/Dokumente/Endpräsentation/newsminer_plus.pptx
@@ -1,34 +1,423 @@
 
 <file path=ppt/presentation.xml><?xml version="1.0" encoding="utf-8"?>
-<p:presentation xmlns:a="http://schemas.openxmlformats.org/drawingml/2006/main" xmlns:p="http://schemas.openxmlformats.org/presentationml/2006/main" xmlns:r="http://schemas.openxmlformats.org/officeDocument/2006/relationships">
+<p:presentation xmlns:a="http://schemas.openxmlformats.org/drawingml/2006/main" xmlns:r="http://schemas.openxmlformats.org/officeDocument/2006/relationships" xmlns:p="http://schemas.openxmlformats.org/presentationml/2006/main">
   <p:sldMasterIdLst>
-    <p:sldMasterId id="2147483648" r:id="rId2"/>
-    <p:sldMasterId id="2147483661" r:id="rId3"/>
-    <p:sldMasterId id="2147483674" r:id="rId4"/>
+    <p:sldMasterId id="2147483648" r:id="rId1"/>
+    <p:sldMasterId id="2147483661" r:id="rId2"/>
+    <p:sldMasterId id="2147483674" r:id="rId3"/>
   </p:sldMasterIdLst>
   <p:notesMasterIdLst>
-    <p:notesMasterId r:id="rId5"/>
+    <p:notesMasterId r:id="rId21"/>
   </p:notesMasterIdLst>
   <p:sldIdLst>
-    <p:sldId id="256" r:id="rId6"/>
-    <p:sldId id="257" r:id="rId7"/>
-    <p:sldId id="258" r:id="rId8"/>
-    <p:sldId id="259" r:id="rId9"/>
+    <p:sldId id="256" r:id="rId4"/>
+    <p:sldId id="257" r:id="rId5"/>
+    <p:sldId id="267" r:id="rId6"/>
+    <p:sldId id="268" r:id="rId7"/>
+    <p:sldId id="269" r:id="rId8"/>
+    <p:sldId id="270" r:id="rId9"/>
     <p:sldId id="260" r:id="rId10"/>
     <p:sldId id="261" r:id="rId11"/>
-    <p:sldId id="262" r:id="rId12"/>
+    <p:sldId id="264" r:id="rId12"/>
     <p:sldId id="263" r:id="rId13"/>
-    <p:sldId id="264" r:id="rId14"/>
-    <p:sldId id="265" r:id="rId15"/>
-    <p:sldId id="266" r:id="rId16"/>
+    <p:sldId id="265" r:id="rId14"/>
+    <p:sldId id="266" r:id="rId15"/>
+    <p:sldId id="271" r:id="rId16"/>
+    <p:sldId id="272" r:id="rId17"/>
+    <p:sldId id="262" r:id="rId18"/>
+    <p:sldId id="258" r:id="rId19"/>
+    <p:sldId id="259" r:id="rId20"/>
   </p:sldIdLst>
-  <p:sldSz cx="9144000" cy="6858000"/>
+  <p:sldSz cx="9144000" cy="6858000" type="screen4x3"/>
   <p:notesSz cx="6858000" cy="9144000"/>
+  <p:defaultTextStyle>
+    <a:defPPr>
+      <a:defRPr lang="en-US"/>
+    </a:defPPr>
+    <a:lvl1pPr marL="0" algn="l" defTabSz="914400" rtl="0" eaLnBrk="1" latinLnBrk="0" hangingPunct="1">
+      <a:defRPr sz="1800" kern="1200">
+        <a:solidFill>
+          <a:schemeClr val="tx1"/>
+        </a:solidFill>
+        <a:latin typeface="+mn-lt"/>
+        <a:ea typeface="+mn-ea"/>
+        <a:cs typeface="+mn-cs"/>
+      </a:defRPr>
+    </a:lvl1pPr>
+    <a:lvl2pPr marL="457200" algn="l" defTabSz="914400" rtl="0" eaLnBrk="1" latinLnBrk="0" hangingPunct="1">
+      <a:defRPr sz="1800" kern="1200">
+        <a:solidFill>
+          <a:schemeClr val="tx1"/>
+        </a:solidFill>
+        <a:latin typeface="+mn-lt"/>
+        <a:ea typeface="+mn-ea"/>
+        <a:cs typeface="+mn-cs"/>
+      </a:defRPr>
+    </a:lvl2pPr>
+    <a:lvl3pPr marL="914400" algn="l" defTabSz="914400" rtl="0" eaLnBrk="1" latinLnBrk="0" hangingPunct="1">
+      <a:defRPr sz="1800" kern="1200">
+        <a:solidFill>
+          <a:schemeClr val="tx1"/>
+        </a:solidFill>
+        <a:latin typeface="+mn-lt"/>
+        <a:ea typeface="+mn-ea"/>
+        <a:cs typeface="+mn-cs"/>
+      </a:defRPr>
+    </a:lvl3pPr>
+    <a:lvl4pPr marL="1371600" algn="l" defTabSz="914400" rtl="0" eaLnBrk="1" latinLnBrk="0" hangingPunct="1">
+      <a:defRPr sz="1800" kern="1200">
+        <a:solidFill>
+          <a:schemeClr val="tx1"/>
+        </a:solidFill>
+        <a:latin typeface="+mn-lt"/>
+        <a:ea typeface="+mn-ea"/>
+        <a:cs typeface="+mn-cs"/>
+      </a:defRPr>
+    </a:lvl4pPr>
+    <a:lvl5pPr marL="1828800" algn="l" defTabSz="914400" rtl="0" eaLnBrk="1" latinLnBrk="0" hangingPunct="1">
+      <a:defRPr sz="1800" kern="1200">
+        <a:solidFill>
+          <a:schemeClr val="tx1"/>
+        </a:solidFill>
+        <a:latin typeface="+mn-lt"/>
+        <a:ea typeface="+mn-ea"/>
+        <a:cs typeface="+mn-cs"/>
+      </a:defRPr>
+    </a:lvl5pPr>
+    <a:lvl6pPr marL="2286000" algn="l" defTabSz="914400" rtl="0" eaLnBrk="1" latinLnBrk="0" hangingPunct="1">
+      <a:defRPr sz="1800" kern="1200">
+        <a:solidFill>
+          <a:schemeClr val="tx1"/>
+        </a:solidFill>
+        <a:latin typeface="+mn-lt"/>
+        <a:ea typeface="+mn-ea"/>
+        <a:cs typeface="+mn-cs"/>
+      </a:defRPr>
+    </a:lvl6pPr>
+    <a:lvl7pPr marL="2743200" algn="l" defTabSz="914400" rtl="0" eaLnBrk="1" latinLnBrk="0" hangingPunct="1">
+      <a:defRPr sz="1800" kern="1200">
+        <a:solidFill>
+          <a:schemeClr val="tx1"/>
+        </a:solidFill>
+        <a:latin typeface="+mn-lt"/>
+        <a:ea typeface="+mn-ea"/>
+        <a:cs typeface="+mn-cs"/>
+      </a:defRPr>
+    </a:lvl7pPr>
+    <a:lvl8pPr marL="3200400" algn="l" defTabSz="914400" rtl="0" eaLnBrk="1" latinLnBrk="0" hangingPunct="1">
+      <a:defRPr sz="1800" kern="1200">
+        <a:solidFill>
+          <a:schemeClr val="tx1"/>
+        </a:solidFill>
+        <a:latin typeface="+mn-lt"/>
+        <a:ea typeface="+mn-ea"/>
+        <a:cs typeface="+mn-cs"/>
+      </a:defRPr>
+    </a:lvl8pPr>
+    <a:lvl9pPr marL="3657600" algn="l" defTabSz="914400" rtl="0" eaLnBrk="1" latinLnBrk="0" hangingPunct="1">
+      <a:defRPr sz="1800" kern="1200">
+        <a:solidFill>
+          <a:schemeClr val="tx1"/>
+        </a:solidFill>
+        <a:latin typeface="+mn-lt"/>
+        <a:ea typeface="+mn-ea"/>
+        <a:cs typeface="+mn-cs"/>
+      </a:defRPr>
+    </a:lvl9pPr>
+  </p:defaultTextStyle>
 </p:presentation>
 </file>
 
 <file path=ppt/notesMasters/notesMaster1.xml><?xml version="1.0" encoding="utf-8"?>
-<p:notesMaster xmlns:a="http://schemas.openxmlformats.org/drawingml/2006/main" xmlns:p="http://schemas.openxmlformats.org/presentationml/2006/main" xmlns:r="http://schemas.openxmlformats.org/officeDocument/2006/relationships">
+<p:notesMaster xmlns:a="http://schemas.openxmlformats.org/drawingml/2006/main" xmlns:r="http://schemas.openxmlformats.org/officeDocument/2006/relationships" xmlns:p="http://schemas.openxmlformats.org/presentationml/2006/main">
+  <p:cSld>
+    <p:bg>
+      <p:bgRef idx="1001">
+        <a:schemeClr val="bg1"/>
+      </p:bgRef>
+    </p:bg>
+    <p:spTree>
+      <p:nvGrpSpPr>
+        <p:cNvPr id="1" name=""/>
+        <p:cNvGrpSpPr/>
+        <p:nvPr/>
+      </p:nvGrpSpPr>
+      <p:grpSpPr>
+        <a:xfrm>
+          <a:off x="0" y="0"/>
+          <a:ext cx="0" cy="0"/>
+          <a:chOff x="0" y="0"/>
+          <a:chExt cx="0" cy="0"/>
+        </a:xfrm>
+      </p:grpSpPr>
+      <p:sp>
+        <p:nvSpPr>
+          <p:cNvPr id="122" name="PlaceHolder 1"/>
+          <p:cNvSpPr>
+            <a:spLocks noGrp="1"/>
+          </p:cNvSpPr>
+          <p:nvPr>
+            <p:ph type="body"/>
+          </p:nvPr>
+        </p:nvSpPr>
+        <p:spPr>
+          <a:xfrm>
+            <a:off x="756000" y="5078520"/>
+            <a:ext cx="6047640" cy="4811040"/>
+          </a:xfrm>
+          <a:prstGeom prst="rect">
+            <a:avLst/>
+          </a:prstGeom>
+        </p:spPr>
+        <p:txBody>
+          <a:bodyPr lIns="0" tIns="0" rIns="0" bIns="0"/>
+          <a:lstStyle/>
+          <a:p>
+            <a:r>
+              <a:rPr lang="en-US" sz="2000">
+                <a:latin typeface="Arial"/>
+              </a:rPr>
+              <a:t>Click to edit the notes format</a:t>
+            </a:r>
+            <a:endParaRPr/>
+          </a:p>
+        </p:txBody>
+      </p:sp>
+      <p:sp>
+        <p:nvSpPr>
+          <p:cNvPr id="123" name="PlaceHolder 2"/>
+          <p:cNvSpPr>
+            <a:spLocks noGrp="1"/>
+          </p:cNvSpPr>
+          <p:nvPr>
+            <p:ph type="hdr"/>
+          </p:nvPr>
+        </p:nvSpPr>
+        <p:spPr>
+          <a:xfrm>
+            <a:off x="0" y="0"/>
+            <a:ext cx="3280680" cy="534240"/>
+          </a:xfrm>
+          <a:prstGeom prst="rect">
+            <a:avLst/>
+          </a:prstGeom>
+        </p:spPr>
+        <p:txBody>
+          <a:bodyPr lIns="0" tIns="0" rIns="0" bIns="0"/>
+          <a:lstStyle/>
+          <a:p>
+            <a:r>
+              <a:rPr lang="en-US" sz="1400">
+                <a:latin typeface="Times New Roman"/>
+              </a:rPr>
+              <a:t>&lt;header&gt;</a:t>
+            </a:r>
+            <a:endParaRPr/>
+          </a:p>
+        </p:txBody>
+      </p:sp>
+      <p:sp>
+        <p:nvSpPr>
+          <p:cNvPr id="124" name="PlaceHolder 3"/>
+          <p:cNvSpPr>
+            <a:spLocks noGrp="1"/>
+          </p:cNvSpPr>
+          <p:nvPr>
+            <p:ph type="dt"/>
+          </p:nvPr>
+        </p:nvSpPr>
+        <p:spPr>
+          <a:xfrm>
+            <a:off x="4278960" y="0"/>
+            <a:ext cx="3280680" cy="534240"/>
+          </a:xfrm>
+          <a:prstGeom prst="rect">
+            <a:avLst/>
+          </a:prstGeom>
+        </p:spPr>
+        <p:txBody>
+          <a:bodyPr lIns="0" tIns="0" rIns="0" bIns="0"/>
+          <a:lstStyle/>
+          <a:p>
+            <a:pPr algn="r"/>
+            <a:r>
+              <a:rPr lang="en-US" sz="1400">
+                <a:latin typeface="Times New Roman"/>
+              </a:rPr>
+              <a:t>&lt;date/time&gt;</a:t>
+            </a:r>
+            <a:endParaRPr/>
+          </a:p>
+        </p:txBody>
+      </p:sp>
+      <p:sp>
+        <p:nvSpPr>
+          <p:cNvPr id="125" name="PlaceHolder 4"/>
+          <p:cNvSpPr>
+            <a:spLocks noGrp="1"/>
+          </p:cNvSpPr>
+          <p:nvPr>
+            <p:ph type="ftr"/>
+          </p:nvPr>
+        </p:nvSpPr>
+        <p:spPr>
+          <a:xfrm>
+            <a:off x="0" y="10157400"/>
+            <a:ext cx="3280680" cy="534240"/>
+          </a:xfrm>
+          <a:prstGeom prst="rect">
+            <a:avLst/>
+          </a:prstGeom>
+        </p:spPr>
+        <p:txBody>
+          <a:bodyPr lIns="0" tIns="0" rIns="0" bIns="0" anchor="b"/>
+          <a:lstStyle/>
+          <a:p>
+            <a:r>
+              <a:rPr lang="en-US" sz="1400">
+                <a:latin typeface="Times New Roman"/>
+              </a:rPr>
+              <a:t>&lt;footer&gt;</a:t>
+            </a:r>
+            <a:endParaRPr/>
+          </a:p>
+        </p:txBody>
+      </p:sp>
+      <p:sp>
+        <p:nvSpPr>
+          <p:cNvPr id="126" name="PlaceHolder 5"/>
+          <p:cNvSpPr>
+            <a:spLocks noGrp="1"/>
+          </p:cNvSpPr>
+          <p:nvPr>
+            <p:ph type="sldNum"/>
+          </p:nvPr>
+        </p:nvSpPr>
+        <p:spPr>
+          <a:xfrm>
+            <a:off x="4278960" y="10157400"/>
+            <a:ext cx="3280680" cy="534240"/>
+          </a:xfrm>
+          <a:prstGeom prst="rect">
+            <a:avLst/>
+          </a:prstGeom>
+        </p:spPr>
+        <p:txBody>
+          <a:bodyPr lIns="0" tIns="0" rIns="0" bIns="0" anchor="b"/>
+          <a:lstStyle/>
+          <a:p>
+            <a:pPr algn="r"/>
+            <a:fld id="{8F8321CF-6A18-47F7-92D6-7D275EA45CB3}" type="slidenum">
+              <a:rPr lang="en-US" sz="1400">
+                <a:latin typeface="Times New Roman"/>
+              </a:rPr>
+              <a:pPr algn="r"/>
+              <a:t>‹Nr.›</a:t>
+            </a:fld>
+            <a:endParaRPr/>
+          </a:p>
+        </p:txBody>
+      </p:sp>
+    </p:spTree>
+  </p:cSld>
+  <p:clrMap bg1="lt1" tx1="dk1" bg2="lt2" tx2="dk2" accent1="accent1" accent2="accent2" accent3="accent3" accent4="accent4" accent5="accent5" accent6="accent6" hlink="hlink" folHlink="folHlink"/>
+  <p:notesStyle>
+    <a:lvl1pPr marL="0" algn="l" defTabSz="914400" rtl="0" eaLnBrk="1" latinLnBrk="0" hangingPunct="1">
+      <a:defRPr sz="1200" kern="1200">
+        <a:solidFill>
+          <a:schemeClr val="tx1"/>
+        </a:solidFill>
+        <a:latin typeface="+mn-lt"/>
+        <a:ea typeface="+mn-ea"/>
+        <a:cs typeface="+mn-cs"/>
+      </a:defRPr>
+    </a:lvl1pPr>
+    <a:lvl2pPr marL="457200" algn="l" defTabSz="914400" rtl="0" eaLnBrk="1" latinLnBrk="0" hangingPunct="1">
+      <a:defRPr sz="1200" kern="1200">
+        <a:solidFill>
+          <a:schemeClr val="tx1"/>
+        </a:solidFill>
+        <a:latin typeface="+mn-lt"/>
+        <a:ea typeface="+mn-ea"/>
+        <a:cs typeface="+mn-cs"/>
+      </a:defRPr>
+    </a:lvl2pPr>
+    <a:lvl3pPr marL="914400" algn="l" defTabSz="914400" rtl="0" eaLnBrk="1" latinLnBrk="0" hangingPunct="1">
+      <a:defRPr sz="1200" kern="1200">
+        <a:solidFill>
+          <a:schemeClr val="tx1"/>
+        </a:solidFill>
+        <a:latin typeface="+mn-lt"/>
+        <a:ea typeface="+mn-ea"/>
+        <a:cs typeface="+mn-cs"/>
+      </a:defRPr>
+    </a:lvl3pPr>
+    <a:lvl4pPr marL="1371600" algn="l" defTabSz="914400" rtl="0" eaLnBrk="1" latinLnBrk="0" hangingPunct="1">
+      <a:defRPr sz="1200" kern="1200">
+        <a:solidFill>
+          <a:schemeClr val="tx1"/>
+        </a:solidFill>
+        <a:latin typeface="+mn-lt"/>
+        <a:ea typeface="+mn-ea"/>
+        <a:cs typeface="+mn-cs"/>
+      </a:defRPr>
+    </a:lvl4pPr>
+    <a:lvl5pPr marL="1828800" algn="l" defTabSz="914400" rtl="0" eaLnBrk="1" latinLnBrk="0" hangingPunct="1">
+      <a:defRPr sz="1200" kern="1200">
+        <a:solidFill>
+          <a:schemeClr val="tx1"/>
+        </a:solidFill>
+        <a:latin typeface="+mn-lt"/>
+        <a:ea typeface="+mn-ea"/>
+        <a:cs typeface="+mn-cs"/>
+      </a:defRPr>
+    </a:lvl5pPr>
+    <a:lvl6pPr marL="2286000" algn="l" defTabSz="914400" rtl="0" eaLnBrk="1" latinLnBrk="0" hangingPunct="1">
+      <a:defRPr sz="1200" kern="1200">
+        <a:solidFill>
+          <a:schemeClr val="tx1"/>
+        </a:solidFill>
+        <a:latin typeface="+mn-lt"/>
+        <a:ea typeface="+mn-ea"/>
+        <a:cs typeface="+mn-cs"/>
+      </a:defRPr>
+    </a:lvl6pPr>
+    <a:lvl7pPr marL="2743200" algn="l" defTabSz="914400" rtl="0" eaLnBrk="1" latinLnBrk="0" hangingPunct="1">
+      <a:defRPr sz="1200" kern="1200">
+        <a:solidFill>
+          <a:schemeClr val="tx1"/>
+        </a:solidFill>
+        <a:latin typeface="+mn-lt"/>
+        <a:ea typeface="+mn-ea"/>
+        <a:cs typeface="+mn-cs"/>
+      </a:defRPr>
+    </a:lvl7pPr>
+    <a:lvl8pPr marL="3200400" algn="l" defTabSz="914400" rtl="0" eaLnBrk="1" latinLnBrk="0" hangingPunct="1">
+      <a:defRPr sz="1200" kern="1200">
+        <a:solidFill>
+          <a:schemeClr val="tx1"/>
+        </a:solidFill>
+        <a:latin typeface="+mn-lt"/>
+        <a:ea typeface="+mn-ea"/>
+        <a:cs typeface="+mn-cs"/>
+      </a:defRPr>
+    </a:lvl8pPr>
+    <a:lvl9pPr marL="3657600" algn="l" defTabSz="914400" rtl="0" eaLnBrk="1" latinLnBrk="0" hangingPunct="1">
+      <a:defRPr sz="1200" kern="1200">
+        <a:solidFill>
+          <a:schemeClr val="tx1"/>
+        </a:solidFill>
+        <a:latin typeface="+mn-lt"/>
+        <a:ea typeface="+mn-ea"/>
+        <a:cs typeface="+mn-cs"/>
+      </a:defRPr>
+    </a:lvl9pPr>
+  </p:notesStyle>
+</p:notesMaster>
+</file>
+
+<file path=ppt/notesSlides/notesSlide1.xml><?xml version="1.0" encoding="utf-8"?>
+<p:notes xmlns:a="http://schemas.openxmlformats.org/drawingml/2006/main" xmlns:r="http://schemas.openxmlformats.org/officeDocument/2006/relationships" xmlns:p="http://schemas.openxmlformats.org/presentationml/2006/main">
   <p:cSld>
     <p:spTree>
       <p:nvGrpSpPr>
@@ -46,7 +435,7 @@
       </p:grpSpPr>
       <p:sp>
         <p:nvSpPr>
-          <p:cNvPr id="122" name="PlaceHolder 1"/>
+          <p:cNvPr id="196" name="PlaceHolder 1"/>
           <p:cNvSpPr>
             <a:spLocks noGrp="1"/>
           </p:cNvSpPr>
@@ -56,151 +445,65 @@
         </p:nvSpPr>
         <p:spPr>
           <a:xfrm>
-            <a:off x="756000" y="5078520"/>
-            <a:ext cx="6047640" cy="4811040"/>
-          </a:xfrm>
-          <a:prstGeom prst="rect">
-            <a:avLst/>
-          </a:prstGeom>
-        </p:spPr>
-        <p:txBody>
-          <a:bodyPr lIns="0" rIns="0" tIns="0" bIns="0"/>
+            <a:off x="685800" y="4343400"/>
+            <a:ext cx="5486040" cy="4114440"/>
+          </a:xfrm>
+          <a:prstGeom prst="rect">
+            <a:avLst/>
+          </a:prstGeom>
+        </p:spPr>
+        <p:txBody>
+          <a:bodyPr/>
+          <a:lstStyle/>
           <a:p>
             <a:r>
               <a:rPr lang="en-US" sz="2000">
                 <a:latin typeface="Arial"/>
               </a:rPr>
-              <a:t>Click to edit the notes format</a:t>
-            </a:r>
-            <a:endParaRPr/>
-          </a:p>
-        </p:txBody>
-      </p:sp>
-      <p:sp>
-        <p:nvSpPr>
-          <p:cNvPr id="123" name="PlaceHolder 2"/>
-          <p:cNvSpPr>
-            <a:spLocks noGrp="1"/>
-          </p:cNvSpPr>
-          <p:nvPr>
-            <p:ph type="hdr"/>
-          </p:nvPr>
-        </p:nvSpPr>
-        <p:spPr>
-          <a:xfrm>
-            <a:off x="0" y="0"/>
-            <a:ext cx="3280680" cy="534240"/>
-          </a:xfrm>
-          <a:prstGeom prst="rect">
-            <a:avLst/>
-          </a:prstGeom>
-        </p:spPr>
-        <p:txBody>
-          <a:bodyPr lIns="0" rIns="0" tIns="0" bIns="0"/>
-          <a:p>
-            <a:r>
-              <a:rPr lang="en-US" sz="1400">
-                <a:latin typeface="Times New Roman"/>
-              </a:rPr>
-              <a:t>&lt;header&gt;</a:t>
-            </a:r>
-            <a:endParaRPr/>
-          </a:p>
-        </p:txBody>
-      </p:sp>
-      <p:sp>
-        <p:nvSpPr>
-          <p:cNvPr id="124" name="PlaceHolder 3"/>
-          <p:cNvSpPr>
-            <a:spLocks noGrp="1"/>
-          </p:cNvSpPr>
-          <p:nvPr>
-            <p:ph type="dt"/>
-          </p:nvPr>
-        </p:nvSpPr>
-        <p:spPr>
-          <a:xfrm>
-            <a:off x="4278960" y="0"/>
-            <a:ext cx="3280680" cy="534240"/>
-          </a:xfrm>
-          <a:prstGeom prst="rect">
-            <a:avLst/>
-          </a:prstGeom>
-        </p:spPr>
-        <p:txBody>
-          <a:bodyPr lIns="0" rIns="0" tIns="0" bIns="0"/>
-          <a:p>
-            <a:pPr algn="r"/>
-            <a:r>
-              <a:rPr lang="en-US" sz="1400">
-                <a:latin typeface="Times New Roman"/>
-              </a:rPr>
-              <a:t>&lt;date/time&gt;</a:t>
-            </a:r>
-            <a:endParaRPr/>
-          </a:p>
-        </p:txBody>
-      </p:sp>
-      <p:sp>
-        <p:nvSpPr>
-          <p:cNvPr id="125" name="PlaceHolder 4"/>
-          <p:cNvSpPr>
-            <a:spLocks noGrp="1"/>
-          </p:cNvSpPr>
-          <p:nvPr>
-            <p:ph type="ftr"/>
-          </p:nvPr>
-        </p:nvSpPr>
-        <p:spPr>
-          <a:xfrm>
-            <a:off x="0" y="10157400"/>
-            <a:ext cx="3280680" cy="534240"/>
-          </a:xfrm>
-          <a:prstGeom prst="rect">
-            <a:avLst/>
-          </a:prstGeom>
-        </p:spPr>
-        <p:txBody>
-          <a:bodyPr lIns="0" rIns="0" tIns="0" bIns="0" anchor="b"/>
-          <a:p>
-            <a:r>
-              <a:rPr lang="en-US" sz="1400">
-                <a:latin typeface="Times New Roman"/>
-              </a:rPr>
-              <a:t>&lt;footer&gt;</a:t>
-            </a:r>
-            <a:endParaRPr/>
-          </a:p>
-        </p:txBody>
-      </p:sp>
-      <p:sp>
-        <p:nvSpPr>
-          <p:cNvPr id="126" name="PlaceHolder 5"/>
-          <p:cNvSpPr>
-            <a:spLocks noGrp="1"/>
-          </p:cNvSpPr>
-          <p:nvPr>
-            <p:ph type="sldNum"/>
-          </p:nvPr>
-        </p:nvSpPr>
-        <p:spPr>
-          <a:xfrm>
-            <a:off x="4278960" y="10157400"/>
-            <a:ext cx="3280680" cy="534240"/>
-          </a:xfrm>
-          <a:prstGeom prst="rect">
-            <a:avLst/>
-          </a:prstGeom>
-        </p:spPr>
-        <p:txBody>
-          <a:bodyPr lIns="0" rIns="0" tIns="0" bIns="0" anchor="b"/>
-          <a:p>
-            <a:pPr algn="r"/>
-            <a:fld id="{8F8321CF-6A18-47F7-92D6-7D275EA45CB3}" type="slidenum">
-              <a:rPr lang="en-US" sz="1400">
-                <a:latin typeface="Times New Roman"/>
-              </a:rPr>
-              <a:t>&lt;number&gt;</a:t>
+              <a:t>Arsenij Jazenjuk und Olexandr Turtschynow sind, oder (3) wie viele Ukrainer russischer Abstammung sind. </a:t>
+            </a:r>
+            <a:endParaRPr/>
+          </a:p>
+        </p:txBody>
+      </p:sp>
+      <p:sp>
+        <p:nvSpPr>
+          <p:cNvPr id="197" name="TextShape 2"/>
+          <p:cNvSpPr txBox="1"/>
+          <p:nvPr/>
+        </p:nvSpPr>
+        <p:spPr>
+          <a:xfrm>
+            <a:off x="3884760" y="8685360"/>
+            <a:ext cx="2971440" cy="456840"/>
+          </a:xfrm>
+          <a:prstGeom prst="rect">
+            <a:avLst/>
+          </a:prstGeom>
+        </p:spPr>
+        <p:txBody>
+          <a:bodyPr anchor="b"/>
+          <a:lstStyle/>
+          <a:p>
+            <a:pPr algn="r">
+              <a:lnSpc>
+                <a:spcPct val="100000"/>
+              </a:lnSpc>
+            </a:pPr>
+            <a:fld id="{1D2A6CB8-ABE1-4AEA-93C5-1686E33B29B6}" type="slidenum">
+              <a:rPr lang="en-US" sz="1200">
+                <a:solidFill>
+                  <a:srgbClr val="000000"/>
+                </a:solidFill>
+                <a:latin typeface="+mn-lt"/>
+                <a:ea typeface="+mn-ea"/>
+              </a:rPr>
+              <a:pPr algn="r">
+                <a:lnSpc>
+                  <a:spcPct val="100000"/>
+                </a:lnSpc>
+              </a:pPr>
+              <a:t>2</a:t>
             </a:fld>
             <a:endParaRPr/>
           </a:p>
@@ -208,12 +511,14 @@
       </p:sp>
     </p:spTree>
   </p:cSld>
-  <p:clrMap bg1="lt1" bg2="lt2" tx1="dk1" tx2="dk2" accent1="accent1" accent2="accent2" accent3="accent3" accent4="accent4" accent5="accent5" accent6="accent6" hlink="hlink" folHlink="folHlink"/>
-</p:notesMaster>
+  <p:clrMapOvr>
+    <a:masterClrMapping/>
+  </p:clrMapOvr>
+</p:notes>
 </file>
 
 <file path=ppt/notesSlides/notesSlide2.xml><?xml version="1.0" encoding="utf-8"?>
-<p:notes xmlns:a="http://schemas.openxmlformats.org/drawingml/2006/main" xmlns:p="http://schemas.openxmlformats.org/presentationml/2006/main" xmlns:r="http://schemas.openxmlformats.org/officeDocument/2006/relationships">
+<p:notes xmlns:a="http://schemas.openxmlformats.org/drawingml/2006/main" xmlns:r="http://schemas.openxmlformats.org/officeDocument/2006/relationships" xmlns:p="http://schemas.openxmlformats.org/presentationml/2006/main">
   <p:cSld>
     <p:spTree>
       <p:nvGrpSpPr>
@@ -231,7 +536,7 @@
       </p:grpSpPr>
       <p:sp>
         <p:nvSpPr>
-          <p:cNvPr id="196" name="PlaceHolder 1"/>
+          <p:cNvPr id="200" name="PlaceHolder 1"/>
           <p:cNvSpPr>
             <a:spLocks noGrp="1"/>
           </p:cNvSpPr>
@@ -250,20 +555,120 @@
         </p:spPr>
         <p:txBody>
           <a:bodyPr/>
-          <a:p>
-            <a:r>
-              <a:rPr lang="en-US" sz="2000">
-                <a:latin typeface="Arial"/>
-              </a:rPr>
-              <a:t>Arsenij Jazenjuk und Olexandr Turtschynow sind, oder (3) wie viele Ukrainer russischer Abstammung sind. </a:t>
-            </a:r>
-            <a:endParaRPr/>
-          </a:p>
-        </p:txBody>
-      </p:sp>
-      <p:sp>
-        <p:nvSpPr>
-          <p:cNvPr id="197" name="TextShape 2"/>
+          <a:lstStyle/>
+          <a:p>
+            <a:pPr>
+              <a:lnSpc>
+                <a:spcPct val="100000"/>
+              </a:lnSpc>
+              <a:buFont typeface="Arial"/>
+              <a:buChar char="•"/>
+            </a:pPr>
+            <a:r>
+              <a:rPr lang="en-US" sz="1200">
+                <a:solidFill>
+                  <a:srgbClr val="000000"/>
+                </a:solidFill>
+                <a:latin typeface="+mn-lt"/>
+                <a:ea typeface="+mn-ea"/>
+              </a:rPr>
+              <a:t>Crawlen (RSS-Feeds)</a:t>
+            </a:r>
+            <a:endParaRPr/>
+          </a:p>
+          <a:p>
+            <a:pPr>
+              <a:lnSpc>
+                <a:spcPct val="100000"/>
+              </a:lnSpc>
+              <a:buFont typeface="Arial"/>
+              <a:buChar char="•"/>
+            </a:pPr>
+            <a:r>
+              <a:rPr lang="en-US" sz="1200">
+                <a:solidFill>
+                  <a:srgbClr val="000000"/>
+                </a:solidFill>
+                <a:latin typeface="+mn-lt"/>
+                <a:ea typeface="+mn-ea"/>
+              </a:rPr>
+              <a:t>Clustern (Hierarisch, Agglomerativ, Distanzfunktion)</a:t>
+            </a:r>
+            <a:endParaRPr/>
+          </a:p>
+          <a:p>
+            <a:pPr>
+              <a:lnSpc>
+                <a:spcPct val="100000"/>
+              </a:lnSpc>
+              <a:buFont typeface="Arial"/>
+              <a:buChar char="•"/>
+            </a:pPr>
+            <a:r>
+              <a:rPr lang="en-US" sz="1200">
+                <a:solidFill>
+                  <a:srgbClr val="000000"/>
+                </a:solidFill>
+                <a:latin typeface="+mn-lt"/>
+                <a:ea typeface="+mn-ea"/>
+              </a:rPr>
+              <a:t>Entity Recognition (Stanford NER)</a:t>
+            </a:r>
+            <a:endParaRPr/>
+          </a:p>
+          <a:p>
+            <a:pPr>
+              <a:lnSpc>
+                <a:spcPct val="100000"/>
+              </a:lnSpc>
+              <a:buFont typeface="Arial"/>
+              <a:buChar char="•"/>
+            </a:pPr>
+            <a:r>
+              <a:rPr lang="en-US" sz="1200">
+                <a:solidFill>
+                  <a:srgbClr val="000000"/>
+                </a:solidFill>
+                <a:latin typeface="+mn-lt"/>
+                <a:ea typeface="+mn-ea"/>
+              </a:rPr>
+              <a:t>Hintergrunddaten (Geocode via Google, Freebase, Leaflet/OSMs)</a:t>
+            </a:r>
+            <a:endParaRPr/>
+          </a:p>
+          <a:p>
+            <a:pPr>
+              <a:lnSpc>
+                <a:spcPct val="100000"/>
+              </a:lnSpc>
+              <a:buFont typeface="Arial"/>
+              <a:buChar char="•"/>
+            </a:pPr>
+            <a:r>
+              <a:rPr lang="en-US" sz="1200">
+                <a:solidFill>
+                  <a:srgbClr val="000000"/>
+                </a:solidFill>
+                <a:latin typeface="+mn-lt"/>
+                <a:ea typeface="+mn-ea"/>
+              </a:rPr>
+              <a:t>Webframework (Django)</a:t>
+            </a:r>
+            <a:endParaRPr/>
+          </a:p>
+          <a:p>
+            <a:pPr>
+              <a:lnSpc>
+                <a:spcPct val="100000"/>
+              </a:lnSpc>
+            </a:pPr>
+            <a:endParaRPr/>
+          </a:p>
+        </p:txBody>
+      </p:sp>
+      <p:sp>
+        <p:nvSpPr>
+          <p:cNvPr id="201" name="TextShape 2"/>
           <p:cNvSpPr txBox="1"/>
           <p:nvPr/>
         </p:nvSpPr>
@@ -278,13 +683,14 @@
         </p:spPr>
         <p:txBody>
           <a:bodyPr anchor="b"/>
+          <a:lstStyle/>
           <a:p>
             <a:pPr algn="r">
               <a:lnSpc>
                 <a:spcPct val="100000"/>
               </a:lnSpc>
             </a:pPr>
-            <a:fld id="{1D2A6CB8-ABE1-4AEA-93C5-1686E33B29B6}" type="slidenum">
+            <a:fld id="{CB9272D5-E927-4CF2-8C7A-6EA16831778F}" type="slidenum">
               <a:rPr lang="en-US" sz="1200">
                 <a:solidFill>
                   <a:srgbClr val="000000"/>
@@ -292,7 +698,12 @@
                 <a:latin typeface="+mn-lt"/>
                 <a:ea typeface="+mn-ea"/>
               </a:rPr>
-              <a:t>&lt;number&gt;</a:t>
+              <a:pPr algn="r">
+                <a:lnSpc>
+                  <a:spcPct val="100000"/>
+                </a:lnSpc>
+              </a:pPr>
+              <a:t>8</a:t>
             </a:fld>
             <a:endParaRPr/>
           </a:p>
@@ -300,11 +711,14 @@
       </p:sp>
     </p:spTree>
   </p:cSld>
+  <p:clrMapOvr>
+    <a:masterClrMapping/>
+  </p:clrMapOvr>
 </p:notes>
 </file>
 
 <file path=ppt/notesSlides/notesSlide3.xml><?xml version="1.0" encoding="utf-8"?>
-<p:notes xmlns:a="http://schemas.openxmlformats.org/drawingml/2006/main" xmlns:p="http://schemas.openxmlformats.org/presentationml/2006/main" xmlns:r="http://schemas.openxmlformats.org/officeDocument/2006/relationships">
+<p:notes xmlns:a="http://schemas.openxmlformats.org/drawingml/2006/main" xmlns:r="http://schemas.openxmlformats.org/officeDocument/2006/relationships" xmlns:p="http://schemas.openxmlformats.org/presentationml/2006/main">
   <p:cSld>
     <p:spTree>
       <p:nvGrpSpPr>
@@ -341,6 +755,7 @@
         </p:spPr>
         <p:txBody>
           <a:bodyPr/>
+          <a:lstStyle/>
           <a:p>
             <a:endParaRPr/>
           </a:p>
@@ -363,6 +778,7 @@
         </p:spPr>
         <p:txBody>
           <a:bodyPr anchor="b"/>
+          <a:lstStyle/>
           <a:p>
             <a:pPr algn="r">
               <a:lnSpc>
@@ -377,7 +793,12 @@
                 <a:latin typeface="+mn-lt"/>
                 <a:ea typeface="+mn-ea"/>
               </a:rPr>
-              <a:t>&lt;number&gt;</a:t>
+              <a:pPr algn="r">
+                <a:lnSpc>
+                  <a:spcPct val="100000"/>
+                </a:lnSpc>
+              </a:pPr>
+              <a:t>16</a:t>
             </a:fld>
             <a:endParaRPr/>
           </a:p>
@@ -385,201 +806,14 @@
       </p:sp>
     </p:spTree>
   </p:cSld>
-</p:notes>
-</file>
-
-<file path=ppt/notesSlides/notesSlide6.xml><?xml version="1.0" encoding="utf-8"?>
-<p:notes xmlns:a="http://schemas.openxmlformats.org/drawingml/2006/main" xmlns:p="http://schemas.openxmlformats.org/presentationml/2006/main" xmlns:r="http://schemas.openxmlformats.org/officeDocument/2006/relationships">
-  <p:cSld>
-    <p:spTree>
-      <p:nvGrpSpPr>
-        <p:cNvPr id="1" name=""/>
-        <p:cNvGrpSpPr/>
-        <p:nvPr/>
-      </p:nvGrpSpPr>
-      <p:grpSpPr>
-        <a:xfrm>
-          <a:off x="0" y="0"/>
-          <a:ext cx="0" cy="0"/>
-          <a:chOff x="0" y="0"/>
-          <a:chExt cx="0" cy="0"/>
-        </a:xfrm>
-      </p:grpSpPr>
-      <p:sp>
-        <p:nvSpPr>
-          <p:cNvPr id="200" name="PlaceHolder 1"/>
-          <p:cNvSpPr>
-            <a:spLocks noGrp="1"/>
-          </p:cNvSpPr>
-          <p:nvPr>
-            <p:ph type="body"/>
-          </p:nvPr>
-        </p:nvSpPr>
-        <p:spPr>
-          <a:xfrm>
-            <a:off x="685800" y="4343400"/>
-            <a:ext cx="5486040" cy="4114440"/>
-          </a:xfrm>
-          <a:prstGeom prst="rect">
-            <a:avLst/>
-          </a:prstGeom>
-        </p:spPr>
-        <p:txBody>
-          <a:bodyPr/>
-          <a:p>
-            <a:pPr>
-              <a:lnSpc>
-                <a:spcPct val="100000"/>
-              </a:lnSpc>
-              <a:buFont typeface="Arial"/>
-              <a:buChar char="•"/>
-            </a:pPr>
-            <a:r>
-              <a:rPr lang="en-US" sz="1200">
-                <a:solidFill>
-                  <a:srgbClr val="000000"/>
-                </a:solidFill>
-                <a:latin typeface="+mn-lt"/>
-                <a:ea typeface="+mn-ea"/>
-              </a:rPr>
-              <a:t>Crawlen (RSS-Feeds)</a:t>
-            </a:r>
-            <a:endParaRPr/>
-          </a:p>
-          <a:p>
-            <a:pPr>
-              <a:lnSpc>
-                <a:spcPct val="100000"/>
-              </a:lnSpc>
-              <a:buFont typeface="Arial"/>
-              <a:buChar char="•"/>
-            </a:pPr>
-            <a:r>
-              <a:rPr lang="en-US" sz="1200">
-                <a:solidFill>
-                  <a:srgbClr val="000000"/>
-                </a:solidFill>
-                <a:latin typeface="+mn-lt"/>
-                <a:ea typeface="+mn-ea"/>
-              </a:rPr>
-              <a:t>Clustern (Hierarisch, Agglomerativ, Distanzfunktion)</a:t>
-            </a:r>
-            <a:endParaRPr/>
-          </a:p>
-          <a:p>
-            <a:pPr>
-              <a:lnSpc>
-                <a:spcPct val="100000"/>
-              </a:lnSpc>
-              <a:buFont typeface="Arial"/>
-              <a:buChar char="•"/>
-            </a:pPr>
-            <a:r>
-              <a:rPr lang="en-US" sz="1200">
-                <a:solidFill>
-                  <a:srgbClr val="000000"/>
-                </a:solidFill>
-                <a:latin typeface="+mn-lt"/>
-                <a:ea typeface="+mn-ea"/>
-              </a:rPr>
-              <a:t>Entity Recognition (Stanford NER)</a:t>
-            </a:r>
-            <a:endParaRPr/>
-          </a:p>
-          <a:p>
-            <a:pPr>
-              <a:lnSpc>
-                <a:spcPct val="100000"/>
-              </a:lnSpc>
-              <a:buFont typeface="Arial"/>
-              <a:buChar char="•"/>
-            </a:pPr>
-            <a:r>
-              <a:rPr lang="en-US" sz="1200">
-                <a:solidFill>
-                  <a:srgbClr val="000000"/>
-                </a:solidFill>
-                <a:latin typeface="+mn-lt"/>
-                <a:ea typeface="+mn-ea"/>
-              </a:rPr>
-              <a:t>Hintergrunddaten (Geocode via Google, Freebase, Leaflet/OSMs)</a:t>
-            </a:r>
-            <a:endParaRPr/>
-          </a:p>
-          <a:p>
-            <a:pPr>
-              <a:lnSpc>
-                <a:spcPct val="100000"/>
-              </a:lnSpc>
-              <a:buFont typeface="Arial"/>
-              <a:buChar char="•"/>
-            </a:pPr>
-            <a:r>
-              <a:rPr lang="en-US" sz="1200">
-                <a:solidFill>
-                  <a:srgbClr val="000000"/>
-                </a:solidFill>
-                <a:latin typeface="+mn-lt"/>
-                <a:ea typeface="+mn-ea"/>
-              </a:rPr>
-              <a:t>Webframework (Django)</a:t>
-            </a:r>
-            <a:endParaRPr/>
-          </a:p>
-          <a:p>
-            <a:pPr>
-              <a:lnSpc>
-                <a:spcPct val="100000"/>
-              </a:lnSpc>
-            </a:pPr>
-            <a:endParaRPr/>
-          </a:p>
-        </p:txBody>
-      </p:sp>
-      <p:sp>
-        <p:nvSpPr>
-          <p:cNvPr id="201" name="TextShape 2"/>
-          <p:cNvSpPr txBox="1"/>
-          <p:nvPr/>
-        </p:nvSpPr>
-        <p:spPr>
-          <a:xfrm>
-            <a:off x="3884760" y="8685360"/>
-            <a:ext cx="2971440" cy="456840"/>
-          </a:xfrm>
-          <a:prstGeom prst="rect">
-            <a:avLst/>
-          </a:prstGeom>
-        </p:spPr>
-        <p:txBody>
-          <a:bodyPr anchor="b"/>
-          <a:p>
-            <a:pPr algn="r">
-              <a:lnSpc>
-                <a:spcPct val="100000"/>
-              </a:lnSpc>
-            </a:pPr>
-            <a:fld id="{CB9272D5-E927-4CF2-8C7A-6EA16831778F}" type="slidenum">
-              <a:rPr lang="en-US" sz="1200">
-                <a:solidFill>
-                  <a:srgbClr val="000000"/>
-                </a:solidFill>
-                <a:latin typeface="+mn-lt"/>
-                <a:ea typeface="+mn-ea"/>
-              </a:rPr>
-              <a:t>&lt;number&gt;</a:t>
-            </a:fld>
-            <a:endParaRPr/>
-          </a:p>
-        </p:txBody>
-      </p:sp>
-    </p:spTree>
-  </p:cSld>
+  <p:clrMapOvr>
+    <a:masterClrMapping/>
+  </p:clrMapOvr>
 </p:notes>
 </file>
 
 <file path=ppt/slideLayouts/slideLayout1.xml><?xml version="1.0" encoding="utf-8"?>
-<p:sldLayout xmlns:a="http://schemas.openxmlformats.org/drawingml/2006/main" xmlns:p="http://schemas.openxmlformats.org/presentationml/2006/main" xmlns:r="http://schemas.openxmlformats.org/officeDocument/2006/relationships" type="blank" preserve="1">
+<p:sldLayout xmlns:a="http://schemas.openxmlformats.org/drawingml/2006/main" xmlns:r="http://schemas.openxmlformats.org/officeDocument/2006/relationships" xmlns:p="http://schemas.openxmlformats.org/presentationml/2006/main" type="blank" preserve="1">
   <p:cSld name="Blank Slide">
     <p:spTree>
       <p:nvGrpSpPr>
@@ -597,11 +831,14 @@
       </p:grpSpPr>
     </p:spTree>
   </p:cSld>
+  <p:clrMapOvr>
+    <a:masterClrMapping/>
+  </p:clrMapOvr>
 </p:sldLayout>
 </file>
 
 <file path=ppt/slideLayouts/slideLayout10.xml><?xml version="1.0" encoding="utf-8"?>
-<p:sldLayout xmlns:a="http://schemas.openxmlformats.org/drawingml/2006/main" xmlns:p="http://schemas.openxmlformats.org/presentationml/2006/main" xmlns:r="http://schemas.openxmlformats.org/officeDocument/2006/relationships" type="objOverTx" preserve="1">
+<p:sldLayout xmlns:a="http://schemas.openxmlformats.org/drawingml/2006/main" xmlns:r="http://schemas.openxmlformats.org/officeDocument/2006/relationships" xmlns:p="http://schemas.openxmlformats.org/presentationml/2006/main" type="objOverTx" preserve="1">
   <p:cSld name="Title, Content over Content">
     <p:spTree>
       <p:nvGrpSpPr>
@@ -637,7 +874,8 @@
           </a:prstGeom>
         </p:spPr>
         <p:txBody>
-          <a:bodyPr lIns="0" rIns="0" tIns="0" bIns="0" anchor="ctr"/>
+          <a:bodyPr lIns="0" tIns="0" rIns="0" bIns="0" anchor="ctr"/>
+          <a:lstStyle/>
           <a:p>
             <a:endParaRPr/>
           </a:p>
@@ -663,7 +901,8 @@
           </a:prstGeom>
         </p:spPr>
         <p:txBody>
-          <a:bodyPr lIns="0" rIns="0" tIns="0" bIns="0"/>
+          <a:bodyPr lIns="0" tIns="0" rIns="0" bIns="0"/>
+          <a:lstStyle/>
           <a:p>
             <a:endParaRPr/>
           </a:p>
@@ -689,7 +928,8 @@
           </a:prstGeom>
         </p:spPr>
         <p:txBody>
-          <a:bodyPr lIns="0" rIns="0" tIns="0" bIns="0"/>
+          <a:bodyPr lIns="0" tIns="0" rIns="0" bIns="0"/>
+          <a:lstStyle/>
           <a:p>
             <a:endParaRPr/>
           </a:p>
@@ -697,11 +937,14 @@
       </p:sp>
     </p:spTree>
   </p:cSld>
+  <p:clrMapOvr>
+    <a:masterClrMapping/>
+  </p:clrMapOvr>
 </p:sldLayout>
 </file>
 
 <file path=ppt/slideLayouts/slideLayout11.xml><?xml version="1.0" encoding="utf-8"?>
-<p:sldLayout xmlns:a="http://schemas.openxmlformats.org/drawingml/2006/main" xmlns:p="http://schemas.openxmlformats.org/presentationml/2006/main" xmlns:r="http://schemas.openxmlformats.org/officeDocument/2006/relationships" type="fourObj" preserve="1">
+<p:sldLayout xmlns:a="http://schemas.openxmlformats.org/drawingml/2006/main" xmlns:r="http://schemas.openxmlformats.org/officeDocument/2006/relationships" xmlns:p="http://schemas.openxmlformats.org/presentationml/2006/main" type="fourObj" preserve="1">
   <p:cSld name="Title, 4 Content">
     <p:spTree>
       <p:nvGrpSpPr>
@@ -737,7 +980,8 @@
           </a:prstGeom>
         </p:spPr>
         <p:txBody>
-          <a:bodyPr lIns="0" rIns="0" tIns="0" bIns="0" anchor="ctr"/>
+          <a:bodyPr lIns="0" tIns="0" rIns="0" bIns="0" anchor="ctr"/>
+          <a:lstStyle/>
           <a:p>
             <a:endParaRPr/>
           </a:p>
@@ -763,7 +1007,8 @@
           </a:prstGeom>
         </p:spPr>
         <p:txBody>
-          <a:bodyPr lIns="0" rIns="0" tIns="0" bIns="0"/>
+          <a:bodyPr lIns="0" tIns="0" rIns="0" bIns="0"/>
+          <a:lstStyle/>
           <a:p>
             <a:endParaRPr/>
           </a:p>
@@ -789,7 +1034,8 @@
           </a:prstGeom>
         </p:spPr>
         <p:txBody>
-          <a:bodyPr lIns="0" rIns="0" tIns="0" bIns="0"/>
+          <a:bodyPr lIns="0" tIns="0" rIns="0" bIns="0"/>
+          <a:lstStyle/>
           <a:p>
             <a:endParaRPr/>
           </a:p>
@@ -815,7 +1061,8 @@
           </a:prstGeom>
         </p:spPr>
         <p:txBody>
-          <a:bodyPr lIns="0" rIns="0" tIns="0" bIns="0"/>
+          <a:bodyPr lIns="0" tIns="0" rIns="0" bIns="0"/>
+          <a:lstStyle/>
           <a:p>
             <a:endParaRPr/>
           </a:p>
@@ -841,7 +1088,8 @@
           </a:prstGeom>
         </p:spPr>
         <p:txBody>
-          <a:bodyPr lIns="0" rIns="0" tIns="0" bIns="0"/>
+          <a:bodyPr lIns="0" tIns="0" rIns="0" bIns="0"/>
+          <a:lstStyle/>
           <a:p>
             <a:endParaRPr/>
           </a:p>
@@ -849,11 +1097,14 @@
       </p:sp>
     </p:spTree>
   </p:cSld>
+  <p:clrMapOvr>
+    <a:masterClrMapping/>
+  </p:clrMapOvr>
 </p:sldLayout>
 </file>
 
 <file path=ppt/slideLayouts/slideLayout12.xml><?xml version="1.0" encoding="utf-8"?>
-<p:sldLayout xmlns:a="http://schemas.openxmlformats.org/drawingml/2006/main" xmlns:p="http://schemas.openxmlformats.org/presentationml/2006/main" xmlns:r="http://schemas.openxmlformats.org/officeDocument/2006/relationships" type="blank" preserve="1">
+<p:sldLayout xmlns:a="http://schemas.openxmlformats.org/drawingml/2006/main" xmlns:r="http://schemas.openxmlformats.org/officeDocument/2006/relationships" xmlns:p="http://schemas.openxmlformats.org/presentationml/2006/main" type="blank" preserve="1">
   <p:cSld name="Title, 6 Content">
     <p:spTree>
       <p:nvGrpSpPr>
@@ -889,7 +1140,8 @@
           </a:prstGeom>
         </p:spPr>
         <p:txBody>
-          <a:bodyPr lIns="0" rIns="0" tIns="0" bIns="0" anchor="ctr"/>
+          <a:bodyPr lIns="0" tIns="0" rIns="0" bIns="0" anchor="ctr"/>
+          <a:lstStyle/>
           <a:p>
             <a:endParaRPr/>
           </a:p>
@@ -915,7 +1167,8 @@
           </a:prstGeom>
         </p:spPr>
         <p:txBody>
-          <a:bodyPr lIns="0" rIns="0" tIns="0" bIns="0"/>
+          <a:bodyPr lIns="0" tIns="0" rIns="0" bIns="0"/>
+          <a:lstStyle/>
           <a:p>
             <a:endParaRPr/>
           </a:p>
@@ -941,7 +1194,8 @@
           </a:prstGeom>
         </p:spPr>
         <p:txBody>
-          <a:bodyPr lIns="0" rIns="0" tIns="0" bIns="0"/>
+          <a:bodyPr lIns="0" tIns="0" rIns="0" bIns="0"/>
+          <a:lstStyle/>
           <a:p>
             <a:endParaRPr/>
           </a:p>
@@ -949,12 +1203,12 @@
       </p:sp>
       <p:pic>
         <p:nvPicPr>
-          <p:cNvPr id="40" name="" descr=""/>
+          <p:cNvPr id="40" name="Grafik 39"/>
           <p:cNvPicPr/>
           <p:nvPr/>
         </p:nvPicPr>
         <p:blipFill>
-          <a:blip r:embed="rId2"/>
+          <a:blip r:embed="rId2" cstate="print"/>
           <a:stretch>
             <a:fillRect/>
           </a:stretch>
@@ -974,12 +1228,12 @@
       </p:pic>
       <p:pic>
         <p:nvPicPr>
-          <p:cNvPr id="41" name="" descr=""/>
+          <p:cNvPr id="41" name="Grafik 40"/>
           <p:cNvPicPr/>
           <p:nvPr/>
         </p:nvPicPr>
         <p:blipFill>
-          <a:blip r:embed="rId3"/>
+          <a:blip r:embed="rId2" cstate="print"/>
           <a:stretch>
             <a:fillRect/>
           </a:stretch>
@@ -999,11 +1253,14 @@
       </p:pic>
     </p:spTree>
   </p:cSld>
+  <p:clrMapOvr>
+    <a:masterClrMapping/>
+  </p:clrMapOvr>
 </p:sldLayout>
 </file>
 
 <file path=ppt/slideLayouts/slideLayout13.xml><?xml version="1.0" encoding="utf-8"?>
-<p:sldLayout xmlns:a="http://schemas.openxmlformats.org/drawingml/2006/main" xmlns:p="http://schemas.openxmlformats.org/presentationml/2006/main" xmlns:r="http://schemas.openxmlformats.org/officeDocument/2006/relationships" type="blank" preserve="1">
+<p:sldLayout xmlns:a="http://schemas.openxmlformats.org/drawingml/2006/main" xmlns:r="http://schemas.openxmlformats.org/officeDocument/2006/relationships" xmlns:p="http://schemas.openxmlformats.org/presentationml/2006/main" type="blank" preserve="1">
   <p:cSld name="Blank Slide">
     <p:spTree>
       <p:nvGrpSpPr>
@@ -1021,11 +1278,14 @@
       </p:grpSpPr>
     </p:spTree>
   </p:cSld>
+  <p:clrMapOvr>
+    <a:masterClrMapping/>
+  </p:clrMapOvr>
 </p:sldLayout>
 </file>
 
 <file path=ppt/slideLayouts/slideLayout14.xml><?xml version="1.0" encoding="utf-8"?>
-<p:sldLayout xmlns:a="http://schemas.openxmlformats.org/drawingml/2006/main" xmlns:p="http://schemas.openxmlformats.org/presentationml/2006/main" xmlns:r="http://schemas.openxmlformats.org/officeDocument/2006/relationships" type="tx" preserve="1">
+<p:sldLayout xmlns:a="http://schemas.openxmlformats.org/drawingml/2006/main" xmlns:r="http://schemas.openxmlformats.org/officeDocument/2006/relationships" xmlns:p="http://schemas.openxmlformats.org/presentationml/2006/main" type="tx" preserve="1">
   <p:cSld name="Title Slide">
     <p:spTree>
       <p:nvGrpSpPr>
@@ -1061,7 +1321,8 @@
           </a:prstGeom>
         </p:spPr>
         <p:txBody>
-          <a:bodyPr lIns="0" rIns="0" tIns="0" bIns="0" anchor="ctr"/>
+          <a:bodyPr lIns="0" tIns="0" rIns="0" bIns="0" anchor="ctr"/>
+          <a:lstStyle/>
           <a:p>
             <a:endParaRPr/>
           </a:p>
@@ -1087,7 +1348,8 @@
           </a:prstGeom>
         </p:spPr>
         <p:txBody>
-          <a:bodyPr lIns="0" rIns="0" tIns="0" bIns="0" anchor="ctr"/>
+          <a:bodyPr lIns="0" tIns="0" rIns="0" bIns="0" anchor="ctr"/>
+          <a:lstStyle/>
           <a:p>
             <a:pPr algn="ctr"/>
             <a:endParaRPr/>
@@ -1096,11 +1358,14 @@
       </p:sp>
     </p:spTree>
   </p:cSld>
+  <p:clrMapOvr>
+    <a:masterClrMapping/>
+  </p:clrMapOvr>
 </p:sldLayout>
 </file>
 
 <file path=ppt/slideLayouts/slideLayout15.xml><?xml version="1.0" encoding="utf-8"?>
-<p:sldLayout xmlns:a="http://schemas.openxmlformats.org/drawingml/2006/main" xmlns:p="http://schemas.openxmlformats.org/presentationml/2006/main" xmlns:r="http://schemas.openxmlformats.org/officeDocument/2006/relationships" type="obj" preserve="1">
+<p:sldLayout xmlns:a="http://schemas.openxmlformats.org/drawingml/2006/main" xmlns:r="http://schemas.openxmlformats.org/officeDocument/2006/relationships" xmlns:p="http://schemas.openxmlformats.org/presentationml/2006/main" type="obj" preserve="1">
   <p:cSld name="Title, Content">
     <p:spTree>
       <p:nvGrpSpPr>
@@ -1136,7 +1401,8 @@
           </a:prstGeom>
         </p:spPr>
         <p:txBody>
-          <a:bodyPr lIns="0" rIns="0" tIns="0" bIns="0" anchor="ctr"/>
+          <a:bodyPr lIns="0" tIns="0" rIns="0" bIns="0" anchor="ctr"/>
+          <a:lstStyle/>
           <a:p>
             <a:endParaRPr/>
           </a:p>
@@ -1162,7 +1428,8 @@
           </a:prstGeom>
         </p:spPr>
         <p:txBody>
-          <a:bodyPr lIns="0" rIns="0" tIns="0" bIns="0"/>
+          <a:bodyPr lIns="0" tIns="0" rIns="0" bIns="0"/>
+          <a:lstStyle/>
           <a:p>
             <a:endParaRPr/>
           </a:p>
@@ -1170,11 +1437,14 @@
       </p:sp>
     </p:spTree>
   </p:cSld>
+  <p:clrMapOvr>
+    <a:masterClrMapping/>
+  </p:clrMapOvr>
 </p:sldLayout>
 </file>
 
 <file path=ppt/slideLayouts/slideLayout16.xml><?xml version="1.0" encoding="utf-8"?>
-<p:sldLayout xmlns:a="http://schemas.openxmlformats.org/drawingml/2006/main" xmlns:p="http://schemas.openxmlformats.org/presentationml/2006/main" xmlns:r="http://schemas.openxmlformats.org/officeDocument/2006/relationships" type="twoObj" preserve="1">
+<p:sldLayout xmlns:a="http://schemas.openxmlformats.org/drawingml/2006/main" xmlns:r="http://schemas.openxmlformats.org/officeDocument/2006/relationships" xmlns:p="http://schemas.openxmlformats.org/presentationml/2006/main" type="twoObj" preserve="1">
   <p:cSld name="Title, 2 Content">
     <p:spTree>
       <p:nvGrpSpPr>
@@ -1210,7 +1480,8 @@
           </a:prstGeom>
         </p:spPr>
         <p:txBody>
-          <a:bodyPr lIns="0" rIns="0" tIns="0" bIns="0" anchor="ctr"/>
+          <a:bodyPr lIns="0" tIns="0" rIns="0" bIns="0" anchor="ctr"/>
+          <a:lstStyle/>
           <a:p>
             <a:endParaRPr/>
           </a:p>
@@ -1236,7 +1507,8 @@
           </a:prstGeom>
         </p:spPr>
         <p:txBody>
-          <a:bodyPr lIns="0" rIns="0" tIns="0" bIns="0"/>
+          <a:bodyPr lIns="0" tIns="0" rIns="0" bIns="0"/>
+          <a:lstStyle/>
           <a:p>
             <a:endParaRPr/>
           </a:p>
@@ -1262,7 +1534,8 @@
           </a:prstGeom>
         </p:spPr>
         <p:txBody>
-          <a:bodyPr lIns="0" rIns="0" tIns="0" bIns="0"/>
+          <a:bodyPr lIns="0" tIns="0" rIns="0" bIns="0"/>
+          <a:lstStyle/>
           <a:p>
             <a:endParaRPr/>
           </a:p>
@@ -1270,11 +1543,14 @@
       </p:sp>
     </p:spTree>
   </p:cSld>
+  <p:clrMapOvr>
+    <a:masterClrMapping/>
+  </p:clrMapOvr>
 </p:sldLayout>
 </file>
 
 <file path=ppt/slideLayouts/slideLayout17.xml><?xml version="1.0" encoding="utf-8"?>
-<p:sldLayout xmlns:a="http://schemas.openxmlformats.org/drawingml/2006/main" xmlns:p="http://schemas.openxmlformats.org/presentationml/2006/main" xmlns:r="http://schemas.openxmlformats.org/officeDocument/2006/relationships" type="titleOnly" preserve="1">
+<p:sldLayout xmlns:a="http://schemas.openxmlformats.org/drawingml/2006/main" xmlns:r="http://schemas.openxmlformats.org/officeDocument/2006/relationships" xmlns:p="http://schemas.openxmlformats.org/presentationml/2006/main" type="titleOnly" preserve="1">
   <p:cSld name="Title Only">
     <p:spTree>
       <p:nvGrpSpPr>
@@ -1310,7 +1586,8 @@
           </a:prstGeom>
         </p:spPr>
         <p:txBody>
-          <a:bodyPr lIns="0" rIns="0" tIns="0" bIns="0" anchor="ctr"/>
+          <a:bodyPr lIns="0" tIns="0" rIns="0" bIns="0" anchor="ctr"/>
+          <a:lstStyle/>
           <a:p>
             <a:endParaRPr/>
           </a:p>
@@ -1318,11 +1595,14 @@
       </p:sp>
     </p:spTree>
   </p:cSld>
+  <p:clrMapOvr>
+    <a:masterClrMapping/>
+  </p:clrMapOvr>
 </p:sldLayout>
 </file>
 
 <file path=ppt/slideLayouts/slideLayout18.xml><?xml version="1.0" encoding="utf-8"?>
-<p:sldLayout xmlns:a="http://schemas.openxmlformats.org/drawingml/2006/main" xmlns:p="http://schemas.openxmlformats.org/presentationml/2006/main" xmlns:r="http://schemas.openxmlformats.org/officeDocument/2006/relationships" type="objOnly" preserve="1">
+<p:sldLayout xmlns:a="http://schemas.openxmlformats.org/drawingml/2006/main" xmlns:r="http://schemas.openxmlformats.org/officeDocument/2006/relationships" xmlns:p="http://schemas.openxmlformats.org/presentationml/2006/main" type="objOnly" preserve="1">
   <p:cSld name="Centered Text">
     <p:spTree>
       <p:nvGrpSpPr>
@@ -1358,7 +1638,8 @@
           </a:prstGeom>
         </p:spPr>
         <p:txBody>
-          <a:bodyPr lIns="0" rIns="0" tIns="0" bIns="0" anchor="ctr"/>
+          <a:bodyPr lIns="0" tIns="0" rIns="0" bIns="0" anchor="ctr"/>
+          <a:lstStyle/>
           <a:p>
             <a:pPr algn="ctr"/>
             <a:endParaRPr/>
@@ -1367,11 +1648,14 @@
       </p:sp>
     </p:spTree>
   </p:cSld>
+  <p:clrMapOvr>
+    <a:masterClrMapping/>
+  </p:clrMapOvr>
 </p:sldLayout>
 </file>
 
 <file path=ppt/slideLayouts/slideLayout19.xml><?xml version="1.0" encoding="utf-8"?>
-<p:sldLayout xmlns:a="http://schemas.openxmlformats.org/drawingml/2006/main" xmlns:p="http://schemas.openxmlformats.org/presentationml/2006/main" xmlns:r="http://schemas.openxmlformats.org/officeDocument/2006/relationships" type="twoObjAndObj" preserve="1">
+<p:sldLayout xmlns:a="http://schemas.openxmlformats.org/drawingml/2006/main" xmlns:r="http://schemas.openxmlformats.org/officeDocument/2006/relationships" xmlns:p="http://schemas.openxmlformats.org/presentationml/2006/main" type="twoObjAndObj" preserve="1">
   <p:cSld name="Title, 2 Content and Content">
     <p:spTree>
       <p:nvGrpSpPr>
@@ -1407,7 +1691,8 @@
           </a:prstGeom>
         </p:spPr>
         <p:txBody>
-          <a:bodyPr lIns="0" rIns="0" tIns="0" bIns="0" anchor="ctr"/>
+          <a:bodyPr lIns="0" tIns="0" rIns="0" bIns="0" anchor="ctr"/>
+          <a:lstStyle/>
           <a:p>
             <a:endParaRPr/>
           </a:p>
@@ -1433,7 +1718,8 @@
           </a:prstGeom>
         </p:spPr>
         <p:txBody>
-          <a:bodyPr lIns="0" rIns="0" tIns="0" bIns="0"/>
+          <a:bodyPr lIns="0" tIns="0" rIns="0" bIns="0"/>
+          <a:lstStyle/>
           <a:p>
             <a:endParaRPr/>
           </a:p>
@@ -1459,7 +1745,8 @@
           </a:prstGeom>
         </p:spPr>
         <p:txBody>
-          <a:bodyPr lIns="0" rIns="0" tIns="0" bIns="0"/>
+          <a:bodyPr lIns="0" tIns="0" rIns="0" bIns="0"/>
+          <a:lstStyle/>
           <a:p>
             <a:endParaRPr/>
           </a:p>
@@ -1485,7 +1772,8 @@
           </a:prstGeom>
         </p:spPr>
         <p:txBody>
-          <a:bodyPr lIns="0" rIns="0" tIns="0" bIns="0"/>
+          <a:bodyPr lIns="0" tIns="0" rIns="0" bIns="0"/>
+          <a:lstStyle/>
           <a:p>
             <a:endParaRPr/>
           </a:p>
@@ -1493,11 +1781,14 @@
       </p:sp>
     </p:spTree>
   </p:cSld>
+  <p:clrMapOvr>
+    <a:masterClrMapping/>
+  </p:clrMapOvr>
 </p:sldLayout>
 </file>
 
 <file path=ppt/slideLayouts/slideLayout2.xml><?xml version="1.0" encoding="utf-8"?>
-<p:sldLayout xmlns:a="http://schemas.openxmlformats.org/drawingml/2006/main" xmlns:p="http://schemas.openxmlformats.org/presentationml/2006/main" xmlns:r="http://schemas.openxmlformats.org/officeDocument/2006/relationships" type="tx" preserve="1">
+<p:sldLayout xmlns:a="http://schemas.openxmlformats.org/drawingml/2006/main" xmlns:r="http://schemas.openxmlformats.org/officeDocument/2006/relationships" xmlns:p="http://schemas.openxmlformats.org/presentationml/2006/main" type="tx" preserve="1">
   <p:cSld name="Title Slide">
     <p:spTree>
       <p:nvGrpSpPr>
@@ -1533,7 +1824,8 @@
           </a:prstGeom>
         </p:spPr>
         <p:txBody>
-          <a:bodyPr lIns="0" rIns="0" tIns="0" bIns="0" anchor="ctr"/>
+          <a:bodyPr lIns="0" tIns="0" rIns="0" bIns="0" anchor="ctr"/>
+          <a:lstStyle/>
           <a:p>
             <a:endParaRPr/>
           </a:p>
@@ -1559,7 +1851,8 @@
           </a:prstGeom>
         </p:spPr>
         <p:txBody>
-          <a:bodyPr lIns="0" rIns="0" tIns="0" bIns="0" anchor="ctr"/>
+          <a:bodyPr lIns="0" tIns="0" rIns="0" bIns="0" anchor="ctr"/>
+          <a:lstStyle/>
           <a:p>
             <a:pPr algn="ctr"/>
             <a:endParaRPr/>
@@ -1568,11 +1861,14 @@
       </p:sp>
     </p:spTree>
   </p:cSld>
+  <p:clrMapOvr>
+    <a:masterClrMapping/>
+  </p:clrMapOvr>
 </p:sldLayout>
 </file>
 
 <file path=ppt/slideLayouts/slideLayout20.xml><?xml version="1.0" encoding="utf-8"?>
-<p:sldLayout xmlns:a="http://schemas.openxmlformats.org/drawingml/2006/main" xmlns:p="http://schemas.openxmlformats.org/presentationml/2006/main" xmlns:r="http://schemas.openxmlformats.org/officeDocument/2006/relationships" type="objAndTwoObj" preserve="1">
+<p:sldLayout xmlns:a="http://schemas.openxmlformats.org/drawingml/2006/main" xmlns:r="http://schemas.openxmlformats.org/officeDocument/2006/relationships" xmlns:p="http://schemas.openxmlformats.org/presentationml/2006/main" type="objAndTwoObj" preserve="1">
   <p:cSld name="Title Content and 2 Content">
     <p:spTree>
       <p:nvGrpSpPr>
@@ -1608,7 +1904,8 @@
           </a:prstGeom>
         </p:spPr>
         <p:txBody>
-          <a:bodyPr lIns="0" rIns="0" tIns="0" bIns="0" anchor="ctr"/>
+          <a:bodyPr lIns="0" tIns="0" rIns="0" bIns="0" anchor="ctr"/>
+          <a:lstStyle/>
           <a:p>
             <a:endParaRPr/>
           </a:p>
@@ -1634,7 +1931,8 @@
           </a:prstGeom>
         </p:spPr>
         <p:txBody>
-          <a:bodyPr lIns="0" rIns="0" tIns="0" bIns="0"/>
+          <a:bodyPr lIns="0" tIns="0" rIns="0" bIns="0"/>
+          <a:lstStyle/>
           <a:p>
             <a:endParaRPr/>
           </a:p>
@@ -1660,7 +1958,8 @@
           </a:prstGeom>
         </p:spPr>
         <p:txBody>
-          <a:bodyPr lIns="0" rIns="0" tIns="0" bIns="0"/>
+          <a:bodyPr lIns="0" tIns="0" rIns="0" bIns="0"/>
+          <a:lstStyle/>
           <a:p>
             <a:endParaRPr/>
           </a:p>
@@ -1686,7 +1985,8 @@
           </a:prstGeom>
         </p:spPr>
         <p:txBody>
-          <a:bodyPr lIns="0" rIns="0" tIns="0" bIns="0"/>
+          <a:bodyPr lIns="0" tIns="0" rIns="0" bIns="0"/>
+          <a:lstStyle/>
           <a:p>
             <a:endParaRPr/>
           </a:p>
@@ -1694,11 +1994,14 @@
       </p:sp>
     </p:spTree>
   </p:cSld>
+  <p:clrMapOvr>
+    <a:masterClrMapping/>
+  </p:clrMapOvr>
 </p:sldLayout>
 </file>
 
 <file path=ppt/slideLayouts/slideLayout21.xml><?xml version="1.0" encoding="utf-8"?>
-<p:sldLayout xmlns:a="http://schemas.openxmlformats.org/drawingml/2006/main" xmlns:p="http://schemas.openxmlformats.org/presentationml/2006/main" xmlns:r="http://schemas.openxmlformats.org/officeDocument/2006/relationships" type="twoObjOverTx" preserve="1">
+<p:sldLayout xmlns:a="http://schemas.openxmlformats.org/drawingml/2006/main" xmlns:r="http://schemas.openxmlformats.org/officeDocument/2006/relationships" xmlns:p="http://schemas.openxmlformats.org/presentationml/2006/main" type="twoObjOverTx" preserve="1">
   <p:cSld name="Title, 2 Content over Content">
     <p:spTree>
       <p:nvGrpSpPr>
@@ -1734,7 +2037,8 @@
           </a:prstGeom>
         </p:spPr>
         <p:txBody>
-          <a:bodyPr lIns="0" rIns="0" tIns="0" bIns="0" anchor="ctr"/>
+          <a:bodyPr lIns="0" tIns="0" rIns="0" bIns="0" anchor="ctr"/>
+          <a:lstStyle/>
           <a:p>
             <a:endParaRPr/>
           </a:p>
@@ -1760,7 +2064,8 @@
           </a:prstGeom>
         </p:spPr>
         <p:txBody>
-          <a:bodyPr lIns="0" rIns="0" tIns="0" bIns="0"/>
+          <a:bodyPr lIns="0" tIns="0" rIns="0" bIns="0"/>
+          <a:lstStyle/>
           <a:p>
             <a:endParaRPr/>
           </a:p>
@@ -1786,7 +2091,8 @@
           </a:prstGeom>
         </p:spPr>
         <p:txBody>
-          <a:bodyPr lIns="0" rIns="0" tIns="0" bIns="0"/>
+          <a:bodyPr lIns="0" tIns="0" rIns="0" bIns="0"/>
+          <a:lstStyle/>
           <a:p>
             <a:endParaRPr/>
           </a:p>
@@ -1812,7 +2118,8 @@
           </a:prstGeom>
         </p:spPr>
         <p:txBody>
-          <a:bodyPr lIns="0" rIns="0" tIns="0" bIns="0"/>
+          <a:bodyPr lIns="0" tIns="0" rIns="0" bIns="0"/>
+          <a:lstStyle/>
           <a:p>
             <a:endParaRPr/>
           </a:p>
@@ -1820,11 +2127,14 @@
       </p:sp>
     </p:spTree>
   </p:cSld>
+  <p:clrMapOvr>
+    <a:masterClrMapping/>
+  </p:clrMapOvr>
 </p:sldLayout>
 </file>
 
 <file path=ppt/slideLayouts/slideLayout22.xml><?xml version="1.0" encoding="utf-8"?>
-<p:sldLayout xmlns:a="http://schemas.openxmlformats.org/drawingml/2006/main" xmlns:p="http://schemas.openxmlformats.org/presentationml/2006/main" xmlns:r="http://schemas.openxmlformats.org/officeDocument/2006/relationships" type="objOverTx" preserve="1">
+<p:sldLayout xmlns:a="http://schemas.openxmlformats.org/drawingml/2006/main" xmlns:r="http://schemas.openxmlformats.org/officeDocument/2006/relationships" xmlns:p="http://schemas.openxmlformats.org/presentationml/2006/main" type="objOverTx" preserve="1">
   <p:cSld name="Title, Content over Content">
     <p:spTree>
       <p:nvGrpSpPr>
@@ -1860,7 +2170,8 @@
           </a:prstGeom>
         </p:spPr>
         <p:txBody>
-          <a:bodyPr lIns="0" rIns="0" tIns="0" bIns="0" anchor="ctr"/>
+          <a:bodyPr lIns="0" tIns="0" rIns="0" bIns="0" anchor="ctr"/>
+          <a:lstStyle/>
           <a:p>
             <a:endParaRPr/>
           </a:p>
@@ -1886,7 +2197,8 @@
           </a:prstGeom>
         </p:spPr>
         <p:txBody>
-          <a:bodyPr lIns="0" rIns="0" tIns="0" bIns="0"/>
+          <a:bodyPr lIns="0" tIns="0" rIns="0" bIns="0"/>
+          <a:lstStyle/>
           <a:p>
             <a:endParaRPr/>
           </a:p>
@@ -1912,7 +2224,8 @@
           </a:prstGeom>
         </p:spPr>
         <p:txBody>
-          <a:bodyPr lIns="0" rIns="0" tIns="0" bIns="0"/>
+          <a:bodyPr lIns="0" tIns="0" rIns="0" bIns="0"/>
+          <a:lstStyle/>
           <a:p>
             <a:endParaRPr/>
           </a:p>
@@ -1920,11 +2233,14 @@
       </p:sp>
     </p:spTree>
   </p:cSld>
+  <p:clrMapOvr>
+    <a:masterClrMapping/>
+  </p:clrMapOvr>
 </p:sldLayout>
 </file>
 
 <file path=ppt/slideLayouts/slideLayout23.xml><?xml version="1.0" encoding="utf-8"?>
-<p:sldLayout xmlns:a="http://schemas.openxmlformats.org/drawingml/2006/main" xmlns:p="http://schemas.openxmlformats.org/presentationml/2006/main" xmlns:r="http://schemas.openxmlformats.org/officeDocument/2006/relationships" type="fourObj" preserve="1">
+<p:sldLayout xmlns:a="http://schemas.openxmlformats.org/drawingml/2006/main" xmlns:r="http://schemas.openxmlformats.org/officeDocument/2006/relationships" xmlns:p="http://schemas.openxmlformats.org/presentationml/2006/main" type="fourObj" preserve="1">
   <p:cSld name="Title, 4 Content">
     <p:spTree>
       <p:nvGrpSpPr>
@@ -1960,7 +2276,8 @@
           </a:prstGeom>
         </p:spPr>
         <p:txBody>
-          <a:bodyPr lIns="0" rIns="0" tIns="0" bIns="0" anchor="ctr"/>
+          <a:bodyPr lIns="0" tIns="0" rIns="0" bIns="0" anchor="ctr"/>
+          <a:lstStyle/>
           <a:p>
             <a:endParaRPr/>
           </a:p>
@@ -1986,7 +2303,8 @@
           </a:prstGeom>
         </p:spPr>
         <p:txBody>
-          <a:bodyPr lIns="0" rIns="0" tIns="0" bIns="0"/>
+          <a:bodyPr lIns="0" tIns="0" rIns="0" bIns="0"/>
+          <a:lstStyle/>
           <a:p>
             <a:endParaRPr/>
           </a:p>
@@ -2012,7 +2330,8 @@
           </a:prstGeom>
         </p:spPr>
         <p:txBody>
-          <a:bodyPr lIns="0" rIns="0" tIns="0" bIns="0"/>
+          <a:bodyPr lIns="0" tIns="0" rIns="0" bIns="0"/>
+          <a:lstStyle/>
           <a:p>
             <a:endParaRPr/>
           </a:p>
@@ -2038,7 +2357,8 @@
           </a:prstGeom>
         </p:spPr>
         <p:txBody>
-          <a:bodyPr lIns="0" rIns="0" tIns="0" bIns="0"/>
+          <a:bodyPr lIns="0" tIns="0" rIns="0" bIns="0"/>
+          <a:lstStyle/>
           <a:p>
             <a:endParaRPr/>
           </a:p>
@@ -2064,7 +2384,8 @@
           </a:prstGeom>
         </p:spPr>
         <p:txBody>
-          <a:bodyPr lIns="0" rIns="0" tIns="0" bIns="0"/>
+          <a:bodyPr lIns="0" tIns="0" rIns="0" bIns="0"/>
+          <a:lstStyle/>
           <a:p>
             <a:endParaRPr/>
           </a:p>
@@ -2072,11 +2393,14 @@
       </p:sp>
     </p:spTree>
   </p:cSld>
+  <p:clrMapOvr>
+    <a:masterClrMapping/>
+  </p:clrMapOvr>
 </p:sldLayout>
 </file>
 
 <file path=ppt/slideLayouts/slideLayout24.xml><?xml version="1.0" encoding="utf-8"?>
-<p:sldLayout xmlns:a="http://schemas.openxmlformats.org/drawingml/2006/main" xmlns:p="http://schemas.openxmlformats.org/presentationml/2006/main" xmlns:r="http://schemas.openxmlformats.org/officeDocument/2006/relationships" type="blank" preserve="1">
+<p:sldLayout xmlns:a="http://schemas.openxmlformats.org/drawingml/2006/main" xmlns:r="http://schemas.openxmlformats.org/officeDocument/2006/relationships" xmlns:p="http://schemas.openxmlformats.org/presentationml/2006/main" type="blank" preserve="1">
   <p:cSld name="Title, 6 Content">
     <p:spTree>
       <p:nvGrpSpPr>
@@ -2112,7 +2436,8 @@
           </a:prstGeom>
         </p:spPr>
         <p:txBody>
-          <a:bodyPr lIns="0" rIns="0" tIns="0" bIns="0" anchor="ctr"/>
+          <a:bodyPr lIns="0" tIns="0" rIns="0" bIns="0" anchor="ctr"/>
+          <a:lstStyle/>
           <a:p>
             <a:endParaRPr/>
           </a:p>
@@ -2138,7 +2463,8 @@
           </a:prstGeom>
         </p:spPr>
         <p:txBody>
-          <a:bodyPr lIns="0" rIns="0" tIns="0" bIns="0"/>
+          <a:bodyPr lIns="0" tIns="0" rIns="0" bIns="0"/>
+          <a:lstStyle/>
           <a:p>
             <a:endParaRPr/>
           </a:p>
@@ -2164,7 +2490,8 @@
           </a:prstGeom>
         </p:spPr>
         <p:txBody>
-          <a:bodyPr lIns="0" rIns="0" tIns="0" bIns="0"/>
+          <a:bodyPr lIns="0" tIns="0" rIns="0" bIns="0"/>
+          <a:lstStyle/>
           <a:p>
             <a:endParaRPr/>
           </a:p>
@@ -2172,12 +2499,12 @@
       </p:sp>
       <p:pic>
         <p:nvPicPr>
-          <p:cNvPr id="80" name="" descr=""/>
+          <p:cNvPr id="80" name="Grafik 79"/>
           <p:cNvPicPr/>
           <p:nvPr/>
         </p:nvPicPr>
         <p:blipFill>
-          <a:blip r:embed="rId2"/>
+          <a:blip r:embed="rId2" cstate="print"/>
           <a:stretch>
             <a:fillRect/>
           </a:stretch>
@@ -2197,12 +2524,12 @@
       </p:pic>
       <p:pic>
         <p:nvPicPr>
-          <p:cNvPr id="81" name="" descr=""/>
+          <p:cNvPr id="81" name="Grafik 80"/>
           <p:cNvPicPr/>
           <p:nvPr/>
         </p:nvPicPr>
         <p:blipFill>
-          <a:blip r:embed="rId3"/>
+          <a:blip r:embed="rId2" cstate="print"/>
           <a:stretch>
             <a:fillRect/>
           </a:stretch>
@@ -2222,11 +2549,14 @@
       </p:pic>
     </p:spTree>
   </p:cSld>
+  <p:clrMapOvr>
+    <a:masterClrMapping/>
+  </p:clrMapOvr>
 </p:sldLayout>
 </file>
 
 <file path=ppt/slideLayouts/slideLayout25.xml><?xml version="1.0" encoding="utf-8"?>
-<p:sldLayout xmlns:a="http://schemas.openxmlformats.org/drawingml/2006/main" xmlns:p="http://schemas.openxmlformats.org/presentationml/2006/main" xmlns:r="http://schemas.openxmlformats.org/officeDocument/2006/relationships" type="blank" preserve="1">
+<p:sldLayout xmlns:a="http://schemas.openxmlformats.org/drawingml/2006/main" xmlns:r="http://schemas.openxmlformats.org/officeDocument/2006/relationships" xmlns:p="http://schemas.openxmlformats.org/presentationml/2006/main" type="blank" preserve="1">
   <p:cSld name="Blank Slide">
     <p:spTree>
       <p:nvGrpSpPr>
@@ -2244,11 +2574,14 @@
       </p:grpSpPr>
     </p:spTree>
   </p:cSld>
+  <p:clrMapOvr>
+    <a:masterClrMapping/>
+  </p:clrMapOvr>
 </p:sldLayout>
 </file>
 
 <file path=ppt/slideLayouts/slideLayout26.xml><?xml version="1.0" encoding="utf-8"?>
-<p:sldLayout xmlns:a="http://schemas.openxmlformats.org/drawingml/2006/main" xmlns:p="http://schemas.openxmlformats.org/presentationml/2006/main" xmlns:r="http://schemas.openxmlformats.org/officeDocument/2006/relationships" type="tx" preserve="1">
+<p:sldLayout xmlns:a="http://schemas.openxmlformats.org/drawingml/2006/main" xmlns:r="http://schemas.openxmlformats.org/officeDocument/2006/relationships" xmlns:p="http://schemas.openxmlformats.org/presentationml/2006/main" type="tx" preserve="1">
   <p:cSld name="Title Slide">
     <p:spTree>
       <p:nvGrpSpPr>
@@ -2284,7 +2617,8 @@
           </a:prstGeom>
         </p:spPr>
         <p:txBody>
-          <a:bodyPr lIns="0" rIns="0" tIns="0" bIns="0" anchor="ctr"/>
+          <a:bodyPr lIns="0" tIns="0" rIns="0" bIns="0" anchor="ctr"/>
+          <a:lstStyle/>
           <a:p>
             <a:endParaRPr/>
           </a:p>
@@ -2310,7 +2644,8 @@
           </a:prstGeom>
         </p:spPr>
         <p:txBody>
-          <a:bodyPr lIns="0" rIns="0" tIns="0" bIns="0" anchor="ctr"/>
+          <a:bodyPr lIns="0" tIns="0" rIns="0" bIns="0" anchor="ctr"/>
+          <a:lstStyle/>
           <a:p>
             <a:pPr algn="ctr"/>
             <a:endParaRPr/>
@@ -2319,11 +2654,14 @@
       </p:sp>
     </p:spTree>
   </p:cSld>
+  <p:clrMapOvr>
+    <a:masterClrMapping/>
+  </p:clrMapOvr>
 </p:sldLayout>
 </file>
 
 <file path=ppt/slideLayouts/slideLayout27.xml><?xml version="1.0" encoding="utf-8"?>
-<p:sldLayout xmlns:a="http://schemas.openxmlformats.org/drawingml/2006/main" xmlns:p="http://schemas.openxmlformats.org/presentationml/2006/main" xmlns:r="http://schemas.openxmlformats.org/officeDocument/2006/relationships" type="obj" preserve="1">
+<p:sldLayout xmlns:a="http://schemas.openxmlformats.org/drawingml/2006/main" xmlns:r="http://schemas.openxmlformats.org/officeDocument/2006/relationships" xmlns:p="http://schemas.openxmlformats.org/presentationml/2006/main" type="obj" preserve="1">
   <p:cSld name="Title, Content">
     <p:spTree>
       <p:nvGrpSpPr>
@@ -2359,7 +2697,8 @@
           </a:prstGeom>
         </p:spPr>
         <p:txBody>
-          <a:bodyPr lIns="0" rIns="0" tIns="0" bIns="0" anchor="ctr"/>
+          <a:bodyPr lIns="0" tIns="0" rIns="0" bIns="0" anchor="ctr"/>
+          <a:lstStyle/>
           <a:p>
             <a:endParaRPr/>
           </a:p>
@@ -2385,7 +2724,8 @@
           </a:prstGeom>
         </p:spPr>
         <p:txBody>
-          <a:bodyPr lIns="0" rIns="0" tIns="0" bIns="0"/>
+          <a:bodyPr lIns="0" tIns="0" rIns="0" bIns="0"/>
+          <a:lstStyle/>
           <a:p>
             <a:endParaRPr/>
           </a:p>
@@ -2393,11 +2733,14 @@
       </p:sp>
     </p:spTree>
   </p:cSld>
+  <p:clrMapOvr>
+    <a:masterClrMapping/>
+  </p:clrMapOvr>
 </p:sldLayout>
 </file>
 
 <file path=ppt/slideLayouts/slideLayout28.xml><?xml version="1.0" encoding="utf-8"?>
-<p:sldLayout xmlns:a="http://schemas.openxmlformats.org/drawingml/2006/main" xmlns:p="http://schemas.openxmlformats.org/presentationml/2006/main" xmlns:r="http://schemas.openxmlformats.org/officeDocument/2006/relationships" type="twoObj" preserve="1">
+<p:sldLayout xmlns:a="http://schemas.openxmlformats.org/drawingml/2006/main" xmlns:r="http://schemas.openxmlformats.org/officeDocument/2006/relationships" xmlns:p="http://schemas.openxmlformats.org/presentationml/2006/main" type="twoObj" preserve="1">
   <p:cSld name="Title, 2 Content">
     <p:spTree>
       <p:nvGrpSpPr>
@@ -2433,7 +2776,8 @@
           </a:prstGeom>
         </p:spPr>
         <p:txBody>
-          <a:bodyPr lIns="0" rIns="0" tIns="0" bIns="0" anchor="ctr"/>
+          <a:bodyPr lIns="0" tIns="0" rIns="0" bIns="0" anchor="ctr"/>
+          <a:lstStyle/>
           <a:p>
             <a:endParaRPr/>
           </a:p>
@@ -2459,7 +2803,8 @@
           </a:prstGeom>
         </p:spPr>
         <p:txBody>
-          <a:bodyPr lIns="0" rIns="0" tIns="0" bIns="0"/>
+          <a:bodyPr lIns="0" tIns="0" rIns="0" bIns="0"/>
+          <a:lstStyle/>
           <a:p>
             <a:endParaRPr/>
           </a:p>
@@ -2485,7 +2830,8 @@
           </a:prstGeom>
         </p:spPr>
         <p:txBody>
-          <a:bodyPr lIns="0" rIns="0" tIns="0" bIns="0"/>
+          <a:bodyPr lIns="0" tIns="0" rIns="0" bIns="0"/>
+          <a:lstStyle/>
           <a:p>
             <a:endParaRPr/>
           </a:p>
@@ -2493,11 +2839,14 @@
       </p:sp>
     </p:spTree>
   </p:cSld>
+  <p:clrMapOvr>
+    <a:masterClrMapping/>
+  </p:clrMapOvr>
 </p:sldLayout>
 </file>
 
 <file path=ppt/slideLayouts/slideLayout29.xml><?xml version="1.0" encoding="utf-8"?>
-<p:sldLayout xmlns:a="http://schemas.openxmlformats.org/drawingml/2006/main" xmlns:p="http://schemas.openxmlformats.org/presentationml/2006/main" xmlns:r="http://schemas.openxmlformats.org/officeDocument/2006/relationships" type="titleOnly" preserve="1">
+<p:sldLayout xmlns:a="http://schemas.openxmlformats.org/drawingml/2006/main" xmlns:r="http://schemas.openxmlformats.org/officeDocument/2006/relationships" xmlns:p="http://schemas.openxmlformats.org/presentationml/2006/main" type="titleOnly" preserve="1">
   <p:cSld name="Title Only">
     <p:spTree>
       <p:nvGrpSpPr>
@@ -2533,7 +2882,8 @@
           </a:prstGeom>
         </p:spPr>
         <p:txBody>
-          <a:bodyPr lIns="0" rIns="0" tIns="0" bIns="0" anchor="ctr"/>
+          <a:bodyPr lIns="0" tIns="0" rIns="0" bIns="0" anchor="ctr"/>
+          <a:lstStyle/>
           <a:p>
             <a:endParaRPr/>
           </a:p>
@@ -2541,11 +2891,14 @@
       </p:sp>
     </p:spTree>
   </p:cSld>
+  <p:clrMapOvr>
+    <a:masterClrMapping/>
+  </p:clrMapOvr>
 </p:sldLayout>
 </file>
 
 <file path=ppt/slideLayouts/slideLayout3.xml><?xml version="1.0" encoding="utf-8"?>
-<p:sldLayout xmlns:a="http://schemas.openxmlformats.org/drawingml/2006/main" xmlns:p="http://schemas.openxmlformats.org/presentationml/2006/main" xmlns:r="http://schemas.openxmlformats.org/officeDocument/2006/relationships" type="obj" preserve="1">
+<p:sldLayout xmlns:a="http://schemas.openxmlformats.org/drawingml/2006/main" xmlns:r="http://schemas.openxmlformats.org/officeDocument/2006/relationships" xmlns:p="http://schemas.openxmlformats.org/presentationml/2006/main" type="obj" preserve="1">
   <p:cSld name="Title, Content">
     <p:spTree>
       <p:nvGrpSpPr>
@@ -2581,7 +2934,8 @@
           </a:prstGeom>
         </p:spPr>
         <p:txBody>
-          <a:bodyPr lIns="0" rIns="0" tIns="0" bIns="0" anchor="ctr"/>
+          <a:bodyPr lIns="0" tIns="0" rIns="0" bIns="0" anchor="ctr"/>
+          <a:lstStyle/>
           <a:p>
             <a:endParaRPr/>
           </a:p>
@@ -2607,7 +2961,8 @@
           </a:prstGeom>
         </p:spPr>
         <p:txBody>
-          <a:bodyPr lIns="0" rIns="0" tIns="0" bIns="0"/>
+          <a:bodyPr lIns="0" tIns="0" rIns="0" bIns="0"/>
+          <a:lstStyle/>
           <a:p>
             <a:endParaRPr/>
           </a:p>
@@ -2615,11 +2970,14 @@
       </p:sp>
     </p:spTree>
   </p:cSld>
+  <p:clrMapOvr>
+    <a:masterClrMapping/>
+  </p:clrMapOvr>
 </p:sldLayout>
 </file>
 
 <file path=ppt/slideLayouts/slideLayout30.xml><?xml version="1.0" encoding="utf-8"?>
-<p:sldLayout xmlns:a="http://schemas.openxmlformats.org/drawingml/2006/main" xmlns:p="http://schemas.openxmlformats.org/presentationml/2006/main" xmlns:r="http://schemas.openxmlformats.org/officeDocument/2006/relationships" type="objOnly" preserve="1">
+<p:sldLayout xmlns:a="http://schemas.openxmlformats.org/drawingml/2006/main" xmlns:r="http://schemas.openxmlformats.org/officeDocument/2006/relationships" xmlns:p="http://schemas.openxmlformats.org/presentationml/2006/main" type="objOnly" preserve="1">
   <p:cSld name="Centered Text">
     <p:spTree>
       <p:nvGrpSpPr>
@@ -2655,7 +3013,8 @@
           </a:prstGeom>
         </p:spPr>
         <p:txBody>
-          <a:bodyPr lIns="0" rIns="0" tIns="0" bIns="0" anchor="ctr"/>
+          <a:bodyPr lIns="0" tIns="0" rIns="0" bIns="0" anchor="ctr"/>
+          <a:lstStyle/>
           <a:p>
             <a:pPr algn="ctr"/>
             <a:endParaRPr/>
@@ -2664,11 +3023,14 @@
       </p:sp>
     </p:spTree>
   </p:cSld>
+  <p:clrMapOvr>
+    <a:masterClrMapping/>
+  </p:clrMapOvr>
 </p:sldLayout>
 </file>
 
 <file path=ppt/slideLayouts/slideLayout31.xml><?xml version="1.0" encoding="utf-8"?>
-<p:sldLayout xmlns:a="http://schemas.openxmlformats.org/drawingml/2006/main" xmlns:p="http://schemas.openxmlformats.org/presentationml/2006/main" xmlns:r="http://schemas.openxmlformats.org/officeDocument/2006/relationships" type="twoObjAndObj" preserve="1">
+<p:sldLayout xmlns:a="http://schemas.openxmlformats.org/drawingml/2006/main" xmlns:r="http://schemas.openxmlformats.org/officeDocument/2006/relationships" xmlns:p="http://schemas.openxmlformats.org/presentationml/2006/main" type="twoObjAndObj" preserve="1">
   <p:cSld name="Title, 2 Content and Content">
     <p:spTree>
       <p:nvGrpSpPr>
@@ -2704,7 +3066,8 @@
           </a:prstGeom>
         </p:spPr>
         <p:txBody>
-          <a:bodyPr lIns="0" rIns="0" tIns="0" bIns="0" anchor="ctr"/>
+          <a:bodyPr lIns="0" tIns="0" rIns="0" bIns="0" anchor="ctr"/>
+          <a:lstStyle/>
           <a:p>
             <a:endParaRPr/>
           </a:p>
@@ -2730,7 +3093,8 @@
           </a:prstGeom>
         </p:spPr>
         <p:txBody>
-          <a:bodyPr lIns="0" rIns="0" tIns="0" bIns="0"/>
+          <a:bodyPr lIns="0" tIns="0" rIns="0" bIns="0"/>
+          <a:lstStyle/>
           <a:p>
             <a:endParaRPr/>
           </a:p>
@@ -2756,7 +3120,8 @@
           </a:prstGeom>
         </p:spPr>
         <p:txBody>
-          <a:bodyPr lIns="0" rIns="0" tIns="0" bIns="0"/>
+          <a:bodyPr lIns="0" tIns="0" rIns="0" bIns="0"/>
+          <a:lstStyle/>
           <a:p>
             <a:endParaRPr/>
           </a:p>
@@ -2782,7 +3147,8 @@
           </a:prstGeom>
         </p:spPr>
         <p:txBody>
-          <a:bodyPr lIns="0" rIns="0" tIns="0" bIns="0"/>
+          <a:bodyPr lIns="0" tIns="0" rIns="0" bIns="0"/>
+          <a:lstStyle/>
           <a:p>
             <a:endParaRPr/>
           </a:p>
@@ -2790,11 +3156,14 @@
       </p:sp>
     </p:spTree>
   </p:cSld>
+  <p:clrMapOvr>
+    <a:masterClrMapping/>
+  </p:clrMapOvr>
 </p:sldLayout>
 </file>
 
 <file path=ppt/slideLayouts/slideLayout32.xml><?xml version="1.0" encoding="utf-8"?>
-<p:sldLayout xmlns:a="http://schemas.openxmlformats.org/drawingml/2006/main" xmlns:p="http://schemas.openxmlformats.org/presentationml/2006/main" xmlns:r="http://schemas.openxmlformats.org/officeDocument/2006/relationships" type="objAndTwoObj" preserve="1">
+<p:sldLayout xmlns:a="http://schemas.openxmlformats.org/drawingml/2006/main" xmlns:r="http://schemas.openxmlformats.org/officeDocument/2006/relationships" xmlns:p="http://schemas.openxmlformats.org/presentationml/2006/main" type="objAndTwoObj" preserve="1">
   <p:cSld name="Title Content and 2 Content">
     <p:spTree>
       <p:nvGrpSpPr>
@@ -2830,7 +3199,8 @@
           </a:prstGeom>
         </p:spPr>
         <p:txBody>
-          <a:bodyPr lIns="0" rIns="0" tIns="0" bIns="0" anchor="ctr"/>
+          <a:bodyPr lIns="0" tIns="0" rIns="0" bIns="0" anchor="ctr"/>
+          <a:lstStyle/>
           <a:p>
             <a:endParaRPr/>
           </a:p>
@@ -2856,7 +3226,8 @@
           </a:prstGeom>
         </p:spPr>
         <p:txBody>
-          <a:bodyPr lIns="0" rIns="0" tIns="0" bIns="0"/>
+          <a:bodyPr lIns="0" tIns="0" rIns="0" bIns="0"/>
+          <a:lstStyle/>
           <a:p>
             <a:endParaRPr/>
           </a:p>
@@ -2882,7 +3253,8 @@
           </a:prstGeom>
         </p:spPr>
         <p:txBody>
-          <a:bodyPr lIns="0" rIns="0" tIns="0" bIns="0"/>
+          <a:bodyPr lIns="0" tIns="0" rIns="0" bIns="0"/>
+          <a:lstStyle/>
           <a:p>
             <a:endParaRPr/>
           </a:p>
@@ -2908,7 +3280,8 @@
           </a:prstGeom>
         </p:spPr>
         <p:txBody>
-          <a:bodyPr lIns="0" rIns="0" tIns="0" bIns="0"/>
+          <a:bodyPr lIns="0" tIns="0" rIns="0" bIns="0"/>
+          <a:lstStyle/>
           <a:p>
             <a:endParaRPr/>
           </a:p>
@@ -2916,11 +3289,14 @@
       </p:sp>
     </p:spTree>
   </p:cSld>
+  <p:clrMapOvr>
+    <a:masterClrMapping/>
+  </p:clrMapOvr>
 </p:sldLayout>
 </file>
 
 <file path=ppt/slideLayouts/slideLayout33.xml><?xml version="1.0" encoding="utf-8"?>
-<p:sldLayout xmlns:a="http://schemas.openxmlformats.org/drawingml/2006/main" xmlns:p="http://schemas.openxmlformats.org/presentationml/2006/main" xmlns:r="http://schemas.openxmlformats.org/officeDocument/2006/relationships" type="twoObjOverTx" preserve="1">
+<p:sldLayout xmlns:a="http://schemas.openxmlformats.org/drawingml/2006/main" xmlns:r="http://schemas.openxmlformats.org/officeDocument/2006/relationships" xmlns:p="http://schemas.openxmlformats.org/presentationml/2006/main" type="twoObjOverTx" preserve="1">
   <p:cSld name="Title, 2 Content over Content">
     <p:spTree>
       <p:nvGrpSpPr>
@@ -2956,7 +3332,8 @@
           </a:prstGeom>
         </p:spPr>
         <p:txBody>
-          <a:bodyPr lIns="0" rIns="0" tIns="0" bIns="0" anchor="ctr"/>
+          <a:bodyPr lIns="0" tIns="0" rIns="0" bIns="0" anchor="ctr"/>
+          <a:lstStyle/>
           <a:p>
             <a:endParaRPr/>
           </a:p>
@@ -2982,7 +3359,8 @@
           </a:prstGeom>
         </p:spPr>
         <p:txBody>
-          <a:bodyPr lIns="0" rIns="0" tIns="0" bIns="0"/>
+          <a:bodyPr lIns="0" tIns="0" rIns="0" bIns="0"/>
+          <a:lstStyle/>
           <a:p>
             <a:endParaRPr/>
           </a:p>
@@ -3008,7 +3386,8 @@
           </a:prstGeom>
         </p:spPr>
         <p:txBody>
-          <a:bodyPr lIns="0" rIns="0" tIns="0" bIns="0"/>
+          <a:bodyPr lIns="0" tIns="0" rIns="0" bIns="0"/>
+          <a:lstStyle/>
           <a:p>
             <a:endParaRPr/>
           </a:p>
@@ -3034,7 +3413,8 @@
           </a:prstGeom>
         </p:spPr>
         <p:txBody>
-          <a:bodyPr lIns="0" rIns="0" tIns="0" bIns="0"/>
+          <a:bodyPr lIns="0" tIns="0" rIns="0" bIns="0"/>
+          <a:lstStyle/>
           <a:p>
             <a:endParaRPr/>
           </a:p>
@@ -3042,11 +3422,14 @@
       </p:sp>
     </p:spTree>
   </p:cSld>
+  <p:clrMapOvr>
+    <a:masterClrMapping/>
+  </p:clrMapOvr>
 </p:sldLayout>
 </file>
 
 <file path=ppt/slideLayouts/slideLayout34.xml><?xml version="1.0" encoding="utf-8"?>
-<p:sldLayout xmlns:a="http://schemas.openxmlformats.org/drawingml/2006/main" xmlns:p="http://schemas.openxmlformats.org/presentationml/2006/main" xmlns:r="http://schemas.openxmlformats.org/officeDocument/2006/relationships" type="objOverTx" preserve="1">
+<p:sldLayout xmlns:a="http://schemas.openxmlformats.org/drawingml/2006/main" xmlns:r="http://schemas.openxmlformats.org/officeDocument/2006/relationships" xmlns:p="http://schemas.openxmlformats.org/presentationml/2006/main" type="objOverTx" preserve="1">
   <p:cSld name="Title, Content over Content">
     <p:spTree>
       <p:nvGrpSpPr>
@@ -3082,7 +3465,8 @@
           </a:prstGeom>
         </p:spPr>
         <p:txBody>
-          <a:bodyPr lIns="0" rIns="0" tIns="0" bIns="0" anchor="ctr"/>
+          <a:bodyPr lIns="0" tIns="0" rIns="0" bIns="0" anchor="ctr"/>
+          <a:lstStyle/>
           <a:p>
             <a:endParaRPr/>
           </a:p>
@@ -3108,7 +3492,8 @@
           </a:prstGeom>
         </p:spPr>
         <p:txBody>
-          <a:bodyPr lIns="0" rIns="0" tIns="0" bIns="0"/>
+          <a:bodyPr lIns="0" tIns="0" rIns="0" bIns="0"/>
+          <a:lstStyle/>
           <a:p>
             <a:endParaRPr/>
           </a:p>
@@ -3134,7 +3519,8 @@
           </a:prstGeom>
         </p:spPr>
         <p:txBody>
-          <a:bodyPr lIns="0" rIns="0" tIns="0" bIns="0"/>
+          <a:bodyPr lIns="0" tIns="0" rIns="0" bIns="0"/>
+          <a:lstStyle/>
           <a:p>
             <a:endParaRPr/>
           </a:p>
@@ -3142,11 +3528,14 @@
       </p:sp>
     </p:spTree>
   </p:cSld>
+  <p:clrMapOvr>
+    <a:masterClrMapping/>
+  </p:clrMapOvr>
 </p:sldLayout>
 </file>
 
 <file path=ppt/slideLayouts/slideLayout35.xml><?xml version="1.0" encoding="utf-8"?>
-<p:sldLayout xmlns:a="http://schemas.openxmlformats.org/drawingml/2006/main" xmlns:p="http://schemas.openxmlformats.org/presentationml/2006/main" xmlns:r="http://schemas.openxmlformats.org/officeDocument/2006/relationships" type="fourObj" preserve="1">
+<p:sldLayout xmlns:a="http://schemas.openxmlformats.org/drawingml/2006/main" xmlns:r="http://schemas.openxmlformats.org/officeDocument/2006/relationships" xmlns:p="http://schemas.openxmlformats.org/presentationml/2006/main" type="fourObj" preserve="1">
   <p:cSld name="Title, 4 Content">
     <p:spTree>
       <p:nvGrpSpPr>
@@ -3182,7 +3571,8 @@
           </a:prstGeom>
         </p:spPr>
         <p:txBody>
-          <a:bodyPr lIns="0" rIns="0" tIns="0" bIns="0" anchor="ctr"/>
+          <a:bodyPr lIns="0" tIns="0" rIns="0" bIns="0" anchor="ctr"/>
+          <a:lstStyle/>
           <a:p>
             <a:endParaRPr/>
           </a:p>
@@ -3208,7 +3598,8 @@
           </a:prstGeom>
         </p:spPr>
         <p:txBody>
-          <a:bodyPr lIns="0" rIns="0" tIns="0" bIns="0"/>
+          <a:bodyPr lIns="0" tIns="0" rIns="0" bIns="0"/>
+          <a:lstStyle/>
           <a:p>
             <a:endParaRPr/>
           </a:p>
@@ -3234,7 +3625,8 @@
           </a:prstGeom>
         </p:spPr>
         <p:txBody>
-          <a:bodyPr lIns="0" rIns="0" tIns="0" bIns="0"/>
+          <a:bodyPr lIns="0" tIns="0" rIns="0" bIns="0"/>
+          <a:lstStyle/>
           <a:p>
             <a:endParaRPr/>
           </a:p>
@@ -3260,7 +3652,8 @@
           </a:prstGeom>
         </p:spPr>
         <p:txBody>
-          <a:bodyPr lIns="0" rIns="0" tIns="0" bIns="0"/>
+          <a:bodyPr lIns="0" tIns="0" rIns="0" bIns="0"/>
+          <a:lstStyle/>
           <a:p>
             <a:endParaRPr/>
           </a:p>
@@ -3286,7 +3679,8 @@
           </a:prstGeom>
         </p:spPr>
         <p:txBody>
-          <a:bodyPr lIns="0" rIns="0" tIns="0" bIns="0"/>
+          <a:bodyPr lIns="0" tIns="0" rIns="0" bIns="0"/>
+          <a:lstStyle/>
           <a:p>
             <a:endParaRPr/>
           </a:p>
@@ -3294,11 +3688,14 @@
       </p:sp>
     </p:spTree>
   </p:cSld>
+  <p:clrMapOvr>
+    <a:masterClrMapping/>
+  </p:clrMapOvr>
 </p:sldLayout>
 </file>
 
 <file path=ppt/slideLayouts/slideLayout36.xml><?xml version="1.0" encoding="utf-8"?>
-<p:sldLayout xmlns:a="http://schemas.openxmlformats.org/drawingml/2006/main" xmlns:p="http://schemas.openxmlformats.org/presentationml/2006/main" xmlns:r="http://schemas.openxmlformats.org/officeDocument/2006/relationships" type="blank" preserve="1">
+<p:sldLayout xmlns:a="http://schemas.openxmlformats.org/drawingml/2006/main" xmlns:r="http://schemas.openxmlformats.org/officeDocument/2006/relationships" xmlns:p="http://schemas.openxmlformats.org/presentationml/2006/main" type="blank" preserve="1">
   <p:cSld name="Title, 6 Content">
     <p:spTree>
       <p:nvGrpSpPr>
@@ -3334,7 +3731,8 @@
           </a:prstGeom>
         </p:spPr>
         <p:txBody>
-          <a:bodyPr lIns="0" rIns="0" tIns="0" bIns="0" anchor="ctr"/>
+          <a:bodyPr lIns="0" tIns="0" rIns="0" bIns="0" anchor="ctr"/>
+          <a:lstStyle/>
           <a:p>
             <a:endParaRPr/>
           </a:p>
@@ -3360,7 +3758,8 @@
           </a:prstGeom>
         </p:spPr>
         <p:txBody>
-          <a:bodyPr lIns="0" rIns="0" tIns="0" bIns="0"/>
+          <a:bodyPr lIns="0" tIns="0" rIns="0" bIns="0"/>
+          <a:lstStyle/>
           <a:p>
             <a:endParaRPr/>
           </a:p>
@@ -3386,7 +3785,8 @@
           </a:prstGeom>
         </p:spPr>
         <p:txBody>
-          <a:bodyPr lIns="0" rIns="0" tIns="0" bIns="0"/>
+          <a:bodyPr lIns="0" tIns="0" rIns="0" bIns="0"/>
+          <a:lstStyle/>
           <a:p>
             <a:endParaRPr/>
           </a:p>
@@ -3394,12 +3794,12 @@
       </p:sp>
       <p:pic>
         <p:nvPicPr>
-          <p:cNvPr id="120" name="" descr=""/>
+          <p:cNvPr id="120" name="Grafik 119"/>
           <p:cNvPicPr/>
           <p:nvPr/>
         </p:nvPicPr>
         <p:blipFill>
-          <a:blip r:embed="rId2"/>
+          <a:blip r:embed="rId2" cstate="print"/>
           <a:stretch>
             <a:fillRect/>
           </a:stretch>
@@ -3419,12 +3819,12 @@
       </p:pic>
       <p:pic>
         <p:nvPicPr>
-          <p:cNvPr id="121" name="" descr=""/>
+          <p:cNvPr id="121" name="Grafik 120"/>
           <p:cNvPicPr/>
           <p:nvPr/>
         </p:nvPicPr>
         <p:blipFill>
-          <a:blip r:embed="rId3"/>
+          <a:blip r:embed="rId2" cstate="print"/>
           <a:stretch>
             <a:fillRect/>
           </a:stretch>
@@ -3444,11 +3844,14 @@
       </p:pic>
     </p:spTree>
   </p:cSld>
+  <p:clrMapOvr>
+    <a:masterClrMapping/>
+  </p:clrMapOvr>
 </p:sldLayout>
 </file>
 
 <file path=ppt/slideLayouts/slideLayout4.xml><?xml version="1.0" encoding="utf-8"?>
-<p:sldLayout xmlns:a="http://schemas.openxmlformats.org/drawingml/2006/main" xmlns:p="http://schemas.openxmlformats.org/presentationml/2006/main" xmlns:r="http://schemas.openxmlformats.org/officeDocument/2006/relationships" type="twoObj" preserve="1">
+<p:sldLayout xmlns:a="http://schemas.openxmlformats.org/drawingml/2006/main" xmlns:r="http://schemas.openxmlformats.org/officeDocument/2006/relationships" xmlns:p="http://schemas.openxmlformats.org/presentationml/2006/main" type="twoObj" preserve="1">
   <p:cSld name="Title, 2 Content">
     <p:spTree>
       <p:nvGrpSpPr>
@@ -3484,7 +3887,8 @@
           </a:prstGeom>
         </p:spPr>
         <p:txBody>
-          <a:bodyPr lIns="0" rIns="0" tIns="0" bIns="0" anchor="ctr"/>
+          <a:bodyPr lIns="0" tIns="0" rIns="0" bIns="0" anchor="ctr"/>
+          <a:lstStyle/>
           <a:p>
             <a:endParaRPr/>
           </a:p>
@@ -3510,7 +3914,8 @@
           </a:prstGeom>
         </p:spPr>
         <p:txBody>
-          <a:bodyPr lIns="0" rIns="0" tIns="0" bIns="0"/>
+          <a:bodyPr lIns="0" tIns="0" rIns="0" bIns="0"/>
+          <a:lstStyle/>
           <a:p>
             <a:endParaRPr/>
           </a:p>
@@ -3536,7 +3941,8 @@
           </a:prstGeom>
         </p:spPr>
         <p:txBody>
-          <a:bodyPr lIns="0" rIns="0" tIns="0" bIns="0"/>
+          <a:bodyPr lIns="0" tIns="0" rIns="0" bIns="0"/>
+          <a:lstStyle/>
           <a:p>
             <a:endParaRPr/>
           </a:p>
@@ -3544,11 +3950,14 @@
       </p:sp>
     </p:spTree>
   </p:cSld>
+  <p:clrMapOvr>
+    <a:masterClrMapping/>
+  </p:clrMapOvr>
 </p:sldLayout>
 </file>
 
 <file path=ppt/slideLayouts/slideLayout5.xml><?xml version="1.0" encoding="utf-8"?>
-<p:sldLayout xmlns:a="http://schemas.openxmlformats.org/drawingml/2006/main" xmlns:p="http://schemas.openxmlformats.org/presentationml/2006/main" xmlns:r="http://schemas.openxmlformats.org/officeDocument/2006/relationships" type="titleOnly" preserve="1">
+<p:sldLayout xmlns:a="http://schemas.openxmlformats.org/drawingml/2006/main" xmlns:r="http://schemas.openxmlformats.org/officeDocument/2006/relationships" xmlns:p="http://schemas.openxmlformats.org/presentationml/2006/main" type="titleOnly" preserve="1">
   <p:cSld name="Title Only">
     <p:spTree>
       <p:nvGrpSpPr>
@@ -3584,7 +3993,8 @@
           </a:prstGeom>
         </p:spPr>
         <p:txBody>
-          <a:bodyPr lIns="0" rIns="0" tIns="0" bIns="0" anchor="ctr"/>
+          <a:bodyPr lIns="0" tIns="0" rIns="0" bIns="0" anchor="ctr"/>
+          <a:lstStyle/>
           <a:p>
             <a:endParaRPr/>
           </a:p>
@@ -3592,11 +4002,14 @@
       </p:sp>
     </p:spTree>
   </p:cSld>
+  <p:clrMapOvr>
+    <a:masterClrMapping/>
+  </p:clrMapOvr>
 </p:sldLayout>
 </file>
 
 <file path=ppt/slideLayouts/slideLayout6.xml><?xml version="1.0" encoding="utf-8"?>
-<p:sldLayout xmlns:a="http://schemas.openxmlformats.org/drawingml/2006/main" xmlns:p="http://schemas.openxmlformats.org/presentationml/2006/main" xmlns:r="http://schemas.openxmlformats.org/officeDocument/2006/relationships" type="objOnly" preserve="1">
+<p:sldLayout xmlns:a="http://schemas.openxmlformats.org/drawingml/2006/main" xmlns:r="http://schemas.openxmlformats.org/officeDocument/2006/relationships" xmlns:p="http://schemas.openxmlformats.org/presentationml/2006/main" type="objOnly" preserve="1">
   <p:cSld name="Centered Text">
     <p:spTree>
       <p:nvGrpSpPr>
@@ -3632,7 +4045,8 @@
           </a:prstGeom>
         </p:spPr>
         <p:txBody>
-          <a:bodyPr lIns="0" rIns="0" tIns="0" bIns="0" anchor="ctr"/>
+          <a:bodyPr lIns="0" tIns="0" rIns="0" bIns="0" anchor="ctr"/>
+          <a:lstStyle/>
           <a:p>
             <a:pPr algn="ctr"/>
             <a:endParaRPr/>
@@ -3641,11 +4055,14 @@
       </p:sp>
     </p:spTree>
   </p:cSld>
+  <p:clrMapOvr>
+    <a:masterClrMapping/>
+  </p:clrMapOvr>
 </p:sldLayout>
 </file>
 
 <file path=ppt/slideLayouts/slideLayout7.xml><?xml version="1.0" encoding="utf-8"?>
-<p:sldLayout xmlns:a="http://schemas.openxmlformats.org/drawingml/2006/main" xmlns:p="http://schemas.openxmlformats.org/presentationml/2006/main" xmlns:r="http://schemas.openxmlformats.org/officeDocument/2006/relationships" type="twoObjAndObj" preserve="1">
+<p:sldLayout xmlns:a="http://schemas.openxmlformats.org/drawingml/2006/main" xmlns:r="http://schemas.openxmlformats.org/officeDocument/2006/relationships" xmlns:p="http://schemas.openxmlformats.org/presentationml/2006/main" type="twoObjAndObj" preserve="1">
   <p:cSld name="Title, 2 Content and Content">
     <p:spTree>
       <p:nvGrpSpPr>
@@ -3681,7 +4098,8 @@
           </a:prstGeom>
         </p:spPr>
         <p:txBody>
-          <a:bodyPr lIns="0" rIns="0" tIns="0" bIns="0" anchor="ctr"/>
+          <a:bodyPr lIns="0" tIns="0" rIns="0" bIns="0" anchor="ctr"/>
+          <a:lstStyle/>
           <a:p>
             <a:endParaRPr/>
           </a:p>
@@ -3707,7 +4125,8 @@
           </a:prstGeom>
         </p:spPr>
         <p:txBody>
-          <a:bodyPr lIns="0" rIns="0" tIns="0" bIns="0"/>
+          <a:bodyPr lIns="0" tIns="0" rIns="0" bIns="0"/>
+          <a:lstStyle/>
           <a:p>
             <a:endParaRPr/>
           </a:p>
@@ -3733,7 +4152,8 @@
           </a:prstGeom>
         </p:spPr>
         <p:txBody>
-          <a:bodyPr lIns="0" rIns="0" tIns="0" bIns="0"/>
+          <a:bodyPr lIns="0" tIns="0" rIns="0" bIns="0"/>
+          <a:lstStyle/>
           <a:p>
             <a:endParaRPr/>
           </a:p>
@@ -3759,7 +4179,8 @@
           </a:prstGeom>
         </p:spPr>
         <p:txBody>
-          <a:bodyPr lIns="0" rIns="0" tIns="0" bIns="0"/>
+          <a:bodyPr lIns="0" tIns="0" rIns="0" bIns="0"/>
+          <a:lstStyle/>
           <a:p>
             <a:endParaRPr/>
           </a:p>
@@ -3767,11 +4188,14 @@
       </p:sp>
     </p:spTree>
   </p:cSld>
+  <p:clrMapOvr>
+    <a:masterClrMapping/>
+  </p:clrMapOvr>
 </p:sldLayout>
 </file>
 
 <file path=ppt/slideLayouts/slideLayout8.xml><?xml version="1.0" encoding="utf-8"?>
-<p:sldLayout xmlns:a="http://schemas.openxmlformats.org/drawingml/2006/main" xmlns:p="http://schemas.openxmlformats.org/presentationml/2006/main" xmlns:r="http://schemas.openxmlformats.org/officeDocument/2006/relationships" type="objAndTwoObj" preserve="1">
+<p:sldLayout xmlns:a="http://schemas.openxmlformats.org/drawingml/2006/main" xmlns:r="http://schemas.openxmlformats.org/officeDocument/2006/relationships" xmlns:p="http://schemas.openxmlformats.org/presentationml/2006/main" type="objAndTwoObj" preserve="1">
   <p:cSld name="Title Content and 2 Content">
     <p:spTree>
       <p:nvGrpSpPr>
@@ -3807,7 +4231,8 @@
           </a:prstGeom>
         </p:spPr>
         <p:txBody>
-          <a:bodyPr lIns="0" rIns="0" tIns="0" bIns="0" anchor="ctr"/>
+          <a:bodyPr lIns="0" tIns="0" rIns="0" bIns="0" anchor="ctr"/>
+          <a:lstStyle/>
           <a:p>
             <a:endParaRPr/>
           </a:p>
@@ -3833,7 +4258,8 @@
           </a:prstGeom>
         </p:spPr>
         <p:txBody>
-          <a:bodyPr lIns="0" rIns="0" tIns="0" bIns="0"/>
+          <a:bodyPr lIns="0" tIns="0" rIns="0" bIns="0"/>
+          <a:lstStyle/>
           <a:p>
             <a:endParaRPr/>
           </a:p>
@@ -3859,7 +4285,8 @@
           </a:prstGeom>
         </p:spPr>
         <p:txBody>
-          <a:bodyPr lIns="0" rIns="0" tIns="0" bIns="0"/>
+          <a:bodyPr lIns="0" tIns="0" rIns="0" bIns="0"/>
+          <a:lstStyle/>
           <a:p>
             <a:endParaRPr/>
           </a:p>
@@ -3885,7 +4312,8 @@
           </a:prstGeom>
         </p:spPr>
         <p:txBody>
-          <a:bodyPr lIns="0" rIns="0" tIns="0" bIns="0"/>
+          <a:bodyPr lIns="0" tIns="0" rIns="0" bIns="0"/>
+          <a:lstStyle/>
           <a:p>
             <a:endParaRPr/>
           </a:p>
@@ -3893,11 +4321,14 @@
       </p:sp>
     </p:spTree>
   </p:cSld>
+  <p:clrMapOvr>
+    <a:masterClrMapping/>
+  </p:clrMapOvr>
 </p:sldLayout>
 </file>
 
 <file path=ppt/slideLayouts/slideLayout9.xml><?xml version="1.0" encoding="utf-8"?>
-<p:sldLayout xmlns:a="http://schemas.openxmlformats.org/drawingml/2006/main" xmlns:p="http://schemas.openxmlformats.org/presentationml/2006/main" xmlns:r="http://schemas.openxmlformats.org/officeDocument/2006/relationships" type="twoObjOverTx" preserve="1">
+<p:sldLayout xmlns:a="http://schemas.openxmlformats.org/drawingml/2006/main" xmlns:r="http://schemas.openxmlformats.org/officeDocument/2006/relationships" xmlns:p="http://schemas.openxmlformats.org/presentationml/2006/main" type="twoObjOverTx" preserve="1">
   <p:cSld name="Title, 2 Content over Content">
     <p:spTree>
       <p:nvGrpSpPr>
@@ -3933,7 +4364,8 @@
           </a:prstGeom>
         </p:spPr>
         <p:txBody>
-          <a:bodyPr lIns="0" rIns="0" tIns="0" bIns="0" anchor="ctr"/>
+          <a:bodyPr lIns="0" tIns="0" rIns="0" bIns="0" anchor="ctr"/>
+          <a:lstStyle/>
           <a:p>
             <a:endParaRPr/>
           </a:p>
@@ -3959,7 +4391,8 @@
           </a:prstGeom>
         </p:spPr>
         <p:txBody>
-          <a:bodyPr lIns="0" rIns="0" tIns="0" bIns="0"/>
+          <a:bodyPr lIns="0" tIns="0" rIns="0" bIns="0"/>
+          <a:lstStyle/>
           <a:p>
             <a:endParaRPr/>
           </a:p>
@@ -3985,7 +4418,8 @@
           </a:prstGeom>
         </p:spPr>
         <p:txBody>
-          <a:bodyPr lIns="0" rIns="0" tIns="0" bIns="0"/>
+          <a:bodyPr lIns="0" tIns="0" rIns="0" bIns="0"/>
+          <a:lstStyle/>
           <a:p>
             <a:endParaRPr/>
           </a:p>
@@ -4011,7 +4445,8 @@
           </a:prstGeom>
         </p:spPr>
         <p:txBody>
-          <a:bodyPr lIns="0" rIns="0" tIns="0" bIns="0"/>
+          <a:bodyPr lIns="0" tIns="0" rIns="0" bIns="0"/>
+          <a:lstStyle/>
           <a:p>
             <a:endParaRPr/>
           </a:p>
@@ -4019,17 +4454,21 @@
       </p:sp>
     </p:spTree>
   </p:cSld>
+  <p:clrMapOvr>
+    <a:masterClrMapping/>
+  </p:clrMapOvr>
 </p:sldLayout>
 </file>
 
 <file path=ppt/slideMasters/slideMaster1.xml><?xml version="1.0" encoding="utf-8"?>
-<p:sldMaster xmlns:a="http://schemas.openxmlformats.org/drawingml/2006/main" xmlns:p="http://schemas.openxmlformats.org/presentationml/2006/main" xmlns:r="http://schemas.openxmlformats.org/officeDocument/2006/relationships">
+<p:sldMaster xmlns:a="http://schemas.openxmlformats.org/drawingml/2006/main" xmlns:r="http://schemas.openxmlformats.org/officeDocument/2006/relationships" xmlns:p="http://schemas.openxmlformats.org/presentationml/2006/main">
   <p:cSld>
     <p:bg>
       <p:bgPr>
         <a:solidFill>
-          <a:srgbClr val="f2f2f2"/>
+          <a:srgbClr val="F2F2F2"/>
         </a:solidFill>
+        <a:effectLst/>
       </p:bgPr>
     </p:bg>
     <p:spTree>
@@ -4048,7 +4487,7 @@
       </p:grpSpPr>
       <p:sp>
         <p:nvSpPr>
-          <p:cNvPr id="0" name="CustomShape 1"/>
+          <p:cNvPr id="8" name="CustomShape 1"/>
           <p:cNvSpPr/>
           <p:nvPr/>
         </p:nvSpPr>
@@ -4070,7 +4509,7 @@
       </p:sp>
       <p:sp>
         <p:nvSpPr>
-          <p:cNvPr id="1" name="PlaceHolder 2"/>
+          <p:cNvPr id="9" name="PlaceHolder 2"/>
           <p:cNvSpPr>
             <a:spLocks noGrp="1"/>
           </p:cNvSpPr>
@@ -4089,6 +4528,7 @@
         </p:spPr>
         <p:txBody>
           <a:bodyPr/>
+          <a:lstStyle/>
           <a:p>
             <a:pPr>
               <a:lnSpc>
@@ -4096,9 +4536,9 @@
               </a:lnSpc>
             </a:pPr>
             <a:r>
-              <a:rPr b="1" lang="en-US" sz="4000">
-                <a:solidFill>
-                  <a:srgbClr val="0076a3"/>
+              <a:rPr lang="en-US" sz="4000" b="1">
+                <a:solidFill>
+                  <a:srgbClr val="0076A3"/>
                 </a:solidFill>
                 <a:latin typeface="Yanone Kaffeesatz Bold"/>
               </a:rPr>
@@ -4129,6 +4569,7 @@
         </p:spPr>
         <p:txBody>
           <a:bodyPr anchor="b"/>
+          <a:lstStyle/>
           <a:p>
             <a:pPr>
               <a:buSzPct val="45000"/>
@@ -4271,6 +4712,7 @@
         </p:spPr>
         <p:txBody>
           <a:bodyPr anchor="ctr"/>
+          <a:lstStyle/>
           <a:p>
             <a:pPr>
               <a:lnSpc>
@@ -4280,7 +4722,7 @@
             <a:r>
               <a:rPr lang="en-US" sz="1200">
                 <a:solidFill>
-                  <a:srgbClr val="ffffff"/>
+                  <a:srgbClr val="FFFFFF"/>
                 </a:solidFill>
                 <a:latin typeface="Myriad Pro"/>
               </a:rPr>
@@ -4311,6 +4753,7 @@
         </p:spPr>
         <p:txBody>
           <a:bodyPr anchor="ctr"/>
+          <a:lstStyle/>
           <a:p>
             <a:pPr algn="ctr">
               <a:lnSpc>
@@ -4320,7 +4763,7 @@
             <a:r>
               <a:rPr lang="en-US" sz="1200">
                 <a:solidFill>
-                  <a:srgbClr val="ffffff"/>
+                  <a:srgbClr val="FFFFFF"/>
                 </a:solidFill>
                 <a:latin typeface="Myriad Pro"/>
               </a:rPr>
@@ -4351,6 +4794,7 @@
         </p:spPr>
         <p:txBody>
           <a:bodyPr anchor="ctr"/>
+          <a:lstStyle/>
           <a:p>
             <a:pPr algn="r">
               <a:lnSpc>
@@ -4360,11 +4804,16 @@
             <a:fld id="{96DA6E28-4A48-4EF0-84A8-14C1FF76F74B}" type="slidenum">
               <a:rPr lang="en-US" sz="1200">
                 <a:solidFill>
-                  <a:srgbClr val="ffffff"/>
-                </a:solidFill>
-                <a:latin typeface="Myriad Pro"/>
-              </a:rPr>
-              <a:t>&lt;number&gt;</a:t>
+                  <a:srgbClr val="FFFFFF"/>
+                </a:solidFill>
+                <a:latin typeface="Myriad Pro"/>
+              </a:rPr>
+              <a:pPr algn="r">
+                <a:lnSpc>
+                  <a:spcPct val="100000"/>
+                </a:lnSpc>
+              </a:pPr>
+              <a:t>‹Nr.›</a:t>
             </a:fld>
             <a:endParaRPr/>
           </a:p>
@@ -4416,32 +4865,38 @@
       </p:sp>
     </p:spTree>
   </p:cSld>
-  <p:clrMap bg1="lt1" bg2="lt2" tx1="dk1" tx2="dk2" accent1="accent1" accent2="accent2" accent3="accent3" accent4="accent4" accent5="accent5" accent6="accent6" hlink="hlink" folHlink="folHlink"/>
+  <p:clrMap bg1="lt1" tx1="dk1" bg2="lt2" tx2="dk2" accent1="accent1" accent2="accent2" accent3="accent3" accent4="accent4" accent5="accent5" accent6="accent6" hlink="hlink" folHlink="folHlink"/>
   <p:sldLayoutIdLst>
-    <p:sldLayoutId id="2147483649" r:id="rId2"/>
-    <p:sldLayoutId id="2147483650" r:id="rId3"/>
-    <p:sldLayoutId id="2147483651" r:id="rId4"/>
-    <p:sldLayoutId id="2147483652" r:id="rId5"/>
-    <p:sldLayoutId id="2147483653" r:id="rId6"/>
-    <p:sldLayoutId id="2147483654" r:id="rId7"/>
-    <p:sldLayoutId id="2147483655" r:id="rId8"/>
-    <p:sldLayoutId id="2147483656" r:id="rId9"/>
-    <p:sldLayoutId id="2147483657" r:id="rId10"/>
-    <p:sldLayoutId id="2147483658" r:id="rId11"/>
-    <p:sldLayoutId id="2147483659" r:id="rId12"/>
-    <p:sldLayoutId id="2147483660" r:id="rId13"/>
+    <p:sldLayoutId id="2147483649" r:id="rId1"/>
+    <p:sldLayoutId id="2147483650" r:id="rId2"/>
+    <p:sldLayoutId id="2147483651" r:id="rId3"/>
+    <p:sldLayoutId id="2147483652" r:id="rId4"/>
+    <p:sldLayoutId id="2147483653" r:id="rId5"/>
+    <p:sldLayoutId id="2147483654" r:id="rId6"/>
+    <p:sldLayoutId id="2147483655" r:id="rId7"/>
+    <p:sldLayoutId id="2147483656" r:id="rId8"/>
+    <p:sldLayoutId id="2147483657" r:id="rId9"/>
+    <p:sldLayoutId id="2147483658" r:id="rId10"/>
+    <p:sldLayoutId id="2147483659" r:id="rId11"/>
+    <p:sldLayoutId id="2147483660" r:id="rId12"/>
   </p:sldLayoutIdLst>
+  <p:txStyles>
+    <p:titleStyle/>
+    <p:bodyStyle/>
+    <p:otherStyle/>
+  </p:txStyles>
 </p:sldMaster>
 </file>
 
 <file path=ppt/slideMasters/slideMaster2.xml><?xml version="1.0" encoding="utf-8"?>
-<p:sldMaster xmlns:a="http://schemas.openxmlformats.org/drawingml/2006/main" xmlns:p="http://schemas.openxmlformats.org/presentationml/2006/main" xmlns:r="http://schemas.openxmlformats.org/officeDocument/2006/relationships">
+<p:sldMaster xmlns:a="http://schemas.openxmlformats.org/drawingml/2006/main" xmlns:r="http://schemas.openxmlformats.org/officeDocument/2006/relationships" xmlns:p="http://schemas.openxmlformats.org/presentationml/2006/main">
   <p:cSld>
     <p:bg>
       <p:bgPr>
         <a:solidFill>
-          <a:srgbClr val="f2f2f2"/>
+          <a:srgbClr val="F2F2F2"/>
         </a:solidFill>
+        <a:effectLst/>
       </p:bgPr>
     </p:bg>
     <p:spTree>
@@ -4501,6 +4956,7 @@
         </p:spPr>
         <p:txBody>
           <a:bodyPr anchor="ctr"/>
+          <a:lstStyle/>
           <a:p>
             <a:pPr algn="ctr">
               <a:lnSpc>
@@ -4510,7 +4966,7 @@
             <a:r>
               <a:rPr lang="en-US" sz="4400">
                 <a:solidFill>
-                  <a:srgbClr val="0076a3"/>
+                  <a:srgbClr val="0076A3"/>
                 </a:solidFill>
                 <a:latin typeface="Yanone Kaffeesatz Bold"/>
               </a:rPr>
@@ -4541,6 +4997,7 @@
         </p:spPr>
         <p:txBody>
           <a:bodyPr/>
+          <a:lstStyle/>
           <a:p>
             <a:pPr>
               <a:buSzPct val="45000"/>
@@ -4761,6 +5218,7 @@
         </p:spPr>
         <p:txBody>
           <a:bodyPr anchor="ctr"/>
+          <a:lstStyle/>
           <a:p>
             <a:pPr>
               <a:lnSpc>
@@ -4770,7 +5228,7 @@
             <a:r>
               <a:rPr lang="en-US" sz="1200">
                 <a:solidFill>
-                  <a:srgbClr val="ffffff"/>
+                  <a:srgbClr val="FFFFFF"/>
                 </a:solidFill>
                 <a:latin typeface="Myriad Pro"/>
               </a:rPr>
@@ -4801,6 +5259,7 @@
         </p:spPr>
         <p:txBody>
           <a:bodyPr anchor="ctr"/>
+          <a:lstStyle/>
           <a:p>
             <a:pPr algn="ctr">
               <a:lnSpc>
@@ -4810,7 +5269,7 @@
             <a:r>
               <a:rPr lang="en-US" sz="1200">
                 <a:solidFill>
-                  <a:srgbClr val="ffffff"/>
+                  <a:srgbClr val="FFFFFF"/>
                 </a:solidFill>
                 <a:latin typeface="Myriad Pro"/>
               </a:rPr>
@@ -4841,6 +5300,7 @@
         </p:spPr>
         <p:txBody>
           <a:bodyPr anchor="ctr"/>
+          <a:lstStyle/>
           <a:p>
             <a:pPr algn="r">
               <a:lnSpc>
@@ -4850,11 +5310,16 @@
             <a:fld id="{2EA341B9-9911-48FF-820F-E897CBB29B7F}" type="slidenum">
               <a:rPr lang="en-US" sz="1200">
                 <a:solidFill>
-                  <a:srgbClr val="ffffff"/>
-                </a:solidFill>
-                <a:latin typeface="Myriad Pro"/>
-              </a:rPr>
-              <a:t>&lt;number&gt;</a:t>
+                  <a:srgbClr val="FFFFFF"/>
+                </a:solidFill>
+                <a:latin typeface="Myriad Pro"/>
+              </a:rPr>
+              <a:pPr algn="r">
+                <a:lnSpc>
+                  <a:spcPct val="100000"/>
+                </a:lnSpc>
+              </a:pPr>
+              <a:t>‹Nr.›</a:t>
             </a:fld>
             <a:endParaRPr/>
           </a:p>
@@ -4862,32 +5327,38 @@
       </p:sp>
     </p:spTree>
   </p:cSld>
-  <p:clrMap bg1="lt1" bg2="lt2" tx1="dk1" tx2="dk2" accent1="accent1" accent2="accent2" accent3="accent3" accent4="accent4" accent5="accent5" accent6="accent6" hlink="hlink" folHlink="folHlink"/>
+  <p:clrMap bg1="lt1" tx1="dk1" bg2="lt2" tx2="dk2" accent1="accent1" accent2="accent2" accent3="accent3" accent4="accent4" accent5="accent5" accent6="accent6" hlink="hlink" folHlink="folHlink"/>
   <p:sldLayoutIdLst>
-    <p:sldLayoutId id="2147483662" r:id="rId2"/>
-    <p:sldLayoutId id="2147483663" r:id="rId3"/>
-    <p:sldLayoutId id="2147483664" r:id="rId4"/>
-    <p:sldLayoutId id="2147483665" r:id="rId5"/>
-    <p:sldLayoutId id="2147483666" r:id="rId6"/>
-    <p:sldLayoutId id="2147483667" r:id="rId7"/>
-    <p:sldLayoutId id="2147483668" r:id="rId8"/>
-    <p:sldLayoutId id="2147483669" r:id="rId9"/>
-    <p:sldLayoutId id="2147483670" r:id="rId10"/>
-    <p:sldLayoutId id="2147483671" r:id="rId11"/>
-    <p:sldLayoutId id="2147483672" r:id="rId12"/>
-    <p:sldLayoutId id="2147483673" r:id="rId13"/>
+    <p:sldLayoutId id="2147483662" r:id="rId1"/>
+    <p:sldLayoutId id="2147483663" r:id="rId2"/>
+    <p:sldLayoutId id="2147483664" r:id="rId3"/>
+    <p:sldLayoutId id="2147483665" r:id="rId4"/>
+    <p:sldLayoutId id="2147483666" r:id="rId5"/>
+    <p:sldLayoutId id="2147483667" r:id="rId6"/>
+    <p:sldLayoutId id="2147483668" r:id="rId7"/>
+    <p:sldLayoutId id="2147483669" r:id="rId8"/>
+    <p:sldLayoutId id="2147483670" r:id="rId9"/>
+    <p:sldLayoutId id="2147483671" r:id="rId10"/>
+    <p:sldLayoutId id="2147483672" r:id="rId11"/>
+    <p:sldLayoutId id="2147483673" r:id="rId12"/>
   </p:sldLayoutIdLst>
+  <p:txStyles>
+    <p:titleStyle/>
+    <p:bodyStyle/>
+    <p:otherStyle/>
+  </p:txStyles>
 </p:sldMaster>
 </file>
 
 <file path=ppt/slideMasters/slideMaster3.xml><?xml version="1.0" encoding="utf-8"?>
-<p:sldMaster xmlns:a="http://schemas.openxmlformats.org/drawingml/2006/main" xmlns:p="http://schemas.openxmlformats.org/presentationml/2006/main" xmlns:r="http://schemas.openxmlformats.org/officeDocument/2006/relationships">
+<p:sldMaster xmlns:a="http://schemas.openxmlformats.org/drawingml/2006/main" xmlns:r="http://schemas.openxmlformats.org/officeDocument/2006/relationships" xmlns:p="http://schemas.openxmlformats.org/presentationml/2006/main">
   <p:cSld>
     <p:bg>
       <p:bgPr>
         <a:solidFill>
-          <a:srgbClr val="f2f2f2"/>
+          <a:srgbClr val="F2F2F2"/>
         </a:solidFill>
+        <a:effectLst/>
       </p:bgPr>
     </p:bg>
     <p:spTree>
@@ -4947,6 +5418,7 @@
         </p:spPr>
         <p:txBody>
           <a:bodyPr anchor="ctr"/>
+          <a:lstStyle/>
           <a:p>
             <a:pPr>
               <a:lnSpc>
@@ -4956,7 +5428,7 @@
             <a:r>
               <a:rPr lang="en-US" sz="4800">
                 <a:solidFill>
-                  <a:srgbClr val="0076a3"/>
+                  <a:srgbClr val="0076A3"/>
                 </a:solidFill>
                 <a:latin typeface="Yanone Kaffeesatz Bold"/>
               </a:rPr>
@@ -4987,6 +5459,7 @@
         </p:spPr>
         <p:txBody>
           <a:bodyPr anchor="ctr"/>
+          <a:lstStyle/>
           <a:p>
             <a:pPr>
               <a:lnSpc>
@@ -4996,7 +5469,7 @@
             <a:r>
               <a:rPr lang="en-US" sz="1200">
                 <a:solidFill>
-                  <a:srgbClr val="ffffff"/>
+                  <a:srgbClr val="FFFFFF"/>
                 </a:solidFill>
                 <a:latin typeface="Myriad Pro"/>
               </a:rPr>
@@ -5027,6 +5500,7 @@
         </p:spPr>
         <p:txBody>
           <a:bodyPr anchor="ctr"/>
+          <a:lstStyle/>
           <a:p>
             <a:pPr>
               <a:lnSpc>
@@ -5036,7 +5510,7 @@
             <a:r>
               <a:rPr lang="en-US" sz="1200">
                 <a:solidFill>
-                  <a:srgbClr val="ffffff"/>
+                  <a:srgbClr val="FFFFFF"/>
                 </a:solidFill>
                 <a:latin typeface="Myriad Pro"/>
               </a:rPr>
@@ -5067,6 +5541,7 @@
         </p:spPr>
         <p:txBody>
           <a:bodyPr anchor="ctr"/>
+          <a:lstStyle/>
           <a:p>
             <a:pPr>
               <a:lnSpc>
@@ -5076,11 +5551,16 @@
             <a:fld id="{2CAEC1B8-1B66-4F0C-91BA-FA9C0D84CE9C}" type="slidenum">
               <a:rPr lang="en-US" sz="1200">
                 <a:solidFill>
-                  <a:srgbClr val="ffffff"/>
-                </a:solidFill>
-                <a:latin typeface="Myriad Pro"/>
-              </a:rPr>
-              <a:t>&lt;number&gt;</a:t>
+                  <a:srgbClr val="FFFFFF"/>
+                </a:solidFill>
+                <a:latin typeface="Myriad Pro"/>
+              </a:rPr>
+              <a:pPr>
+                <a:lnSpc>
+                  <a:spcPct val="100000"/>
+                </a:lnSpc>
+              </a:pPr>
+              <a:t>‹Nr.›</a:t>
             </a:fld>
             <a:endParaRPr/>
           </a:p>
@@ -5106,7 +5586,8 @@
           </a:prstGeom>
         </p:spPr>
         <p:txBody>
-          <a:bodyPr lIns="0" rIns="0" tIns="0" bIns="0"/>
+          <a:bodyPr lIns="0" tIns="0" rIns="0" bIns="0"/>
+          <a:lstStyle/>
           <a:p>
             <a:pPr>
               <a:buSzPct val="45000"/>
@@ -5209,26 +5690,31 @@
       </p:sp>
     </p:spTree>
   </p:cSld>
-  <p:clrMap bg1="lt1" bg2="lt2" tx1="dk1" tx2="dk2" accent1="accent1" accent2="accent2" accent3="accent3" accent4="accent4" accent5="accent5" accent6="accent6" hlink="hlink" folHlink="folHlink"/>
+  <p:clrMap bg1="lt1" tx1="dk1" bg2="lt2" tx2="dk2" accent1="accent1" accent2="accent2" accent3="accent3" accent4="accent4" accent5="accent5" accent6="accent6" hlink="hlink" folHlink="folHlink"/>
   <p:sldLayoutIdLst>
-    <p:sldLayoutId id="2147483675" r:id="rId2"/>
-    <p:sldLayoutId id="2147483676" r:id="rId3"/>
-    <p:sldLayoutId id="2147483677" r:id="rId4"/>
-    <p:sldLayoutId id="2147483678" r:id="rId5"/>
-    <p:sldLayoutId id="2147483679" r:id="rId6"/>
-    <p:sldLayoutId id="2147483680" r:id="rId7"/>
-    <p:sldLayoutId id="2147483681" r:id="rId8"/>
-    <p:sldLayoutId id="2147483682" r:id="rId9"/>
-    <p:sldLayoutId id="2147483683" r:id="rId10"/>
-    <p:sldLayoutId id="2147483684" r:id="rId11"/>
-    <p:sldLayoutId id="2147483685" r:id="rId12"/>
-    <p:sldLayoutId id="2147483686" r:id="rId13"/>
+    <p:sldLayoutId id="2147483675" r:id="rId1"/>
+    <p:sldLayoutId id="2147483676" r:id="rId2"/>
+    <p:sldLayoutId id="2147483677" r:id="rId3"/>
+    <p:sldLayoutId id="2147483678" r:id="rId4"/>
+    <p:sldLayoutId id="2147483679" r:id="rId5"/>
+    <p:sldLayoutId id="2147483680" r:id="rId6"/>
+    <p:sldLayoutId id="2147483681" r:id="rId7"/>
+    <p:sldLayoutId id="2147483682" r:id="rId8"/>
+    <p:sldLayoutId id="2147483683" r:id="rId9"/>
+    <p:sldLayoutId id="2147483684" r:id="rId10"/>
+    <p:sldLayoutId id="2147483685" r:id="rId11"/>
+    <p:sldLayoutId id="2147483686" r:id="rId12"/>
   </p:sldLayoutIdLst>
+  <p:txStyles>
+    <p:titleStyle/>
+    <p:bodyStyle/>
+    <p:otherStyle/>
+  </p:txStyles>
 </p:sldMaster>
 </file>
 
 <file path=ppt/slides/slide1.xml><?xml version="1.0" encoding="utf-8"?>
-<p:sld xmlns:a="http://schemas.openxmlformats.org/drawingml/2006/main" xmlns:p="http://schemas.openxmlformats.org/presentationml/2006/main" xmlns:r="http://schemas.openxmlformats.org/officeDocument/2006/relationships" show="0">
+<p:sld xmlns:a="http://schemas.openxmlformats.org/drawingml/2006/main" xmlns:r="http://schemas.openxmlformats.org/officeDocument/2006/relationships" xmlns:p="http://schemas.openxmlformats.org/presentationml/2006/main">
   <p:cSld>
     <p:spTree>
       <p:nvGrpSpPr>
@@ -5261,6 +5747,7 @@
         </p:spPr>
         <p:txBody>
           <a:bodyPr/>
+          <a:lstStyle/>
           <a:p>
             <a:pPr>
               <a:lnSpc>
@@ -5268,15 +5755,15 @@
               </a:lnSpc>
             </a:pPr>
             <a:r>
-              <a:rPr b="1" lang="en-US" sz="4000">
-                <a:solidFill>
-                  <a:srgbClr val="0076a3"/>
+              <a:rPr lang="en-US" sz="4000" b="1" dirty="0" err="1" smtClean="0">
+                <a:solidFill>
+                  <a:srgbClr val="0076A3"/>
                 </a:solidFill>
                 <a:latin typeface="Yanone Kaffeesatz Bold"/>
               </a:rPr>
-              <a:t>NewsMiner+</a:t>
-            </a:r>
-            <a:endParaRPr/>
+              <a:t>Teamprojekt</a:t>
+            </a:r>
+            <a:endParaRPr dirty="0"/>
           </a:p>
         </p:txBody>
       </p:sp>
@@ -5297,6 +5784,7 @@
         </p:spPr>
         <p:txBody>
           <a:bodyPr anchor="b"/>
+          <a:lstStyle/>
           <a:p>
             <a:pPr>
               <a:lnSpc>
@@ -5318,6 +5806,10 @@
       </p:sp>
     </p:spTree>
   </p:cSld>
+  <p:clrMapOvr>
+    <a:masterClrMapping/>
+  </p:clrMapOvr>
+  <p:transition/>
   <p:timing>
     <p:tnLst>
       <p:par>
@@ -5326,14 +5818,14 @@
             <p:seq>
               <p:cTn id="2" nodeType="mainSeq"/>
               <p:prevCondLst>
-                <p:cond delay="0" evt="onPrev">
+                <p:cond evt="onPrev" delay="0">
                   <p:tgtEl>
                     <p:sldTgt/>
                   </p:tgtEl>
                 </p:cond>
               </p:prevCondLst>
               <p:nextCondLst>
-                <p:cond delay="0" evt="onNext">
+                <p:cond evt="onNext" delay="0">
                   <p:tgtEl>
                     <p:sldTgt/>
                   </p:tgtEl>
@@ -5349,7 +5841,7 @@
 </file>
 
 <file path=ppt/slides/slide10.xml><?xml version="1.0" encoding="utf-8"?>
-<p:sld xmlns:a="http://schemas.openxmlformats.org/drawingml/2006/main" xmlns:p="http://schemas.openxmlformats.org/presentationml/2006/main" xmlns:r="http://schemas.openxmlformats.org/officeDocument/2006/relationships">
+<p:sld xmlns:a="http://schemas.openxmlformats.org/drawingml/2006/main" xmlns:r="http://schemas.openxmlformats.org/officeDocument/2006/relationships" xmlns:p="http://schemas.openxmlformats.org/presentationml/2006/main">
   <p:cSld>
     <p:spTree>
       <p:nvGrpSpPr>
@@ -5367,7 +5859,7 @@
       </p:grpSpPr>
       <p:sp>
         <p:nvSpPr>
-          <p:cNvPr id="179" name="TextShape 1"/>
+          <p:cNvPr id="169" name="TextShape 1"/>
           <p:cNvSpPr txBox="1"/>
           <p:nvPr/>
         </p:nvSpPr>
@@ -5382,6 +5874,7 @@
         </p:spPr>
         <p:txBody>
           <a:bodyPr anchor="ctr"/>
+          <a:lstStyle/>
           <a:p>
             <a:pPr algn="ctr">
               <a:lnSpc>
@@ -5391,7 +5884,7 @@
             <a:r>
               <a:rPr lang="en-US" sz="4400">
                 <a:solidFill>
-                  <a:srgbClr val="0076a3"/>
+                  <a:srgbClr val="0076A3"/>
                 </a:solidFill>
                 <a:latin typeface="Yanone Kaffeesatz Bold"/>
               </a:rPr>
@@ -5403,7 +5896,7 @@
       </p:sp>
       <p:sp>
         <p:nvSpPr>
-          <p:cNvPr id="180" name="TextShape 2"/>
+          <p:cNvPr id="170" name="TextShape 2"/>
           <p:cNvSpPr txBox="1"/>
           <p:nvPr/>
         </p:nvSpPr>
@@ -5418,6 +5911,7 @@
         </p:spPr>
         <p:txBody>
           <a:bodyPr/>
+          <a:lstStyle/>
           <a:p>
             <a:pPr>
               <a:lnSpc>
@@ -5433,7 +5927,7 @@
                 </a:solidFill>
                 <a:latin typeface="Myriad Pro"/>
               </a:rPr>
-              <a:t>Hintergrunddaten </a:t>
+              <a:t>Clustern </a:t>
             </a:r>
             <a:endParaRPr/>
           </a:p>
@@ -5452,7 +5946,7 @@
                 </a:solidFill>
                 <a:latin typeface="Myriad Pro"/>
               </a:rPr>
-              <a:t>Geocode via Google </a:t>
+              <a:t>Hierarisch (VSM)</a:t>
             </a:r>
             <a:endParaRPr/>
           </a:p>
@@ -5471,7 +5965,7 @@
                 </a:solidFill>
                 <a:latin typeface="Myriad Pro"/>
               </a:rPr>
-              <a:t>Freebase</a:t>
+              <a:t>Agglomerativ </a:t>
             </a:r>
             <a:endParaRPr/>
           </a:p>
@@ -5490,15 +5984,15 @@
                 </a:solidFill>
                 <a:latin typeface="Myriad Pro"/>
               </a:rPr>
-              <a:t>Leaflet/OSMs</a:t>
-            </a:r>
-            <a:endParaRPr/>
-          </a:p>
-        </p:txBody>
-      </p:sp>
-      <p:sp>
-        <p:nvSpPr>
-          <p:cNvPr id="181" name="TextShape 3"/>
+              <a:t>Distanzfunktion</a:t>
+            </a:r>
+            <a:endParaRPr/>
+          </a:p>
+        </p:txBody>
+      </p:sp>
+      <p:sp>
+        <p:nvSpPr>
+          <p:cNvPr id="171" name="TextShape 3"/>
           <p:cNvSpPr txBox="1"/>
           <p:nvPr/>
         </p:nvSpPr>
@@ -5513,6 +6007,7 @@
         </p:spPr>
         <p:txBody>
           <a:bodyPr anchor="ctr"/>
+          <a:lstStyle/>
           <a:p>
             <a:pPr>
               <a:lnSpc>
@@ -5522,7 +6017,7 @@
             <a:r>
               <a:rPr lang="en-US" sz="1200">
                 <a:solidFill>
-                  <a:srgbClr val="ffffff"/>
+                  <a:srgbClr val="FFFFFF"/>
                 </a:solidFill>
                 <a:latin typeface="Myriad Pro"/>
               </a:rPr>
@@ -5534,7 +6029,7 @@
       </p:sp>
       <p:sp>
         <p:nvSpPr>
-          <p:cNvPr id="182" name="TextShape 4"/>
+          <p:cNvPr id="172" name="TextShape 4"/>
           <p:cNvSpPr txBox="1"/>
           <p:nvPr/>
         </p:nvSpPr>
@@ -5549,6 +6044,7 @@
         </p:spPr>
         <p:txBody>
           <a:bodyPr anchor="ctr"/>
+          <a:lstStyle/>
           <a:p>
             <a:pPr algn="ctr">
               <a:lnSpc>
@@ -5558,7 +6054,7 @@
             <a:r>
               <a:rPr lang="en-US" sz="1200">
                 <a:solidFill>
-                  <a:srgbClr val="ffffff"/>
+                  <a:srgbClr val="FFFFFF"/>
                 </a:solidFill>
                 <a:latin typeface="Myriad Pro"/>
               </a:rPr>
@@ -5570,7 +6066,7 @@
       </p:sp>
       <p:sp>
         <p:nvSpPr>
-          <p:cNvPr id="183" name="TextShape 5"/>
+          <p:cNvPr id="173" name="TextShape 5"/>
           <p:cNvSpPr txBox="1"/>
           <p:nvPr/>
         </p:nvSpPr>
@@ -5585,20 +6081,26 @@
         </p:spPr>
         <p:txBody>
           <a:bodyPr anchor="ctr"/>
+          <a:lstStyle/>
           <a:p>
             <a:pPr algn="r">
               <a:lnSpc>
                 <a:spcPct val="100000"/>
               </a:lnSpc>
             </a:pPr>
-            <a:fld id="{5528FF3F-72A3-4365-B73A-06B7B4A3A409}" type="slidenum">
+            <a:fld id="{8E163E27-7FDF-41D2-926C-D04853637D4A}" type="slidenum">
               <a:rPr lang="en-US" sz="1200">
                 <a:solidFill>
-                  <a:srgbClr val="ffffff"/>
-                </a:solidFill>
-                <a:latin typeface="Myriad Pro"/>
-              </a:rPr>
-              <a:t>&lt;number&gt;</a:t>
+                  <a:srgbClr val="FFFFFF"/>
+                </a:solidFill>
+                <a:latin typeface="Myriad Pro"/>
+              </a:rPr>
+              <a:pPr algn="r">
+                <a:lnSpc>
+                  <a:spcPct val="100000"/>
+                </a:lnSpc>
+              </a:pPr>
+              <a:t>10</a:t>
             </a:fld>
             <a:endParaRPr/>
           </a:p>
@@ -5606,22 +6108,25 @@
       </p:sp>
     </p:spTree>
   </p:cSld>
+  <p:clrMapOvr>
+    <a:masterClrMapping/>
+  </p:clrMapOvr>
   <p:timing>
     <p:tnLst>
       <p:par>
-        <p:cTn id="19" dur="indefinite" restart="never" nodeType="tmRoot">
+        <p:cTn id="1" dur="indefinite" restart="never" nodeType="tmRoot">
           <p:childTnLst>
             <p:seq>
-              <p:cTn id="20" nodeType="mainSeq"/>
+              <p:cTn id="2" nodeType="mainSeq"/>
               <p:prevCondLst>
-                <p:cond delay="0" evt="onPrev">
+                <p:cond evt="onPrev" delay="0">
                   <p:tgtEl>
                     <p:sldTgt/>
                   </p:tgtEl>
                 </p:cond>
               </p:prevCondLst>
               <p:nextCondLst>
-                <p:cond delay="0" evt="onNext">
+                <p:cond evt="onNext" delay="0">
                   <p:tgtEl>
                     <p:sldTgt/>
                   </p:tgtEl>
@@ -5637,7 +6142,7 @@
 </file>
 
 <file path=ppt/slides/slide11.xml><?xml version="1.0" encoding="utf-8"?>
-<p:sld xmlns:a="http://schemas.openxmlformats.org/drawingml/2006/main" xmlns:p="http://schemas.openxmlformats.org/presentationml/2006/main" xmlns:r="http://schemas.openxmlformats.org/officeDocument/2006/relationships">
+<p:sld xmlns:a="http://schemas.openxmlformats.org/drawingml/2006/main" xmlns:r="http://schemas.openxmlformats.org/officeDocument/2006/relationships" xmlns:p="http://schemas.openxmlformats.org/presentationml/2006/main">
   <p:cSld>
     <p:spTree>
       <p:nvGrpSpPr>
@@ -5655,7 +6160,7 @@
       </p:grpSpPr>
       <p:sp>
         <p:nvSpPr>
-          <p:cNvPr id="184" name="TextShape 1"/>
+          <p:cNvPr id="179" name="TextShape 1"/>
           <p:cNvSpPr txBox="1"/>
           <p:nvPr/>
         </p:nvSpPr>
@@ -5670,6 +6175,7 @@
         </p:spPr>
         <p:txBody>
           <a:bodyPr anchor="ctr"/>
+          <a:lstStyle/>
           <a:p>
             <a:pPr algn="ctr">
               <a:lnSpc>
@@ -5679,60 +6185,157 @@
             <a:r>
               <a:rPr lang="en-US" sz="4400">
                 <a:solidFill>
-                  <a:srgbClr val="0076a3"/>
+                  <a:srgbClr val="0076A3"/>
                 </a:solidFill>
                 <a:latin typeface="Yanone Kaffeesatz Bold"/>
               </a:rPr>
-              <a:t>Technologien</a:t>
-            </a:r>
-            <a:endParaRPr/>
-          </a:p>
-        </p:txBody>
-      </p:sp>
-      <p:sp>
-        <p:nvSpPr>
-          <p:cNvPr id="185" name="TextShape 2"/>
+              <a:t>Verfahren</a:t>
+            </a:r>
+            <a:endParaRPr/>
+          </a:p>
+        </p:txBody>
+      </p:sp>
+      <p:sp>
+        <p:nvSpPr>
+          <p:cNvPr id="180" name="TextShape 2"/>
           <p:cNvSpPr txBox="1"/>
           <p:nvPr/>
         </p:nvSpPr>
         <p:spPr>
           <a:xfrm>
-            <a:off x="457200" y="6356520"/>
-            <a:ext cx="2133360" cy="364680"/>
-          </a:xfrm>
-          <a:prstGeom prst="rect">
-            <a:avLst/>
-          </a:prstGeom>
-        </p:spPr>
-        <p:txBody>
-          <a:bodyPr anchor="ctr"/>
+            <a:off x="457200" y="1600200"/>
+            <a:ext cx="8229240" cy="3885840"/>
+          </a:xfrm>
+          <a:prstGeom prst="rect">
+            <a:avLst/>
+          </a:prstGeom>
+        </p:spPr>
+        <p:txBody>
+          <a:bodyPr/>
+          <a:lstStyle/>
           <a:p>
             <a:pPr>
               <a:lnSpc>
                 <a:spcPct val="100000"/>
               </a:lnSpc>
-            </a:pPr>
-            <a:r>
-              <a:rPr lang="en-US" sz="1200">
-                <a:solidFill>
-                  <a:srgbClr val="ffffff"/>
-                </a:solidFill>
-                <a:latin typeface="Myriad Pro"/>
-              </a:rPr>
-              <a:t>16. Juli 2014</a:t>
-            </a:r>
-            <a:endParaRPr/>
-          </a:p>
-        </p:txBody>
-      </p:sp>
-      <p:sp>
-        <p:nvSpPr>
-          <p:cNvPr id="186" name="TextShape 3"/>
+              <a:buFont typeface="Arial"/>
+              <a:buChar char="•"/>
+            </a:pPr>
+            <a:r>
+              <a:rPr lang="en-US" sz="3200">
+                <a:solidFill>
+                  <a:srgbClr val="000000"/>
+                </a:solidFill>
+                <a:latin typeface="Myriad Pro"/>
+              </a:rPr>
+              <a:t>Hintergrunddaten </a:t>
+            </a:r>
+            <a:endParaRPr/>
+          </a:p>
+          <a:p>
+            <a:pPr lvl="1">
+              <a:lnSpc>
+                <a:spcPct val="100000"/>
+              </a:lnSpc>
+              <a:buFont typeface="Arial"/>
+              <a:buChar char="–"/>
+            </a:pPr>
+            <a:r>
+              <a:rPr lang="en-US" sz="2800">
+                <a:solidFill>
+                  <a:srgbClr val="000000"/>
+                </a:solidFill>
+                <a:latin typeface="Myriad Pro"/>
+              </a:rPr>
+              <a:t>Geocode via Google </a:t>
+            </a:r>
+            <a:endParaRPr/>
+          </a:p>
+          <a:p>
+            <a:pPr lvl="1">
+              <a:lnSpc>
+                <a:spcPct val="100000"/>
+              </a:lnSpc>
+              <a:buFont typeface="Arial"/>
+              <a:buChar char="–"/>
+            </a:pPr>
+            <a:r>
+              <a:rPr lang="en-US" sz="2800">
+                <a:solidFill>
+                  <a:srgbClr val="000000"/>
+                </a:solidFill>
+                <a:latin typeface="Myriad Pro"/>
+              </a:rPr>
+              <a:t>Freebase</a:t>
+            </a:r>
+            <a:endParaRPr/>
+          </a:p>
+          <a:p>
+            <a:pPr lvl="1">
+              <a:lnSpc>
+                <a:spcPct val="100000"/>
+              </a:lnSpc>
+              <a:buFont typeface="Arial"/>
+              <a:buChar char="–"/>
+            </a:pPr>
+            <a:r>
+              <a:rPr lang="en-US" sz="2800">
+                <a:solidFill>
+                  <a:srgbClr val="000000"/>
+                </a:solidFill>
+                <a:latin typeface="Myriad Pro"/>
+              </a:rPr>
+              <a:t>Leaflet/OSMs</a:t>
+            </a:r>
+            <a:endParaRPr/>
+          </a:p>
+        </p:txBody>
+      </p:sp>
+      <p:sp>
+        <p:nvSpPr>
+          <p:cNvPr id="181" name="TextShape 3"/>
           <p:cNvSpPr txBox="1"/>
           <p:nvPr/>
         </p:nvSpPr>
         <p:spPr>
           <a:xfrm>
+            <a:off x="457200" y="6356520"/>
+            <a:ext cx="2133360" cy="364680"/>
+          </a:xfrm>
+          <a:prstGeom prst="rect">
+            <a:avLst/>
+          </a:prstGeom>
+        </p:spPr>
+        <p:txBody>
+          <a:bodyPr anchor="ctr"/>
+          <a:lstStyle/>
+          <a:p>
+            <a:pPr>
+              <a:lnSpc>
+                <a:spcPct val="100000"/>
+              </a:lnSpc>
+            </a:pPr>
+            <a:r>
+              <a:rPr lang="en-US" sz="1200">
+                <a:solidFill>
+                  <a:srgbClr val="FFFFFF"/>
+                </a:solidFill>
+                <a:latin typeface="Myriad Pro"/>
+              </a:rPr>
+              <a:t>16. Juli 2014</a:t>
+            </a:r>
+            <a:endParaRPr/>
+          </a:p>
+        </p:txBody>
+      </p:sp>
+      <p:sp>
+        <p:nvSpPr>
+          <p:cNvPr id="182" name="TextShape 4"/>
+          <p:cNvSpPr txBox="1"/>
+          <p:nvPr/>
+        </p:nvSpPr>
+        <p:spPr>
+          <a:xfrm>
             <a:off x="2743200" y="6356520"/>
             <a:ext cx="3657240" cy="364680"/>
           </a:xfrm>
@@ -5742,6 +6345,7 @@
         </p:spPr>
         <p:txBody>
           <a:bodyPr anchor="ctr"/>
+          <a:lstStyle/>
           <a:p>
             <a:pPr algn="ctr">
               <a:lnSpc>
@@ -5751,7 +6355,7 @@
             <a:r>
               <a:rPr lang="en-US" sz="1200">
                 <a:solidFill>
-                  <a:srgbClr val="ffffff"/>
+                  <a:srgbClr val="FFFFFF"/>
                 </a:solidFill>
                 <a:latin typeface="Myriad Pro"/>
               </a:rPr>
@@ -5763,7 +6367,7 @@
       </p:sp>
       <p:sp>
         <p:nvSpPr>
-          <p:cNvPr id="187" name="TextShape 4"/>
+          <p:cNvPr id="183" name="TextShape 5"/>
           <p:cNvSpPr txBox="1"/>
           <p:nvPr/>
         </p:nvSpPr>
@@ -5778,20 +6382,231 @@
         </p:spPr>
         <p:txBody>
           <a:bodyPr anchor="ctr"/>
+          <a:lstStyle/>
           <a:p>
             <a:pPr algn="r">
               <a:lnSpc>
                 <a:spcPct val="100000"/>
               </a:lnSpc>
             </a:pPr>
+            <a:fld id="{5528FF3F-72A3-4365-B73A-06B7B4A3A409}" type="slidenum">
+              <a:rPr lang="en-US" sz="1200">
+                <a:solidFill>
+                  <a:srgbClr val="FFFFFF"/>
+                </a:solidFill>
+                <a:latin typeface="Myriad Pro"/>
+              </a:rPr>
+              <a:pPr algn="r">
+                <a:lnSpc>
+                  <a:spcPct val="100000"/>
+                </a:lnSpc>
+              </a:pPr>
+              <a:t>11</a:t>
+            </a:fld>
+            <a:endParaRPr/>
+          </a:p>
+        </p:txBody>
+      </p:sp>
+    </p:spTree>
+  </p:cSld>
+  <p:clrMapOvr>
+    <a:masterClrMapping/>
+  </p:clrMapOvr>
+  <p:timing>
+    <p:tnLst>
+      <p:par>
+        <p:cTn id="1" dur="indefinite" restart="never" nodeType="tmRoot">
+          <p:childTnLst>
+            <p:seq>
+              <p:cTn id="2" nodeType="mainSeq"/>
+              <p:prevCondLst>
+                <p:cond evt="onPrev" delay="0">
+                  <p:tgtEl>
+                    <p:sldTgt/>
+                  </p:tgtEl>
+                </p:cond>
+              </p:prevCondLst>
+              <p:nextCondLst>
+                <p:cond evt="onNext" delay="0">
+                  <p:tgtEl>
+                    <p:sldTgt/>
+                  </p:tgtEl>
+                </p:cond>
+              </p:nextCondLst>
+            </p:seq>
+          </p:childTnLst>
+        </p:cTn>
+      </p:par>
+    </p:tnLst>
+  </p:timing>
+</p:sld>
+</file>
+
+<file path=ppt/slides/slide12.xml><?xml version="1.0" encoding="utf-8"?>
+<p:sld xmlns:a="http://schemas.openxmlformats.org/drawingml/2006/main" xmlns:r="http://schemas.openxmlformats.org/officeDocument/2006/relationships" xmlns:p="http://schemas.openxmlformats.org/presentationml/2006/main">
+  <p:cSld>
+    <p:spTree>
+      <p:nvGrpSpPr>
+        <p:cNvPr id="1" name=""/>
+        <p:cNvGrpSpPr/>
+        <p:nvPr/>
+      </p:nvGrpSpPr>
+      <p:grpSpPr>
+        <a:xfrm>
+          <a:off x="0" y="0"/>
+          <a:ext cx="0" cy="0"/>
+          <a:chOff x="0" y="0"/>
+          <a:chExt cx="0" cy="0"/>
+        </a:xfrm>
+      </p:grpSpPr>
+      <p:sp>
+        <p:nvSpPr>
+          <p:cNvPr id="184" name="TextShape 1"/>
+          <p:cNvSpPr txBox="1"/>
+          <p:nvPr/>
+        </p:nvSpPr>
+        <p:spPr>
+          <a:xfrm>
+            <a:off x="457200" y="274680"/>
+            <a:ext cx="8229240" cy="1142640"/>
+          </a:xfrm>
+          <a:prstGeom prst="rect">
+            <a:avLst/>
+          </a:prstGeom>
+        </p:spPr>
+        <p:txBody>
+          <a:bodyPr anchor="ctr"/>
+          <a:lstStyle/>
+          <a:p>
+            <a:pPr algn="ctr">
+              <a:lnSpc>
+                <a:spcPct val="100000"/>
+              </a:lnSpc>
+            </a:pPr>
+            <a:r>
+              <a:rPr lang="en-US" sz="4400">
+                <a:solidFill>
+                  <a:srgbClr val="0076A3"/>
+                </a:solidFill>
+                <a:latin typeface="Yanone Kaffeesatz Bold"/>
+              </a:rPr>
+              <a:t>Technologien</a:t>
+            </a:r>
+            <a:endParaRPr/>
+          </a:p>
+        </p:txBody>
+      </p:sp>
+      <p:sp>
+        <p:nvSpPr>
+          <p:cNvPr id="185" name="TextShape 2"/>
+          <p:cNvSpPr txBox="1"/>
+          <p:nvPr/>
+        </p:nvSpPr>
+        <p:spPr>
+          <a:xfrm>
+            <a:off x="457200" y="6356520"/>
+            <a:ext cx="2133360" cy="364680"/>
+          </a:xfrm>
+          <a:prstGeom prst="rect">
+            <a:avLst/>
+          </a:prstGeom>
+        </p:spPr>
+        <p:txBody>
+          <a:bodyPr anchor="ctr"/>
+          <a:lstStyle/>
+          <a:p>
+            <a:pPr>
+              <a:lnSpc>
+                <a:spcPct val="100000"/>
+              </a:lnSpc>
+            </a:pPr>
+            <a:r>
+              <a:rPr lang="en-US" sz="1200">
+                <a:solidFill>
+                  <a:srgbClr val="FFFFFF"/>
+                </a:solidFill>
+                <a:latin typeface="Myriad Pro"/>
+              </a:rPr>
+              <a:t>16. Juli 2014</a:t>
+            </a:r>
+            <a:endParaRPr/>
+          </a:p>
+        </p:txBody>
+      </p:sp>
+      <p:sp>
+        <p:nvSpPr>
+          <p:cNvPr id="186" name="TextShape 3"/>
+          <p:cNvSpPr txBox="1"/>
+          <p:nvPr/>
+        </p:nvSpPr>
+        <p:spPr>
+          <a:xfrm>
+            <a:off x="2743200" y="6356520"/>
+            <a:ext cx="3657240" cy="364680"/>
+          </a:xfrm>
+          <a:prstGeom prst="rect">
+            <a:avLst/>
+          </a:prstGeom>
+        </p:spPr>
+        <p:txBody>
+          <a:bodyPr anchor="ctr"/>
+          <a:lstStyle/>
+          <a:p>
+            <a:pPr algn="ctr">
+              <a:lnSpc>
+                <a:spcPct val="100000"/>
+              </a:lnSpc>
+            </a:pPr>
+            <a:r>
+              <a:rPr lang="en-US" sz="1200">
+                <a:solidFill>
+                  <a:srgbClr val="FFFFFF"/>
+                </a:solidFill>
+                <a:latin typeface="Myriad Pro"/>
+              </a:rPr>
+              <a:t>NM+ - Zwischenpräsentation | RF, TG, SM</a:t>
+            </a:r>
+            <a:endParaRPr/>
+          </a:p>
+        </p:txBody>
+      </p:sp>
+      <p:sp>
+        <p:nvSpPr>
+          <p:cNvPr id="187" name="TextShape 4"/>
+          <p:cNvSpPr txBox="1"/>
+          <p:nvPr/>
+        </p:nvSpPr>
+        <p:spPr>
+          <a:xfrm>
+            <a:off x="6553080" y="6356520"/>
+            <a:ext cx="2133360" cy="364680"/>
+          </a:xfrm>
+          <a:prstGeom prst="rect">
+            <a:avLst/>
+          </a:prstGeom>
+        </p:spPr>
+        <p:txBody>
+          <a:bodyPr anchor="ctr"/>
+          <a:lstStyle/>
+          <a:p>
+            <a:pPr algn="r">
+              <a:lnSpc>
+                <a:spcPct val="100000"/>
+              </a:lnSpc>
+            </a:pPr>
             <a:fld id="{F906C1CE-0BFB-4AE0-9ACE-0EC131084A0F}" type="slidenum">
               <a:rPr lang="en-US" sz="1200">
                 <a:solidFill>
-                  <a:srgbClr val="ffffff"/>
-                </a:solidFill>
-                <a:latin typeface="Myriad Pro"/>
-              </a:rPr>
-              <a:t>&lt;number&gt;</a:t>
+                  <a:srgbClr val="FFFFFF"/>
+                </a:solidFill>
+                <a:latin typeface="Myriad Pro"/>
+              </a:rPr>
+              <a:pPr algn="r">
+                <a:lnSpc>
+                  <a:spcPct val="100000"/>
+                </a:lnSpc>
+              </a:pPr>
+              <a:t>12</a:t>
             </a:fld>
             <a:endParaRPr/>
           </a:p>
@@ -5816,13 +6631,14 @@
           </a:solidFill>
           <a:ln w="25560">
             <a:solidFill>
-              <a:srgbClr val="21b2c9"/>
+              <a:srgbClr val="21B2C9"/>
             </a:solidFill>
             <a:round/>
           </a:ln>
         </p:spPr>
         <p:txBody>
-          <a:bodyPr lIns="90000" rIns="90000" tIns="45000" bIns="45000" anchor="ctr"/>
+          <a:bodyPr lIns="90000" tIns="45000" rIns="90000" bIns="45000" anchor="ctr"/>
+          <a:lstStyle/>
           <a:p>
             <a:pPr algn="ctr">
               <a:lnSpc>
@@ -5832,7 +6648,7 @@
             <a:r>
               <a:rPr lang="en-US" sz="2400">
                 <a:solidFill>
-                  <a:srgbClr val="ffffff"/>
+                  <a:srgbClr val="FFFFFF"/>
                 </a:solidFill>
                 <a:latin typeface="Myriad Pro"/>
               </a:rPr>
@@ -5861,13 +6677,14 @@
           </a:solidFill>
           <a:ln w="25560">
             <a:solidFill>
-              <a:srgbClr val="0b5292"/>
+              <a:srgbClr val="0B5292"/>
             </a:solidFill>
             <a:round/>
           </a:ln>
         </p:spPr>
         <p:txBody>
-          <a:bodyPr lIns="90000" rIns="90000" tIns="45000" bIns="45000" anchor="ctr"/>
+          <a:bodyPr lIns="90000" tIns="45000" rIns="90000" bIns="45000" anchor="ctr"/>
+          <a:lstStyle/>
           <a:p>
             <a:pPr algn="ctr">
               <a:lnSpc>
@@ -5877,7 +6694,7 @@
             <a:r>
               <a:rPr lang="en-US" sz="2400">
                 <a:solidFill>
-                  <a:srgbClr val="ffffff"/>
+                  <a:srgbClr val="FFFFFF"/>
                 </a:solidFill>
                 <a:latin typeface="Myriad Pro"/>
               </a:rPr>
@@ -5896,7 +6713,7 @@
             <a:r>
               <a:rPr lang="en-US" sz="2400">
                 <a:solidFill>
-                  <a:srgbClr val="ffffff"/>
+                  <a:srgbClr val="FFFFFF"/>
                 </a:solidFill>
                 <a:latin typeface="Myriad Pro"/>
               </a:rPr>
@@ -5905,30 +6722,12 @@
             <a:r>
               <a:rPr lang="en-US">
                 <a:solidFill>
-                  <a:srgbClr val="ffffff"/>
-                </a:solidFill>
-                <a:latin typeface="Myriad Pro"/>
-              </a:rPr>
-              <a:t>RSS Crawler</a:t>
-            </a:r>
-            <a:r>
-              <a:rPr lang="en-US">
-                <a:solidFill>
-                  <a:srgbClr val="ffffff"/>
-                </a:solidFill>
-                <a:latin typeface="Myriad Pro"/>
-              </a:rPr>
-              <a:t>
-</a:t>
-            </a:r>
-            <a:r>
-              <a:rPr lang="en-US">
-                <a:solidFill>
-                  <a:srgbClr val="ffffff"/>
-                </a:solidFill>
-                <a:latin typeface="Myriad Pro"/>
-              </a:rPr>
-              <a:t>- Clustering</a:t>
+                  <a:srgbClr val="FFFFFF"/>
+                </a:solidFill>
+                <a:latin typeface="Myriad Pro"/>
+              </a:rPr>
+              <a:t>RSS Crawler
+- Clustering</a:t>
             </a:r>
             <a:endParaRPr/>
           </a:p>
@@ -5943,39 +6742,12 @@
             <a:r>
               <a:rPr lang="en-US">
                 <a:solidFill>
-                  <a:srgbClr val="ffffff"/>
-                </a:solidFill>
-                <a:latin typeface="Myriad Pro"/>
-              </a:rPr>
-              <a:t> </a:t>
-            </a:r>
-            <a:r>
-              <a:rPr lang="en-US">
-                <a:solidFill>
-                  <a:srgbClr val="ffffff"/>
-                </a:solidFill>
-                <a:latin typeface="Myriad Pro"/>
-              </a:rPr>
-              <a:t>NER (Stanford NER)</a:t>
-            </a:r>
-            <a:r>
-              <a:rPr lang="en-US">
-                <a:solidFill>
-                  <a:srgbClr val="ffffff"/>
-                </a:solidFill>
-                <a:latin typeface="Myriad Pro"/>
-              </a:rPr>
-              <a:t>
-</a:t>
-            </a:r>
-            <a:r>
-              <a:rPr lang="en-US">
-                <a:solidFill>
-                  <a:srgbClr val="ffffff"/>
-                </a:solidFill>
-                <a:latin typeface="Myriad Pro"/>
-              </a:rPr>
-              <a:t>- Background Extraction </a:t>
+                  <a:srgbClr val="FFFFFF"/>
+                </a:solidFill>
+                <a:latin typeface="Myriad Pro"/>
+              </a:rPr>
+              <a:t> NER (Stanford NER)
+- Background Extraction </a:t>
             </a:r>
             <a:endParaRPr/>
           </a:p>
@@ -6000,13 +6772,14 @@
           </a:solidFill>
           <a:ln w="25560">
             <a:solidFill>
-              <a:srgbClr val="0b5292"/>
+              <a:srgbClr val="0B5292"/>
             </a:solidFill>
             <a:round/>
           </a:ln>
         </p:spPr>
         <p:txBody>
-          <a:bodyPr lIns="90000" rIns="90000" tIns="45000" bIns="45000" anchor="ctr"/>
+          <a:bodyPr lIns="90000" tIns="45000" rIns="90000" bIns="45000" anchor="ctr"/>
+          <a:lstStyle/>
           <a:p>
             <a:pPr algn="ctr">
               <a:lnSpc>
@@ -6016,7 +6789,7 @@
             <a:r>
               <a:rPr lang="en-US" sz="2400">
                 <a:solidFill>
-                  <a:srgbClr val="ffffff"/>
+                  <a:srgbClr val="FFFFFF"/>
                 </a:solidFill>
                 <a:latin typeface="Myriad Pro"/>
               </a:rPr>
@@ -6028,12 +6801,12 @@
       </p:sp>
       <p:pic>
         <p:nvPicPr>
-          <p:cNvPr id="191" name="Grafik 9" descr=""/>
+          <p:cNvPr id="191" name="Grafik 9"/>
           <p:cNvPicPr/>
           <p:nvPr/>
         </p:nvPicPr>
         <p:blipFill>
-          <a:blip r:embed="rId1"/>
+          <a:blip r:embed="rId2" cstate="print"/>
           <a:srcRect l="460336" t="434523" r="540168" b="108571"/>
           <a:stretch>
             <a:fillRect/>
@@ -6072,7 +6845,8 @@
           </a:ln>
         </p:spPr>
         <p:txBody>
-          <a:bodyPr wrap="none" lIns="90000" rIns="90000" tIns="45000" bIns="45000"/>
+          <a:bodyPr wrap="none" lIns="90000" tIns="45000" rIns="90000" bIns="45000"/>
+          <a:lstStyle/>
           <a:p>
             <a:pPr>
               <a:lnSpc>
@@ -6112,7 +6886,7 @@
               <a:srgbClr val="083763"/>
             </a:solidFill>
             <a:round/>
-            <a:tailEnd len="med" type="arrow" w="med"/>
+            <a:tailEnd type="arrow" w="med" len="med"/>
           </a:ln>
         </p:spPr>
       </p:sp>
@@ -6136,7 +6910,7 @@
               <a:srgbClr val="000000"/>
             </a:solidFill>
             <a:round/>
-            <a:tailEnd len="med" type="arrow" w="med"/>
+            <a:tailEnd type="arrow" w="med" len="med"/>
           </a:ln>
         </p:spPr>
       </p:sp>
@@ -6160,28 +6934,1660 @@
               <a:srgbClr val="000000"/>
             </a:solidFill>
             <a:round/>
-            <a:tailEnd len="med" type="arrow" w="med"/>
+            <a:tailEnd type="arrow" w="med" len="med"/>
           </a:ln>
         </p:spPr>
       </p:sp>
     </p:spTree>
   </p:cSld>
+  <p:clrMapOvr>
+    <a:masterClrMapping/>
+  </p:clrMapOvr>
   <p:timing>
     <p:tnLst>
       <p:par>
-        <p:cTn id="21" dur="indefinite" restart="never" nodeType="tmRoot">
+        <p:cTn id="1" dur="indefinite" restart="never" nodeType="tmRoot">
           <p:childTnLst>
             <p:seq>
-              <p:cTn id="22" nodeType="mainSeq"/>
+              <p:cTn id="2" nodeType="mainSeq"/>
               <p:prevCondLst>
-                <p:cond delay="0" evt="onPrev">
+                <p:cond evt="onPrev" delay="0">
                   <p:tgtEl>
                     <p:sldTgt/>
                   </p:tgtEl>
                 </p:cond>
               </p:prevCondLst>
               <p:nextCondLst>
-                <p:cond delay="0" evt="onNext">
+                <p:cond evt="onNext" delay="0">
+                  <p:tgtEl>
+                    <p:sldTgt/>
+                  </p:tgtEl>
+                </p:cond>
+              </p:nextCondLst>
+            </p:seq>
+          </p:childTnLst>
+        </p:cTn>
+      </p:par>
+    </p:tnLst>
+  </p:timing>
+</p:sld>
+</file>
+
+<file path=ppt/slides/slide13.xml><?xml version="1.0" encoding="utf-8"?>
+<p:sld xmlns:a="http://schemas.openxmlformats.org/drawingml/2006/main" xmlns:r="http://schemas.openxmlformats.org/officeDocument/2006/relationships" xmlns:p="http://schemas.openxmlformats.org/presentationml/2006/main">
+  <p:cSld>
+    <p:spTree>
+      <p:nvGrpSpPr>
+        <p:cNvPr id="1" name=""/>
+        <p:cNvGrpSpPr/>
+        <p:nvPr/>
+      </p:nvGrpSpPr>
+      <p:grpSpPr>
+        <a:xfrm>
+          <a:off x="0" y="0"/>
+          <a:ext cx="0" cy="0"/>
+          <a:chOff x="0" y="0"/>
+          <a:chExt cx="0" cy="0"/>
+        </a:xfrm>
+      </p:grpSpPr>
+      <p:sp>
+        <p:nvSpPr>
+          <p:cNvPr id="2" name="Titel 1"/>
+          <p:cNvSpPr>
+            <a:spLocks noGrp="1"/>
+          </p:cNvSpPr>
+          <p:nvPr>
+            <p:ph type="title"/>
+          </p:nvPr>
+        </p:nvSpPr>
+        <p:spPr/>
+        <p:txBody>
+          <a:bodyPr/>
+          <a:lstStyle/>
+          <a:p>
+            <a:r>
+              <a:rPr lang="en-US" dirty="0" smtClean="0"/>
+              <a:t>Was </a:t>
+            </a:r>
+            <a:r>
+              <a:rPr lang="en-US" dirty="0" err="1" smtClean="0"/>
+              <a:t>sagen</a:t>
+            </a:r>
+            <a:r>
+              <a:rPr lang="en-US" dirty="0" smtClean="0"/>
+              <a:t> </a:t>
+            </a:r>
+            <a:r>
+              <a:rPr lang="en-US" dirty="0" err="1" smtClean="0"/>
+              <a:t>andere</a:t>
+            </a:r>
+            <a:r>
+              <a:rPr lang="en-US" dirty="0" smtClean="0"/>
+              <a:t> - Evaluation</a:t>
+            </a:r>
+            <a:endParaRPr lang="en-US" dirty="0"/>
+          </a:p>
+        </p:txBody>
+      </p:sp>
+      <p:sp>
+        <p:nvSpPr>
+          <p:cNvPr id="3" name="Textplatzhalter 2"/>
+          <p:cNvSpPr>
+            <a:spLocks noGrp="1"/>
+          </p:cNvSpPr>
+          <p:nvPr>
+            <p:ph type="body"/>
+          </p:nvPr>
+        </p:nvSpPr>
+        <p:spPr/>
+        <p:txBody>
+          <a:bodyPr/>
+          <a:lstStyle/>
+          <a:p>
+            <a:endParaRPr lang="en-US"/>
+          </a:p>
+        </p:txBody>
+      </p:sp>
+    </p:spTree>
+  </p:cSld>
+  <p:clrMapOvr>
+    <a:masterClrMapping/>
+  </p:clrMapOvr>
+</p:sld>
+</file>
+
+<file path=ppt/slides/slide14.xml><?xml version="1.0" encoding="utf-8"?>
+<p:sld xmlns:a="http://schemas.openxmlformats.org/drawingml/2006/main" xmlns:r="http://schemas.openxmlformats.org/officeDocument/2006/relationships" xmlns:p="http://schemas.openxmlformats.org/presentationml/2006/main">
+  <p:cSld>
+    <p:spTree>
+      <p:nvGrpSpPr>
+        <p:cNvPr id="1" name=""/>
+        <p:cNvGrpSpPr/>
+        <p:nvPr/>
+      </p:nvGrpSpPr>
+      <p:grpSpPr>
+        <a:xfrm>
+          <a:off x="0" y="0"/>
+          <a:ext cx="0" cy="0"/>
+          <a:chOff x="0" y="0"/>
+          <a:chExt cx="0" cy="0"/>
+        </a:xfrm>
+      </p:grpSpPr>
+      <p:sp>
+        <p:nvSpPr>
+          <p:cNvPr id="2" name="Titel 1"/>
+          <p:cNvSpPr>
+            <a:spLocks noGrp="1"/>
+          </p:cNvSpPr>
+          <p:nvPr>
+            <p:ph type="title"/>
+          </p:nvPr>
+        </p:nvSpPr>
+        <p:spPr/>
+        <p:txBody>
+          <a:bodyPr/>
+          <a:lstStyle/>
+          <a:p>
+            <a:r>
+              <a:rPr lang="en-US" dirty="0" smtClean="0"/>
+              <a:t>Was </a:t>
+            </a:r>
+            <a:r>
+              <a:rPr lang="en-US" dirty="0" err="1" smtClean="0"/>
+              <a:t>geht</a:t>
+            </a:r>
+            <a:r>
+              <a:rPr lang="en-US" dirty="0" smtClean="0"/>
+              <a:t> </a:t>
+            </a:r>
+            <a:r>
+              <a:rPr lang="en-US" dirty="0" err="1" smtClean="0"/>
+              <a:t>noch</a:t>
+            </a:r>
+            <a:r>
+              <a:rPr lang="en-US" dirty="0" smtClean="0"/>
+              <a:t>? </a:t>
+            </a:r>
+            <a:r>
+              <a:rPr lang="en-US" dirty="0" err="1" smtClean="0"/>
+              <a:t>Andere</a:t>
+            </a:r>
+            <a:r>
+              <a:rPr lang="en-US" dirty="0" smtClean="0"/>
+              <a:t> </a:t>
+            </a:r>
+            <a:r>
+              <a:rPr lang="en-US" dirty="0" err="1" smtClean="0"/>
+              <a:t>Einsatzmoeglichkeiten</a:t>
+            </a:r>
+            <a:endParaRPr lang="en-US" dirty="0"/>
+          </a:p>
+        </p:txBody>
+      </p:sp>
+      <p:sp>
+        <p:nvSpPr>
+          <p:cNvPr id="3" name="Textplatzhalter 2"/>
+          <p:cNvSpPr>
+            <a:spLocks noGrp="1"/>
+          </p:cNvSpPr>
+          <p:nvPr>
+            <p:ph type="body"/>
+          </p:nvPr>
+        </p:nvSpPr>
+        <p:spPr/>
+        <p:txBody>
+          <a:bodyPr/>
+          <a:lstStyle/>
+          <a:p>
+            <a:endParaRPr lang="en-US"/>
+          </a:p>
+        </p:txBody>
+      </p:sp>
+    </p:spTree>
+  </p:cSld>
+  <p:clrMapOvr>
+    <a:masterClrMapping/>
+  </p:clrMapOvr>
+</p:sld>
+</file>
+
+<file path=ppt/slides/slide15.xml><?xml version="1.0" encoding="utf-8"?>
+<p:sld xmlns:a="http://schemas.openxmlformats.org/drawingml/2006/main" xmlns:r="http://schemas.openxmlformats.org/officeDocument/2006/relationships" xmlns:p="http://schemas.openxmlformats.org/presentationml/2006/main">
+  <p:cSld>
+    <p:spTree>
+      <p:nvGrpSpPr>
+        <p:cNvPr id="1" name=""/>
+        <p:cNvGrpSpPr/>
+        <p:nvPr/>
+      </p:nvGrpSpPr>
+      <p:grpSpPr>
+        <a:xfrm>
+          <a:off x="0" y="0"/>
+          <a:ext cx="0" cy="0"/>
+          <a:chOff x="0" y="0"/>
+          <a:chExt cx="0" cy="0"/>
+        </a:xfrm>
+      </p:grpSpPr>
+      <p:sp>
+        <p:nvSpPr>
+          <p:cNvPr id="165" name="TextShape 1"/>
+          <p:cNvSpPr txBox="1"/>
+          <p:nvPr/>
+        </p:nvSpPr>
+        <p:spPr>
+          <a:xfrm>
+            <a:off x="457200" y="2362320"/>
+            <a:ext cx="8229240" cy="1142640"/>
+          </a:xfrm>
+          <a:prstGeom prst="rect">
+            <a:avLst/>
+          </a:prstGeom>
+        </p:spPr>
+        <p:txBody>
+          <a:bodyPr anchor="ctr"/>
+          <a:lstStyle/>
+          <a:p>
+            <a:pPr>
+              <a:lnSpc>
+                <a:spcPct val="100000"/>
+              </a:lnSpc>
+            </a:pPr>
+            <a:r>
+              <a:rPr lang="en-US" sz="4800">
+                <a:solidFill>
+                  <a:srgbClr val="0076A3"/>
+                </a:solidFill>
+                <a:latin typeface="Yanone Kaffeesatz Bold"/>
+              </a:rPr>
+              <a:t>Any Questions?</a:t>
+            </a:r>
+            <a:endParaRPr/>
+          </a:p>
+        </p:txBody>
+      </p:sp>
+      <p:sp>
+        <p:nvSpPr>
+          <p:cNvPr id="166" name="TextShape 2"/>
+          <p:cNvSpPr txBox="1"/>
+          <p:nvPr/>
+        </p:nvSpPr>
+        <p:spPr>
+          <a:xfrm>
+            <a:off x="6553080" y="6356520"/>
+            <a:ext cx="2133360" cy="364680"/>
+          </a:xfrm>
+          <a:prstGeom prst="rect">
+            <a:avLst/>
+          </a:prstGeom>
+        </p:spPr>
+        <p:txBody>
+          <a:bodyPr anchor="ctr"/>
+          <a:lstStyle/>
+          <a:p>
+            <a:pPr>
+              <a:lnSpc>
+                <a:spcPct val="100000"/>
+              </a:lnSpc>
+            </a:pPr>
+            <a:fld id="{749BCD1A-1C7D-4702-80CB-9E15189B10C0}" type="slidenum">
+              <a:rPr lang="en-US" sz="1200">
+                <a:solidFill>
+                  <a:srgbClr val="FFFFFF"/>
+                </a:solidFill>
+                <a:latin typeface="Myriad Pro"/>
+              </a:rPr>
+              <a:pPr>
+                <a:lnSpc>
+                  <a:spcPct val="100000"/>
+                </a:lnSpc>
+              </a:pPr>
+              <a:t>15</a:t>
+            </a:fld>
+            <a:endParaRPr/>
+          </a:p>
+        </p:txBody>
+      </p:sp>
+      <p:sp>
+        <p:nvSpPr>
+          <p:cNvPr id="167" name="TextShape 3"/>
+          <p:cNvSpPr txBox="1"/>
+          <p:nvPr/>
+        </p:nvSpPr>
+        <p:spPr>
+          <a:xfrm>
+            <a:off x="2666880" y="6356520"/>
+            <a:ext cx="3809520" cy="364680"/>
+          </a:xfrm>
+          <a:prstGeom prst="rect">
+            <a:avLst/>
+          </a:prstGeom>
+        </p:spPr>
+        <p:txBody>
+          <a:bodyPr anchor="ctr"/>
+          <a:lstStyle/>
+          <a:p>
+            <a:pPr>
+              <a:lnSpc>
+                <a:spcPct val="100000"/>
+              </a:lnSpc>
+            </a:pPr>
+            <a:r>
+              <a:rPr lang="en-US" sz="1200">
+                <a:solidFill>
+                  <a:srgbClr val="FFFFFF"/>
+                </a:solidFill>
+                <a:latin typeface="Myriad Pro"/>
+              </a:rPr>
+              <a:t>NM+ - Zwischenpräsentation | RF, TG, SM</a:t>
+            </a:r>
+            <a:endParaRPr/>
+          </a:p>
+        </p:txBody>
+      </p:sp>
+      <p:sp>
+        <p:nvSpPr>
+          <p:cNvPr id="168" name="TextShape 4"/>
+          <p:cNvSpPr txBox="1"/>
+          <p:nvPr/>
+        </p:nvSpPr>
+        <p:spPr>
+          <a:xfrm>
+            <a:off x="457200" y="6356520"/>
+            <a:ext cx="2133360" cy="364680"/>
+          </a:xfrm>
+          <a:prstGeom prst="rect">
+            <a:avLst/>
+          </a:prstGeom>
+        </p:spPr>
+        <p:txBody>
+          <a:bodyPr anchor="ctr"/>
+          <a:lstStyle/>
+          <a:p>
+            <a:pPr>
+              <a:lnSpc>
+                <a:spcPct val="100000"/>
+              </a:lnSpc>
+            </a:pPr>
+            <a:r>
+              <a:rPr lang="en-US" sz="1200">
+                <a:solidFill>
+                  <a:srgbClr val="FFFFFF"/>
+                </a:solidFill>
+                <a:latin typeface="Myriad Pro"/>
+              </a:rPr>
+              <a:t>16. Juli 2014</a:t>
+            </a:r>
+            <a:endParaRPr/>
+          </a:p>
+        </p:txBody>
+      </p:sp>
+    </p:spTree>
+  </p:cSld>
+  <p:clrMapOvr>
+    <a:masterClrMapping/>
+  </p:clrMapOvr>
+  <p:timing>
+    <p:tnLst>
+      <p:par>
+        <p:cTn id="1" dur="indefinite" restart="never" nodeType="tmRoot">
+          <p:childTnLst>
+            <p:seq>
+              <p:cTn id="2" nodeType="mainSeq"/>
+              <p:prevCondLst>
+                <p:cond evt="onPrev" delay="0">
+                  <p:tgtEl>
+                    <p:sldTgt/>
+                  </p:tgtEl>
+                </p:cond>
+              </p:prevCondLst>
+              <p:nextCondLst>
+                <p:cond evt="onNext" delay="0">
+                  <p:tgtEl>
+                    <p:sldTgt/>
+                  </p:tgtEl>
+                </p:cond>
+              </p:nextCondLst>
+            </p:seq>
+          </p:childTnLst>
+        </p:cTn>
+      </p:par>
+    </p:tnLst>
+  </p:timing>
+</p:sld>
+</file>
+
+<file path=ppt/slides/slide16.xml><?xml version="1.0" encoding="utf-8"?>
+<p:sld xmlns:a="http://schemas.openxmlformats.org/drawingml/2006/main" xmlns:r="http://schemas.openxmlformats.org/officeDocument/2006/relationships" xmlns:p="http://schemas.openxmlformats.org/presentationml/2006/main" show="0">
+  <p:cSld>
+    <p:spTree>
+      <p:nvGrpSpPr>
+        <p:cNvPr id="1" name=""/>
+        <p:cNvGrpSpPr/>
+        <p:nvPr/>
+      </p:nvGrpSpPr>
+      <p:grpSpPr>
+        <a:xfrm>
+          <a:off x="0" y="0"/>
+          <a:ext cx="0" cy="0"/>
+          <a:chOff x="0" y="0"/>
+          <a:chExt cx="0" cy="0"/>
+        </a:xfrm>
+      </p:grpSpPr>
+      <p:sp>
+        <p:nvSpPr>
+          <p:cNvPr id="135" name="TextShape 1"/>
+          <p:cNvSpPr txBox="1"/>
+          <p:nvPr/>
+        </p:nvSpPr>
+        <p:spPr>
+          <a:xfrm>
+            <a:off x="457200" y="274680"/>
+            <a:ext cx="8229240" cy="1142640"/>
+          </a:xfrm>
+          <a:prstGeom prst="rect">
+            <a:avLst/>
+          </a:prstGeom>
+        </p:spPr>
+        <p:txBody>
+          <a:bodyPr anchor="ctr"/>
+          <a:lstStyle/>
+          <a:p>
+            <a:pPr algn="ctr">
+              <a:lnSpc>
+                <a:spcPct val="100000"/>
+              </a:lnSpc>
+            </a:pPr>
+            <a:r>
+              <a:rPr lang="en-US" sz="4400">
+                <a:solidFill>
+                  <a:srgbClr val="0076A3"/>
+                </a:solidFill>
+                <a:latin typeface="Yanone Kaffeesatz Bold"/>
+              </a:rPr>
+              <a:t>Idee</a:t>
+            </a:r>
+            <a:endParaRPr/>
+          </a:p>
+        </p:txBody>
+      </p:sp>
+      <p:sp>
+        <p:nvSpPr>
+          <p:cNvPr id="136" name="TextShape 2"/>
+          <p:cNvSpPr txBox="1"/>
+          <p:nvPr/>
+        </p:nvSpPr>
+        <p:spPr>
+          <a:xfrm>
+            <a:off x="457200" y="1600200"/>
+            <a:ext cx="8229240" cy="3885840"/>
+          </a:xfrm>
+          <a:prstGeom prst="rect">
+            <a:avLst/>
+          </a:prstGeom>
+        </p:spPr>
+        <p:txBody>
+          <a:bodyPr/>
+          <a:lstStyle/>
+          <a:p>
+            <a:pPr>
+              <a:lnSpc>
+                <a:spcPct val="100000"/>
+              </a:lnSpc>
+              <a:buFont typeface="Arial"/>
+              <a:buChar char="•"/>
+            </a:pPr>
+            <a:r>
+              <a:rPr lang="en-US" sz="3200" dirty="0" err="1">
+                <a:solidFill>
+                  <a:srgbClr val="000000"/>
+                </a:solidFill>
+                <a:latin typeface="Myriad Pro"/>
+              </a:rPr>
+              <a:t>Bei</a:t>
+            </a:r>
+            <a:r>
+              <a:rPr lang="en-US" sz="3200" dirty="0">
+                <a:solidFill>
+                  <a:srgbClr val="000000"/>
+                </a:solidFill>
+                <a:latin typeface="Myriad Pro"/>
+              </a:rPr>
+              <a:t> </a:t>
+            </a:r>
+            <a:r>
+              <a:rPr lang="en-US" sz="3200" dirty="0" err="1">
+                <a:solidFill>
+                  <a:srgbClr val="000000"/>
+                </a:solidFill>
+                <a:latin typeface="Myriad Pro"/>
+              </a:rPr>
+              <a:t>vielen</a:t>
+            </a:r>
+            <a:r>
+              <a:rPr lang="en-US" sz="3200" dirty="0">
+                <a:solidFill>
+                  <a:srgbClr val="000000"/>
+                </a:solidFill>
+                <a:latin typeface="Myriad Pro"/>
+              </a:rPr>
+              <a:t> </a:t>
+            </a:r>
+            <a:r>
+              <a:rPr lang="en-US" sz="3200" dirty="0" err="1">
+                <a:solidFill>
+                  <a:srgbClr val="000000"/>
+                </a:solidFill>
+                <a:latin typeface="Myriad Pro"/>
+              </a:rPr>
+              <a:t>aktuellen</a:t>
+            </a:r>
+            <a:r>
+              <a:rPr lang="en-US" sz="3200" dirty="0">
+                <a:solidFill>
+                  <a:srgbClr val="000000"/>
+                </a:solidFill>
+                <a:latin typeface="Myriad Pro"/>
+              </a:rPr>
+              <a:t> </a:t>
+            </a:r>
+            <a:r>
+              <a:rPr lang="en-US" sz="3200" dirty="0" err="1">
+                <a:solidFill>
+                  <a:srgbClr val="000000"/>
+                </a:solidFill>
+                <a:latin typeface="Myriad Pro"/>
+              </a:rPr>
+              <a:t>internationalen</a:t>
+            </a:r>
+            <a:r>
+              <a:rPr lang="en-US" sz="3200" dirty="0">
+                <a:solidFill>
+                  <a:srgbClr val="000000"/>
+                </a:solidFill>
+                <a:latin typeface="Myriad Pro"/>
+              </a:rPr>
+              <a:t> News </a:t>
+            </a:r>
+            <a:r>
+              <a:rPr lang="en-US" sz="3200" dirty="0" err="1">
+                <a:solidFill>
+                  <a:srgbClr val="000000"/>
+                </a:solidFill>
+                <a:latin typeface="Myriad Pro"/>
+              </a:rPr>
+              <a:t>fehlt</a:t>
+            </a:r>
+            <a:r>
+              <a:rPr lang="en-US" sz="3200" dirty="0">
+                <a:solidFill>
+                  <a:srgbClr val="000000"/>
+                </a:solidFill>
+                <a:latin typeface="Myriad Pro"/>
+              </a:rPr>
+              <a:t> </a:t>
+            </a:r>
+            <a:r>
+              <a:rPr lang="en-US" sz="3200" dirty="0" err="1">
+                <a:solidFill>
+                  <a:srgbClr val="000000"/>
+                </a:solidFill>
+                <a:latin typeface="Myriad Pro"/>
+              </a:rPr>
+              <a:t>dem</a:t>
+            </a:r>
+            <a:r>
+              <a:rPr lang="en-US" sz="3200" dirty="0">
+                <a:solidFill>
+                  <a:srgbClr val="000000"/>
+                </a:solidFill>
+                <a:latin typeface="Myriad Pro"/>
+              </a:rPr>
+              <a:t> </a:t>
+            </a:r>
+            <a:r>
+              <a:rPr lang="en-US" sz="3200" dirty="0" err="1">
+                <a:solidFill>
+                  <a:srgbClr val="000000"/>
+                </a:solidFill>
+                <a:latin typeface="Myriad Pro"/>
+              </a:rPr>
+              <a:t>Leser</a:t>
+            </a:r>
+            <a:r>
+              <a:rPr lang="en-US" sz="3200" dirty="0">
+                <a:solidFill>
+                  <a:srgbClr val="000000"/>
+                </a:solidFill>
+                <a:latin typeface="Myriad Pro"/>
+              </a:rPr>
+              <a:t> </a:t>
+            </a:r>
+            <a:r>
+              <a:rPr lang="en-US" sz="3200" dirty="0" err="1">
+                <a:solidFill>
+                  <a:srgbClr val="000000"/>
+                </a:solidFill>
+                <a:latin typeface="Myriad Pro"/>
+              </a:rPr>
+              <a:t>wichtiger</a:t>
+            </a:r>
+            <a:r>
+              <a:rPr lang="en-US" sz="3200" dirty="0">
+                <a:solidFill>
+                  <a:srgbClr val="000000"/>
+                </a:solidFill>
+                <a:latin typeface="Myriad Pro"/>
+              </a:rPr>
+              <a:t> </a:t>
+            </a:r>
+            <a:r>
+              <a:rPr lang="en-US" sz="3200" dirty="0" err="1">
+                <a:solidFill>
+                  <a:srgbClr val="000000"/>
+                </a:solidFill>
+                <a:latin typeface="Myriad Pro"/>
+              </a:rPr>
+              <a:t>Kontext</a:t>
+            </a:r>
+            <a:r>
+              <a:rPr lang="en-US" sz="3200" dirty="0">
+                <a:solidFill>
+                  <a:srgbClr val="000000"/>
+                </a:solidFill>
+                <a:latin typeface="Myriad Pro"/>
+              </a:rPr>
+              <a:t>. </a:t>
+            </a:r>
+            <a:endParaRPr dirty="0"/>
+          </a:p>
+          <a:p>
+            <a:pPr>
+              <a:lnSpc>
+                <a:spcPct val="100000"/>
+              </a:lnSpc>
+              <a:buFont typeface="Arial"/>
+              <a:buChar char="•"/>
+            </a:pPr>
+            <a:r>
+              <a:rPr lang="en-US" sz="3200" dirty="0" err="1">
+                <a:solidFill>
+                  <a:srgbClr val="000000"/>
+                </a:solidFill>
+                <a:latin typeface="Myriad Pro"/>
+              </a:rPr>
+              <a:t>Viele</a:t>
+            </a:r>
+            <a:r>
+              <a:rPr lang="en-US" sz="3200" dirty="0">
+                <a:solidFill>
+                  <a:srgbClr val="000000"/>
+                </a:solidFill>
+                <a:latin typeface="Myriad Pro"/>
+              </a:rPr>
+              <a:t> </a:t>
+            </a:r>
+            <a:r>
+              <a:rPr lang="en-US" sz="3200" dirty="0" err="1">
+                <a:solidFill>
+                  <a:srgbClr val="000000"/>
+                </a:solidFill>
+                <a:latin typeface="Myriad Pro"/>
+              </a:rPr>
+              <a:t>Redaktionen</a:t>
+            </a:r>
+            <a:r>
+              <a:rPr lang="en-US" sz="3200" dirty="0">
+                <a:solidFill>
+                  <a:srgbClr val="000000"/>
+                </a:solidFill>
+                <a:latin typeface="Myriad Pro"/>
+              </a:rPr>
+              <a:t> </a:t>
+            </a:r>
+            <a:r>
+              <a:rPr lang="en-US" sz="3200" dirty="0" err="1">
+                <a:solidFill>
+                  <a:srgbClr val="000000"/>
+                </a:solidFill>
+                <a:latin typeface="Myriad Pro"/>
+              </a:rPr>
+              <a:t>reagieren</a:t>
+            </a:r>
+            <a:r>
+              <a:rPr lang="en-US" sz="3200" dirty="0">
+                <a:solidFill>
+                  <a:srgbClr val="000000"/>
+                </a:solidFill>
+                <a:latin typeface="Myriad Pro"/>
+              </a:rPr>
+              <a:t> auf das </a:t>
+            </a:r>
+            <a:r>
+              <a:rPr lang="en-US" sz="3200" dirty="0" err="1">
+                <a:solidFill>
+                  <a:srgbClr val="000000"/>
+                </a:solidFill>
+                <a:latin typeface="Myriad Pro"/>
+              </a:rPr>
+              <a:t>fehlende</a:t>
+            </a:r>
+            <a:r>
+              <a:rPr lang="en-US" sz="3200" dirty="0">
+                <a:solidFill>
+                  <a:srgbClr val="000000"/>
+                </a:solidFill>
+                <a:latin typeface="Myriad Pro"/>
+              </a:rPr>
+              <a:t> </a:t>
+            </a:r>
+            <a:r>
+              <a:rPr lang="en-US" sz="3200" dirty="0" err="1">
+                <a:solidFill>
+                  <a:srgbClr val="000000"/>
+                </a:solidFill>
+                <a:latin typeface="Myriad Pro"/>
+              </a:rPr>
+              <a:t>Wissen</a:t>
+            </a:r>
+            <a:r>
+              <a:rPr lang="en-US" sz="3200" dirty="0">
+                <a:solidFill>
+                  <a:srgbClr val="000000"/>
+                </a:solidFill>
+                <a:latin typeface="Myriad Pro"/>
+              </a:rPr>
+              <a:t>, </a:t>
+            </a:r>
+            <a:r>
+              <a:rPr lang="en-US" sz="3200" dirty="0" err="1">
+                <a:solidFill>
+                  <a:srgbClr val="000000"/>
+                </a:solidFill>
+                <a:latin typeface="Myriad Pro"/>
+              </a:rPr>
+              <a:t>indem</a:t>
+            </a:r>
+            <a:r>
+              <a:rPr lang="en-US" sz="3200" dirty="0">
+                <a:solidFill>
+                  <a:srgbClr val="000000"/>
+                </a:solidFill>
+                <a:latin typeface="Myriad Pro"/>
+              </a:rPr>
+              <a:t> </a:t>
+            </a:r>
+            <a:r>
+              <a:rPr lang="en-US" sz="3200" dirty="0" err="1">
+                <a:solidFill>
+                  <a:srgbClr val="000000"/>
+                </a:solidFill>
+                <a:latin typeface="Myriad Pro"/>
+              </a:rPr>
+              <a:t>sie</a:t>
+            </a:r>
+            <a:r>
+              <a:rPr lang="en-US" sz="3200" dirty="0">
+                <a:solidFill>
+                  <a:srgbClr val="000000"/>
+                </a:solidFill>
+                <a:latin typeface="Myriad Pro"/>
+              </a:rPr>
+              <a:t> </a:t>
+            </a:r>
+            <a:r>
+              <a:rPr lang="en-US" sz="3200" dirty="0" err="1">
+                <a:solidFill>
+                  <a:srgbClr val="000000"/>
+                </a:solidFill>
+                <a:latin typeface="Myriad Pro"/>
+              </a:rPr>
+              <a:t>zusätzlich</a:t>
+            </a:r>
+            <a:r>
+              <a:rPr lang="en-US" sz="3200" dirty="0">
+                <a:solidFill>
+                  <a:srgbClr val="000000"/>
+                </a:solidFill>
+                <a:latin typeface="Myriad Pro"/>
+              </a:rPr>
+              <a:t> </a:t>
+            </a:r>
+            <a:r>
+              <a:rPr lang="en-US" sz="3200" dirty="0" err="1">
+                <a:solidFill>
+                  <a:srgbClr val="000000"/>
+                </a:solidFill>
+                <a:latin typeface="Myriad Pro"/>
+              </a:rPr>
+              <a:t>zu</a:t>
+            </a:r>
+            <a:r>
+              <a:rPr lang="en-US" sz="3200" dirty="0">
+                <a:solidFill>
+                  <a:srgbClr val="000000"/>
+                </a:solidFill>
+                <a:latin typeface="Myriad Pro"/>
+              </a:rPr>
+              <a:t> </a:t>
+            </a:r>
+            <a:r>
+              <a:rPr lang="en-US" sz="3200" dirty="0" err="1">
+                <a:solidFill>
+                  <a:srgbClr val="000000"/>
+                </a:solidFill>
+                <a:latin typeface="Myriad Pro"/>
+              </a:rPr>
+              <a:t>ihren</a:t>
+            </a:r>
+            <a:r>
+              <a:rPr lang="en-US" sz="3200" dirty="0">
+                <a:solidFill>
+                  <a:srgbClr val="000000"/>
+                </a:solidFill>
+                <a:latin typeface="Myriad Pro"/>
+              </a:rPr>
+              <a:t> </a:t>
+            </a:r>
+            <a:r>
+              <a:rPr lang="en-US" sz="3200" dirty="0" err="1">
+                <a:solidFill>
+                  <a:srgbClr val="000000"/>
+                </a:solidFill>
+                <a:latin typeface="Myriad Pro"/>
+              </a:rPr>
+              <a:t>aktuellen</a:t>
+            </a:r>
+            <a:r>
+              <a:rPr lang="en-US" sz="3200" dirty="0">
+                <a:solidFill>
+                  <a:srgbClr val="000000"/>
+                </a:solidFill>
+                <a:latin typeface="Myriad Pro"/>
+              </a:rPr>
+              <a:t> </a:t>
+            </a:r>
+            <a:r>
+              <a:rPr lang="en-US" sz="3200" dirty="0" err="1">
+                <a:solidFill>
+                  <a:srgbClr val="000000"/>
+                </a:solidFill>
+                <a:latin typeface="Myriad Pro"/>
+              </a:rPr>
+              <a:t>Meldungen</a:t>
+            </a:r>
+            <a:r>
+              <a:rPr lang="en-US" sz="3200" dirty="0">
+                <a:solidFill>
+                  <a:srgbClr val="000000"/>
+                </a:solidFill>
+                <a:latin typeface="Myriad Pro"/>
+              </a:rPr>
+              <a:t> </a:t>
+            </a:r>
+            <a:r>
+              <a:rPr lang="en-US" sz="3200" dirty="0" err="1">
+                <a:solidFill>
+                  <a:srgbClr val="000000"/>
+                </a:solidFill>
+                <a:latin typeface="Myriad Pro"/>
+              </a:rPr>
+              <a:t>Hintergrund</a:t>
+            </a:r>
+            <a:r>
+              <a:rPr lang="en-US" sz="3200" dirty="0">
+                <a:solidFill>
+                  <a:srgbClr val="000000"/>
+                </a:solidFill>
+                <a:latin typeface="Myriad Pro"/>
+              </a:rPr>
+              <a:t>- und </a:t>
+            </a:r>
+            <a:r>
+              <a:rPr lang="en-US" sz="3200" dirty="0" err="1">
+                <a:solidFill>
+                  <a:srgbClr val="000000"/>
+                </a:solidFill>
+                <a:latin typeface="Myriad Pro"/>
+              </a:rPr>
+              <a:t>Übersichtsartikel</a:t>
+            </a:r>
+            <a:r>
+              <a:rPr lang="en-US" sz="3200" dirty="0">
+                <a:solidFill>
+                  <a:srgbClr val="000000"/>
+                </a:solidFill>
+                <a:latin typeface="Myriad Pro"/>
+              </a:rPr>
+              <a:t> </a:t>
+            </a:r>
+            <a:r>
+              <a:rPr lang="en-US" sz="3200" dirty="0" err="1">
+                <a:solidFill>
+                  <a:srgbClr val="000000"/>
+                </a:solidFill>
+                <a:latin typeface="Myriad Pro"/>
+              </a:rPr>
+              <a:t>anbieten</a:t>
+            </a:r>
+            <a:r>
+              <a:rPr lang="en-US" sz="3200" dirty="0">
+                <a:solidFill>
+                  <a:srgbClr val="000000"/>
+                </a:solidFill>
+                <a:latin typeface="Myriad Pro"/>
+              </a:rPr>
+              <a:t>. </a:t>
+            </a:r>
+            <a:endParaRPr dirty="0"/>
+          </a:p>
+          <a:p>
+            <a:pPr>
+              <a:lnSpc>
+                <a:spcPct val="100000"/>
+              </a:lnSpc>
+              <a:buFont typeface="Arial"/>
+              <a:buChar char="•"/>
+            </a:pPr>
+            <a:r>
+              <a:rPr lang="en-US" sz="3200" dirty="0" err="1">
+                <a:solidFill>
+                  <a:srgbClr val="000000"/>
+                </a:solidFill>
+                <a:latin typeface="Myriad Pro"/>
+              </a:rPr>
+              <a:t>Onlineangebote</a:t>
+            </a:r>
+            <a:r>
+              <a:rPr lang="en-US" sz="3200" dirty="0">
+                <a:solidFill>
+                  <a:srgbClr val="000000"/>
+                </a:solidFill>
+                <a:latin typeface="Myriad Pro"/>
+              </a:rPr>
+              <a:t> </a:t>
+            </a:r>
+            <a:r>
+              <a:rPr lang="en-US" sz="3200" dirty="0" err="1">
+                <a:solidFill>
+                  <a:srgbClr val="000000"/>
+                </a:solidFill>
+                <a:latin typeface="Myriad Pro"/>
+              </a:rPr>
+              <a:t>wie</a:t>
+            </a:r>
+            <a:r>
+              <a:rPr lang="en-US" sz="3200" dirty="0">
+                <a:solidFill>
+                  <a:srgbClr val="000000"/>
+                </a:solidFill>
+                <a:latin typeface="Myriad Pro"/>
+              </a:rPr>
+              <a:t> die </a:t>
+            </a:r>
+            <a:r>
+              <a:rPr lang="en-US" sz="3200" dirty="0" err="1">
+                <a:solidFill>
+                  <a:srgbClr val="000000"/>
+                </a:solidFill>
+                <a:latin typeface="Myriad Pro"/>
+              </a:rPr>
+              <a:t>Tagesschau</a:t>
+            </a:r>
+            <a:r>
+              <a:rPr lang="en-US" sz="3200" dirty="0">
+                <a:solidFill>
+                  <a:srgbClr val="000000"/>
+                </a:solidFill>
+                <a:latin typeface="Myriad Pro"/>
+              </a:rPr>
+              <a:t>  </a:t>
+            </a:r>
+            <a:r>
+              <a:rPr lang="en-US" sz="3200" dirty="0" err="1">
+                <a:solidFill>
+                  <a:srgbClr val="000000"/>
+                </a:solidFill>
+                <a:latin typeface="Myriad Pro"/>
+              </a:rPr>
+              <a:t>oder</a:t>
+            </a:r>
+            <a:r>
+              <a:rPr lang="en-US" sz="3200" dirty="0">
+                <a:solidFill>
+                  <a:srgbClr val="000000"/>
+                </a:solidFill>
+                <a:latin typeface="Myriad Pro"/>
+              </a:rPr>
+              <a:t> The Guardian </a:t>
+            </a:r>
+            <a:r>
+              <a:rPr lang="en-US" sz="3200" dirty="0" err="1">
+                <a:solidFill>
+                  <a:srgbClr val="000000"/>
+                </a:solidFill>
+                <a:latin typeface="Myriad Pro"/>
+              </a:rPr>
+              <a:t>sind</a:t>
+            </a:r>
+            <a:r>
+              <a:rPr lang="en-US" sz="3200" dirty="0">
+                <a:solidFill>
+                  <a:srgbClr val="000000"/>
+                </a:solidFill>
+                <a:latin typeface="Myriad Pro"/>
+              </a:rPr>
+              <a:t> </a:t>
+            </a:r>
+            <a:r>
+              <a:rPr lang="en-US" sz="3200" dirty="0" err="1">
+                <a:solidFill>
+                  <a:srgbClr val="000000"/>
+                </a:solidFill>
+                <a:latin typeface="Myriad Pro"/>
+              </a:rPr>
+              <a:t>u.a</a:t>
+            </a:r>
+            <a:r>
+              <a:rPr lang="en-US" sz="3200" dirty="0">
+                <a:solidFill>
+                  <a:srgbClr val="000000"/>
+                </a:solidFill>
+                <a:latin typeface="Myriad Pro"/>
+              </a:rPr>
+              <a:t>. </a:t>
+            </a:r>
+            <a:r>
+              <a:rPr lang="en-US" sz="3200" dirty="0" err="1">
+                <a:solidFill>
+                  <a:srgbClr val="000000"/>
+                </a:solidFill>
+                <a:latin typeface="Myriad Pro"/>
+              </a:rPr>
+              <a:t>durch</a:t>
+            </a:r>
+            <a:r>
+              <a:rPr lang="en-US" sz="3200" dirty="0">
+                <a:solidFill>
+                  <a:srgbClr val="000000"/>
+                </a:solidFill>
+                <a:latin typeface="Myriad Pro"/>
+              </a:rPr>
+              <a:t> die von </a:t>
+            </a:r>
+            <a:r>
+              <a:rPr lang="en-US" sz="3200" dirty="0" err="1">
+                <a:solidFill>
+                  <a:srgbClr val="000000"/>
+                </a:solidFill>
+                <a:latin typeface="Myriad Pro"/>
+              </a:rPr>
+              <a:t>ihnen</a:t>
+            </a:r>
+            <a:r>
+              <a:rPr lang="en-US" sz="3200" dirty="0">
+                <a:solidFill>
+                  <a:srgbClr val="000000"/>
+                </a:solidFill>
+                <a:latin typeface="Myriad Pro"/>
+              </a:rPr>
+              <a:t> in Form von </a:t>
+            </a:r>
+            <a:r>
+              <a:rPr lang="en-US" sz="3200" dirty="0" err="1">
+                <a:solidFill>
+                  <a:srgbClr val="000000"/>
+                </a:solidFill>
+                <a:latin typeface="Myriad Pro"/>
+              </a:rPr>
+              <a:t>Mashups</a:t>
+            </a:r>
+            <a:r>
+              <a:rPr lang="en-US" sz="3200" dirty="0">
+                <a:solidFill>
+                  <a:srgbClr val="000000"/>
+                </a:solidFill>
+                <a:latin typeface="Myriad Pro"/>
+              </a:rPr>
+              <a:t> </a:t>
+            </a:r>
+            <a:r>
+              <a:rPr lang="en-US" sz="3200" dirty="0" err="1">
+                <a:solidFill>
+                  <a:srgbClr val="000000"/>
+                </a:solidFill>
+                <a:latin typeface="Myriad Pro"/>
+              </a:rPr>
+              <a:t>angebotenen</a:t>
+            </a:r>
+            <a:r>
+              <a:rPr lang="en-US" sz="3200" dirty="0">
+                <a:solidFill>
+                  <a:srgbClr val="000000"/>
+                </a:solidFill>
+                <a:latin typeface="Myriad Pro"/>
+              </a:rPr>
+              <a:t> </a:t>
+            </a:r>
+            <a:r>
+              <a:rPr lang="en-US" sz="3200" dirty="0" err="1">
+                <a:solidFill>
+                  <a:srgbClr val="000000"/>
+                </a:solidFill>
+                <a:latin typeface="Myriad Pro"/>
+              </a:rPr>
+              <a:t>Hintergrund</a:t>
+            </a:r>
+            <a:r>
+              <a:rPr lang="en-US" sz="3200" dirty="0">
+                <a:solidFill>
+                  <a:srgbClr val="000000"/>
+                </a:solidFill>
+                <a:latin typeface="Myriad Pro"/>
+              </a:rPr>
+              <a:t>- und </a:t>
+            </a:r>
+            <a:r>
+              <a:rPr lang="en-US" sz="3200" dirty="0" err="1">
+                <a:solidFill>
+                  <a:srgbClr val="000000"/>
+                </a:solidFill>
+                <a:latin typeface="Myriad Pro"/>
+              </a:rPr>
+              <a:t>Übersichtsartikel</a:t>
+            </a:r>
+            <a:r>
+              <a:rPr lang="en-US" sz="3200" dirty="0">
+                <a:solidFill>
+                  <a:srgbClr val="000000"/>
+                </a:solidFill>
+                <a:latin typeface="Myriad Pro"/>
+              </a:rPr>
+              <a:t> </a:t>
+            </a:r>
+            <a:r>
+              <a:rPr lang="en-US" sz="3200" dirty="0" err="1">
+                <a:solidFill>
+                  <a:srgbClr val="000000"/>
+                </a:solidFill>
+                <a:latin typeface="Myriad Pro"/>
+              </a:rPr>
+              <a:t>führend</a:t>
+            </a:r>
+            <a:r>
+              <a:rPr lang="en-US" sz="3200" dirty="0">
+                <a:solidFill>
+                  <a:srgbClr val="000000"/>
+                </a:solidFill>
+                <a:latin typeface="Myriad Pro"/>
+              </a:rPr>
+              <a:t> in </a:t>
+            </a:r>
+            <a:r>
+              <a:rPr lang="en-US" sz="3200" dirty="0" err="1">
+                <a:solidFill>
+                  <a:srgbClr val="000000"/>
+                </a:solidFill>
+                <a:latin typeface="Myriad Pro"/>
+              </a:rPr>
+              <a:t>diesem</a:t>
+            </a:r>
+            <a:r>
+              <a:rPr lang="en-US" sz="3200" dirty="0">
+                <a:solidFill>
+                  <a:srgbClr val="000000"/>
+                </a:solidFill>
+                <a:latin typeface="Myriad Pro"/>
+              </a:rPr>
+              <a:t> </a:t>
+            </a:r>
+            <a:r>
+              <a:rPr lang="en-US" sz="3200" dirty="0" err="1">
+                <a:solidFill>
+                  <a:srgbClr val="000000"/>
+                </a:solidFill>
+                <a:latin typeface="Myriad Pro"/>
+              </a:rPr>
+              <a:t>Bereich</a:t>
+            </a:r>
+            <a:r>
+              <a:rPr lang="en-US" sz="3200" dirty="0">
+                <a:solidFill>
+                  <a:srgbClr val="000000"/>
+                </a:solidFill>
+                <a:latin typeface="Myriad Pro"/>
+              </a:rPr>
+              <a:t>.</a:t>
+            </a:r>
+            <a:endParaRPr dirty="0"/>
+          </a:p>
+          <a:p>
+            <a:pPr>
+              <a:lnSpc>
+                <a:spcPct val="100000"/>
+              </a:lnSpc>
+            </a:pPr>
+            <a:endParaRPr dirty="0"/>
+          </a:p>
+          <a:p>
+            <a:pPr>
+              <a:lnSpc>
+                <a:spcPct val="100000"/>
+              </a:lnSpc>
+            </a:pPr>
+            <a:endParaRPr dirty="0"/>
+          </a:p>
+        </p:txBody>
+      </p:sp>
+      <p:sp>
+        <p:nvSpPr>
+          <p:cNvPr id="137" name="TextShape 3"/>
+          <p:cNvSpPr txBox="1"/>
+          <p:nvPr/>
+        </p:nvSpPr>
+        <p:spPr>
+          <a:xfrm>
+            <a:off x="457200" y="6356520"/>
+            <a:ext cx="2133360" cy="364680"/>
+          </a:xfrm>
+          <a:prstGeom prst="rect">
+            <a:avLst/>
+          </a:prstGeom>
+        </p:spPr>
+        <p:txBody>
+          <a:bodyPr anchor="ctr"/>
+          <a:lstStyle/>
+          <a:p>
+            <a:pPr>
+              <a:lnSpc>
+                <a:spcPct val="100000"/>
+              </a:lnSpc>
+            </a:pPr>
+            <a:r>
+              <a:rPr lang="en-US" sz="1200">
+                <a:solidFill>
+                  <a:srgbClr val="FFFFFF"/>
+                </a:solidFill>
+                <a:latin typeface="Myriad Pro"/>
+              </a:rPr>
+              <a:t>16. Juli 2014</a:t>
+            </a:r>
+            <a:endParaRPr/>
+          </a:p>
+        </p:txBody>
+      </p:sp>
+      <p:sp>
+        <p:nvSpPr>
+          <p:cNvPr id="138" name="TextShape 4"/>
+          <p:cNvSpPr txBox="1"/>
+          <p:nvPr/>
+        </p:nvSpPr>
+        <p:spPr>
+          <a:xfrm>
+            <a:off x="2743200" y="6356520"/>
+            <a:ext cx="3657240" cy="364680"/>
+          </a:xfrm>
+          <a:prstGeom prst="rect">
+            <a:avLst/>
+          </a:prstGeom>
+        </p:spPr>
+        <p:txBody>
+          <a:bodyPr anchor="ctr"/>
+          <a:lstStyle/>
+          <a:p>
+            <a:pPr algn="ctr">
+              <a:lnSpc>
+                <a:spcPct val="100000"/>
+              </a:lnSpc>
+            </a:pPr>
+            <a:r>
+              <a:rPr lang="en-US" sz="1200">
+                <a:solidFill>
+                  <a:srgbClr val="FFFFFF"/>
+                </a:solidFill>
+                <a:latin typeface="Myriad Pro"/>
+              </a:rPr>
+              <a:t>NM+ - Zwischenpräsentation | RF, TG, SM</a:t>
+            </a:r>
+            <a:endParaRPr/>
+          </a:p>
+        </p:txBody>
+      </p:sp>
+      <p:sp>
+        <p:nvSpPr>
+          <p:cNvPr id="139" name="TextShape 5"/>
+          <p:cNvSpPr txBox="1"/>
+          <p:nvPr/>
+        </p:nvSpPr>
+        <p:spPr>
+          <a:xfrm>
+            <a:off x="6553080" y="6356520"/>
+            <a:ext cx="2133360" cy="364680"/>
+          </a:xfrm>
+          <a:prstGeom prst="rect">
+            <a:avLst/>
+          </a:prstGeom>
+        </p:spPr>
+        <p:txBody>
+          <a:bodyPr anchor="ctr"/>
+          <a:lstStyle/>
+          <a:p>
+            <a:pPr algn="r">
+              <a:lnSpc>
+                <a:spcPct val="100000"/>
+              </a:lnSpc>
+            </a:pPr>
+            <a:fld id="{9D8092FC-ED84-43DC-AE98-94CD5598C090}" type="slidenum">
+              <a:rPr lang="en-US" sz="1200">
+                <a:solidFill>
+                  <a:srgbClr val="FFFFFF"/>
+                </a:solidFill>
+                <a:latin typeface="Myriad Pro"/>
+              </a:rPr>
+              <a:pPr algn="r">
+                <a:lnSpc>
+                  <a:spcPct val="100000"/>
+                </a:lnSpc>
+              </a:pPr>
+              <a:t>16</a:t>
+            </a:fld>
+            <a:endParaRPr/>
+          </a:p>
+        </p:txBody>
+      </p:sp>
+    </p:spTree>
+  </p:cSld>
+  <p:clrMapOvr>
+    <a:masterClrMapping/>
+  </p:clrMapOvr>
+  <p:transition/>
+  <p:timing>
+    <p:tnLst>
+      <p:par>
+        <p:cTn id="1" dur="indefinite" restart="never" nodeType="tmRoot">
+          <p:childTnLst>
+            <p:seq>
+              <p:cTn id="2" nodeType="mainSeq"/>
+              <p:prevCondLst>
+                <p:cond evt="onPrev" delay="0">
+                  <p:tgtEl>
+                    <p:sldTgt/>
+                  </p:tgtEl>
+                </p:cond>
+              </p:prevCondLst>
+              <p:nextCondLst>
+                <p:cond evt="onNext" delay="0">
+                  <p:tgtEl>
+                    <p:sldTgt/>
+                  </p:tgtEl>
+                </p:cond>
+              </p:nextCondLst>
+            </p:seq>
+          </p:childTnLst>
+        </p:cTn>
+      </p:par>
+    </p:tnLst>
+  </p:timing>
+</p:sld>
+</file>
+
+<file path=ppt/slides/slide17.xml><?xml version="1.0" encoding="utf-8"?>
+<p:sld xmlns:a="http://schemas.openxmlformats.org/drawingml/2006/main" xmlns:r="http://schemas.openxmlformats.org/officeDocument/2006/relationships" xmlns:p="http://schemas.openxmlformats.org/presentationml/2006/main" show="0">
+  <p:cSld>
+    <p:spTree>
+      <p:nvGrpSpPr>
+        <p:cNvPr id="1" name=""/>
+        <p:cNvGrpSpPr/>
+        <p:nvPr/>
+      </p:nvGrpSpPr>
+      <p:grpSpPr>
+        <a:xfrm>
+          <a:off x="0" y="0"/>
+          <a:ext cx="0" cy="0"/>
+          <a:chOff x="0" y="0"/>
+          <a:chExt cx="0" cy="0"/>
+        </a:xfrm>
+      </p:grpSpPr>
+      <p:sp>
+        <p:nvSpPr>
+          <p:cNvPr id="140" name="TextShape 1"/>
+          <p:cNvSpPr txBox="1"/>
+          <p:nvPr/>
+        </p:nvSpPr>
+        <p:spPr>
+          <a:xfrm>
+            <a:off x="457200" y="274680"/>
+            <a:ext cx="8229240" cy="1142640"/>
+          </a:xfrm>
+          <a:prstGeom prst="rect">
+            <a:avLst/>
+          </a:prstGeom>
+        </p:spPr>
+        <p:txBody>
+          <a:bodyPr anchor="ctr"/>
+          <a:lstStyle/>
+          <a:p>
+            <a:pPr algn="ctr">
+              <a:lnSpc>
+                <a:spcPct val="100000"/>
+              </a:lnSpc>
+            </a:pPr>
+            <a:r>
+              <a:rPr lang="en-US" sz="4400">
+                <a:solidFill>
+                  <a:srgbClr val="0076A3"/>
+                </a:solidFill>
+                <a:latin typeface="Yanone Kaffeesatz Bold"/>
+              </a:rPr>
+              <a:t>Unser Projekt</a:t>
+            </a:r>
+            <a:endParaRPr/>
+          </a:p>
+        </p:txBody>
+      </p:sp>
+      <p:sp>
+        <p:nvSpPr>
+          <p:cNvPr id="141" name="TextShape 2"/>
+          <p:cNvSpPr txBox="1"/>
+          <p:nvPr/>
+        </p:nvSpPr>
+        <p:spPr>
+          <a:xfrm>
+            <a:off x="457200" y="1600200"/>
+            <a:ext cx="8229240" cy="3885840"/>
+          </a:xfrm>
+          <a:prstGeom prst="rect">
+            <a:avLst/>
+          </a:prstGeom>
+        </p:spPr>
+        <p:txBody>
+          <a:bodyPr/>
+          <a:lstStyle/>
+          <a:p>
+            <a:pPr>
+              <a:lnSpc>
+                <a:spcPct val="100000"/>
+              </a:lnSpc>
+              <a:buFont typeface="Arial"/>
+              <a:buChar char="•"/>
+            </a:pPr>
+            <a:r>
+              <a:rPr lang="en-US" sz="3200">
+                <a:solidFill>
+                  <a:srgbClr val="000000"/>
+                </a:solidFill>
+                <a:latin typeface="Myriad Pro"/>
+              </a:rPr>
+              <a:t>NM+ zielt darauf ab, die wichtigsten Themen des Tages mit einem Dossier zu versehen.</a:t>
+            </a:r>
+            <a:endParaRPr/>
+          </a:p>
+          <a:p>
+            <a:pPr>
+              <a:lnSpc>
+                <a:spcPct val="100000"/>
+              </a:lnSpc>
+              <a:buFont typeface="Arial"/>
+              <a:buChar char="•"/>
+            </a:pPr>
+            <a:r>
+              <a:rPr lang="en-US" sz="3200">
+                <a:solidFill>
+                  <a:srgbClr val="000000"/>
+                </a:solidFill>
+                <a:latin typeface="Myriad Pro"/>
+              </a:rPr>
+              <a:t>Zielgruppe: Nutzer, die das aktuelle Weltgeschehen in Politik und Wirtschaft verfolgen und die sich neben aktuellen News auch für deren Hintergründe interessieren und Wert auf eine sachlich korrekte Berichterstattung legen. </a:t>
+            </a:r>
+            <a:endParaRPr/>
+          </a:p>
+          <a:p>
+            <a:pPr>
+              <a:lnSpc>
+                <a:spcPct val="100000"/>
+              </a:lnSpc>
+            </a:pPr>
+            <a:endParaRPr/>
+          </a:p>
+        </p:txBody>
+      </p:sp>
+      <p:sp>
+        <p:nvSpPr>
+          <p:cNvPr id="142" name="TextShape 3"/>
+          <p:cNvSpPr txBox="1"/>
+          <p:nvPr/>
+        </p:nvSpPr>
+        <p:spPr>
+          <a:xfrm>
+            <a:off x="457200" y="6356520"/>
+            <a:ext cx="2133360" cy="364680"/>
+          </a:xfrm>
+          <a:prstGeom prst="rect">
+            <a:avLst/>
+          </a:prstGeom>
+        </p:spPr>
+        <p:txBody>
+          <a:bodyPr anchor="ctr"/>
+          <a:lstStyle/>
+          <a:p>
+            <a:pPr>
+              <a:lnSpc>
+                <a:spcPct val="100000"/>
+              </a:lnSpc>
+            </a:pPr>
+            <a:r>
+              <a:rPr lang="en-US" sz="1200">
+                <a:solidFill>
+                  <a:srgbClr val="FFFFFF"/>
+                </a:solidFill>
+                <a:latin typeface="Myriad Pro"/>
+              </a:rPr>
+              <a:t>16. Juli 2014</a:t>
+            </a:r>
+            <a:endParaRPr/>
+          </a:p>
+        </p:txBody>
+      </p:sp>
+      <p:sp>
+        <p:nvSpPr>
+          <p:cNvPr id="143" name="TextShape 4"/>
+          <p:cNvSpPr txBox="1"/>
+          <p:nvPr/>
+        </p:nvSpPr>
+        <p:spPr>
+          <a:xfrm>
+            <a:off x="2743200" y="6356520"/>
+            <a:ext cx="3657240" cy="364680"/>
+          </a:xfrm>
+          <a:prstGeom prst="rect">
+            <a:avLst/>
+          </a:prstGeom>
+        </p:spPr>
+        <p:txBody>
+          <a:bodyPr anchor="ctr"/>
+          <a:lstStyle/>
+          <a:p>
+            <a:pPr algn="ctr">
+              <a:lnSpc>
+                <a:spcPct val="100000"/>
+              </a:lnSpc>
+            </a:pPr>
+            <a:r>
+              <a:rPr lang="en-US" sz="1200">
+                <a:solidFill>
+                  <a:srgbClr val="FFFFFF"/>
+                </a:solidFill>
+                <a:latin typeface="Myriad Pro"/>
+              </a:rPr>
+              <a:t>NM+ - Zwischenpräsentation | RF, TG, SM</a:t>
+            </a:r>
+            <a:endParaRPr/>
+          </a:p>
+        </p:txBody>
+      </p:sp>
+      <p:sp>
+        <p:nvSpPr>
+          <p:cNvPr id="144" name="TextShape 5"/>
+          <p:cNvSpPr txBox="1"/>
+          <p:nvPr/>
+        </p:nvSpPr>
+        <p:spPr>
+          <a:xfrm>
+            <a:off x="6553080" y="6356520"/>
+            <a:ext cx="2133360" cy="364680"/>
+          </a:xfrm>
+          <a:prstGeom prst="rect">
+            <a:avLst/>
+          </a:prstGeom>
+        </p:spPr>
+        <p:txBody>
+          <a:bodyPr anchor="ctr"/>
+          <a:lstStyle/>
+          <a:p>
+            <a:pPr algn="r">
+              <a:lnSpc>
+                <a:spcPct val="100000"/>
+              </a:lnSpc>
+            </a:pPr>
+            <a:fld id="{B2C3385D-9818-4969-949B-C3D947C302E6}" type="slidenum">
+              <a:rPr lang="en-US" sz="1200">
+                <a:solidFill>
+                  <a:srgbClr val="FFFFFF"/>
+                </a:solidFill>
+                <a:latin typeface="Myriad Pro"/>
+              </a:rPr>
+              <a:pPr algn="r">
+                <a:lnSpc>
+                  <a:spcPct val="100000"/>
+                </a:lnSpc>
+              </a:pPr>
+              <a:t>17</a:t>
+            </a:fld>
+            <a:endParaRPr/>
+          </a:p>
+        </p:txBody>
+      </p:sp>
+    </p:spTree>
+  </p:cSld>
+  <p:clrMapOvr>
+    <a:masterClrMapping/>
+  </p:clrMapOvr>
+  <p:transition/>
+  <p:timing>
+    <p:tnLst>
+      <p:par>
+        <p:cTn id="1" dur="indefinite" restart="never" nodeType="tmRoot">
+          <p:childTnLst>
+            <p:seq>
+              <p:cTn id="2" nodeType="mainSeq"/>
+              <p:prevCondLst>
+                <p:cond evt="onPrev" delay="0">
+                  <p:tgtEl>
+                    <p:sldTgt/>
+                  </p:tgtEl>
+                </p:cond>
+              </p:prevCondLst>
+              <p:nextCondLst>
+                <p:cond evt="onNext" delay="0">
                   <p:tgtEl>
                     <p:sldTgt/>
                   </p:tgtEl>
@@ -6197,7 +8603,7 @@
 </file>
 
 <file path=ppt/slides/slide2.xml><?xml version="1.0" encoding="utf-8"?>
-<p:sld xmlns:a="http://schemas.openxmlformats.org/drawingml/2006/main" xmlns:p="http://schemas.openxmlformats.org/presentationml/2006/main" xmlns:r="http://schemas.openxmlformats.org/officeDocument/2006/relationships">
+<p:sld xmlns:a="http://schemas.openxmlformats.org/drawingml/2006/main" xmlns:r="http://schemas.openxmlformats.org/officeDocument/2006/relationships" xmlns:p="http://schemas.openxmlformats.org/presentationml/2006/main">
   <p:cSld>
     <p:spTree>
       <p:nvGrpSpPr>
@@ -6230,6 +8636,7 @@
         </p:spPr>
         <p:txBody>
           <a:bodyPr anchor="ctr"/>
+          <a:lstStyle/>
           <a:p>
             <a:pPr algn="ctr">
               <a:lnSpc>
@@ -6237,15 +8644,60 @@
               </a:lnSpc>
             </a:pPr>
             <a:r>
-              <a:rPr lang="en-US" sz="4400">
-                <a:solidFill>
-                  <a:srgbClr val="0076a3"/>
+              <a:rPr lang="en-US" sz="4400" dirty="0" smtClean="0">
+                <a:solidFill>
+                  <a:srgbClr val="0076A3"/>
                 </a:solidFill>
                 <a:latin typeface="Yanone Kaffeesatz Bold"/>
               </a:rPr>
-              <a:t>Schwierigkeiten in der Ukraine</a:t>
-            </a:r>
-            <a:endParaRPr/>
+              <a:t>Example story </a:t>
+            </a:r>
+            <a:r>
+              <a:rPr lang="en-US" sz="4400" dirty="0" err="1" smtClean="0">
+                <a:solidFill>
+                  <a:srgbClr val="0076A3"/>
+                </a:solidFill>
+                <a:latin typeface="Yanone Kaffeesatz Bold"/>
+              </a:rPr>
+              <a:t>Schwierigkeiten</a:t>
+            </a:r>
+            <a:r>
+              <a:rPr lang="en-US" sz="4400" dirty="0" smtClean="0">
+                <a:solidFill>
+                  <a:srgbClr val="0076A3"/>
+                </a:solidFill>
+                <a:latin typeface="Yanone Kaffeesatz Bold"/>
+              </a:rPr>
+              <a:t> </a:t>
+            </a:r>
+            <a:r>
+              <a:rPr lang="en-US" sz="4400" dirty="0">
+                <a:solidFill>
+                  <a:srgbClr val="0076A3"/>
+                </a:solidFill>
+                <a:latin typeface="Yanone Kaffeesatz Bold"/>
+              </a:rPr>
+              <a:t>in </a:t>
+            </a:r>
+            <a:r>
+              <a:rPr lang="en-US" sz="4400" dirty="0" err="1">
+                <a:solidFill>
+                  <a:srgbClr val="0076A3"/>
+                </a:solidFill>
+                <a:latin typeface="Yanone Kaffeesatz Bold"/>
+              </a:rPr>
+              <a:t>der</a:t>
+            </a:r>
+            <a:r>
+              <a:rPr lang="en-US" sz="4400" dirty="0">
+                <a:solidFill>
+                  <a:srgbClr val="0076A3"/>
+                </a:solidFill>
+                <a:latin typeface="Yanone Kaffeesatz Bold"/>
+              </a:rPr>
+              <a:t> Ukraine</a:t>
+            </a:r>
+            <a:endParaRPr dirty="0"/>
           </a:p>
         </p:txBody>
       </p:sp>
@@ -6266,6 +8718,7 @@
         </p:spPr>
         <p:txBody>
           <a:bodyPr anchor="ctr"/>
+          <a:lstStyle/>
           <a:p>
             <a:pPr>
               <a:lnSpc>
@@ -6275,7 +8728,7 @@
             <a:r>
               <a:rPr lang="en-US" sz="1200">
                 <a:solidFill>
-                  <a:srgbClr val="ffffff"/>
+                  <a:srgbClr val="FFFFFF"/>
                 </a:solidFill>
                 <a:latin typeface="Myriad Pro"/>
               </a:rPr>
@@ -6302,6 +8755,7 @@
         </p:spPr>
         <p:txBody>
           <a:bodyPr anchor="ctr"/>
+          <a:lstStyle/>
           <a:p>
             <a:pPr algn="ctr">
               <a:lnSpc>
@@ -6311,7 +8765,7 @@
             <a:r>
               <a:rPr lang="en-US" sz="1200">
                 <a:solidFill>
-                  <a:srgbClr val="ffffff"/>
+                  <a:srgbClr val="FFFFFF"/>
                 </a:solidFill>
                 <a:latin typeface="Myriad Pro"/>
               </a:rPr>
@@ -6338,6 +8792,7 @@
         </p:spPr>
         <p:txBody>
           <a:bodyPr anchor="ctr"/>
+          <a:lstStyle/>
           <a:p>
             <a:pPr algn="r">
               <a:lnSpc>
@@ -6347,11 +8802,16 @@
             <a:fld id="{3A1DC2EA-263C-414F-80E4-F761B2B8AE48}" type="slidenum">
               <a:rPr lang="en-US" sz="1200">
                 <a:solidFill>
-                  <a:srgbClr val="ffffff"/>
-                </a:solidFill>
-                <a:latin typeface="Myriad Pro"/>
-              </a:rPr>
-              <a:t>&lt;number&gt;</a:t>
+                  <a:srgbClr val="FFFFFF"/>
+                </a:solidFill>
+                <a:latin typeface="Myriad Pro"/>
+              </a:rPr>
+              <a:pPr algn="r">
+                <a:lnSpc>
+                  <a:spcPct val="100000"/>
+                </a:lnSpc>
+              </a:pPr>
+              <a:t>2</a:t>
             </a:fld>
             <a:endParaRPr/>
           </a:p>
@@ -6359,12 +8819,12 @@
       </p:sp>
       <p:pic>
         <p:nvPicPr>
-          <p:cNvPr id="133" name="Grafik 7" descr=""/>
+          <p:cNvPr id="133" name="Grafik 7"/>
           <p:cNvPicPr/>
           <p:nvPr/>
         </p:nvPicPr>
         <p:blipFill>
-          <a:blip r:embed="rId1"/>
+          <a:blip r:embed="rId3" cstate="print"/>
           <a:stretch>
             <a:fillRect/>
           </a:stretch>
@@ -6402,7 +8862,8 @@
           </a:ln>
         </p:spPr>
         <p:txBody>
-          <a:bodyPr lIns="90000" rIns="90000" tIns="45000" bIns="45000"/>
+          <a:bodyPr lIns="90000" tIns="45000" rIns="90000" bIns="45000"/>
+          <a:lstStyle/>
           <a:p>
             <a:pPr>
               <a:lnSpc>
@@ -6410,15 +8871,26 @@
               </a:lnSpc>
             </a:pPr>
             <a:r>
-              <a:rPr b="1" lang="en-US" sz="2400">
-                <a:solidFill>
-                  <a:srgbClr val="000000"/>
-                </a:solidFill>
-                <a:latin typeface="NexusSansPro"/>
-              </a:rPr>
-              <a:t>Wer?</a:t>
-            </a:r>
-            <a:endParaRPr/>
+              <a:rPr lang="en-US" sz="2400" b="1" dirty="0" err="1">
+                <a:solidFill>
+                  <a:srgbClr val="000000"/>
+                </a:solidFill>
+                <a:latin typeface="Myriad Pro" pitchFamily="34" charset="0"/>
+              </a:rPr>
+              <a:t>Wer</a:t>
+            </a:r>
+            <a:r>
+              <a:rPr lang="en-US" sz="2400" b="1" dirty="0">
+                <a:solidFill>
+                  <a:srgbClr val="000000"/>
+                </a:solidFill>
+                <a:latin typeface="Myriad Pro" pitchFamily="34" charset="0"/>
+              </a:rPr>
+              <a:t>?</a:t>
+            </a:r>
+            <a:endParaRPr dirty="0">
+              <a:latin typeface="Myriad Pro" pitchFamily="34" charset="0"/>
+            </a:endParaRPr>
           </a:p>
           <a:p>
             <a:pPr>
@@ -6427,15 +8899,35 @@
               </a:lnSpc>
             </a:pPr>
             <a:r>
-              <a:rPr lang="en-US" sz="2400">
-                <a:solidFill>
-                  <a:srgbClr val="000000"/>
-                </a:solidFill>
-                <a:latin typeface="NexusSansPro"/>
-              </a:rPr>
-              <a:t>Arsenij Jazenjuk</a:t>
-            </a:r>
-            <a:endParaRPr/>
+              <a:rPr lang="en-US" sz="2400" dirty="0" err="1">
+                <a:solidFill>
+                  <a:srgbClr val="000000"/>
+                </a:solidFill>
+                <a:latin typeface="Myriad Pro" pitchFamily="34" charset="0"/>
+              </a:rPr>
+              <a:t>Arsenij</a:t>
+            </a:r>
+            <a:r>
+              <a:rPr lang="en-US" sz="2400" dirty="0">
+                <a:solidFill>
+                  <a:srgbClr val="000000"/>
+                </a:solidFill>
+                <a:latin typeface="Myriad Pro" pitchFamily="34" charset="0"/>
+              </a:rPr>
+              <a:t> </a:t>
+            </a:r>
+            <a:r>
+              <a:rPr lang="en-US" sz="2400" dirty="0" err="1">
+                <a:solidFill>
+                  <a:srgbClr val="000000"/>
+                </a:solidFill>
+                <a:latin typeface="Myriad Pro" pitchFamily="34" charset="0"/>
+              </a:rPr>
+              <a:t>Jazenjuk</a:t>
+            </a:r>
+            <a:endParaRPr dirty="0">
+              <a:latin typeface="Myriad Pro" pitchFamily="34" charset="0"/>
+            </a:endParaRPr>
           </a:p>
           <a:p>
             <a:pPr>
@@ -6444,53 +8936,55 @@
               </a:lnSpc>
             </a:pPr>
             <a:r>
-              <a:rPr lang="en-US" sz="2400">
-                <a:solidFill>
-                  <a:srgbClr val="000000"/>
-                </a:solidFill>
-                <a:latin typeface="NexusSansPro"/>
-              </a:rPr>
-              <a:t>und Olexandr </a:t>
-            </a:r>
-            <a:r>
-              <a:rPr lang="en-US" sz="2400">
-                <a:solidFill>
-                  <a:srgbClr val="000000"/>
-                </a:solidFill>
-                <a:latin typeface="NexusSansPro"/>
+              <a:rPr lang="en-US" sz="2400" dirty="0">
+                <a:solidFill>
+                  <a:srgbClr val="000000"/>
+                </a:solidFill>
+                <a:latin typeface="Myriad Pro" pitchFamily="34" charset="0"/>
+              </a:rPr>
+              <a:t>und </a:t>
+            </a:r>
+            <a:r>
+              <a:rPr lang="en-US" sz="2400" dirty="0" err="1">
+                <a:solidFill>
+                  <a:srgbClr val="000000"/>
+                </a:solidFill>
+                <a:latin typeface="Myriad Pro" pitchFamily="34" charset="0"/>
+              </a:rPr>
+              <a:t>Olexandr</a:t>
+            </a:r>
+            <a:r>
+              <a:rPr lang="en-US" sz="2400" dirty="0">
+                <a:solidFill>
+                  <a:srgbClr val="000000"/>
+                </a:solidFill>
+                <a:latin typeface="Myriad Pro" pitchFamily="34" charset="0"/>
+              </a:rPr>
+              <a:t> 
+</a:t>
+            </a:r>
+            <a:r>
+              <a:rPr lang="en-US" sz="2400" dirty="0" err="1">
+                <a:solidFill>
+                  <a:srgbClr val="000000"/>
+                </a:solidFill>
+                <a:latin typeface="Myriad Pro" pitchFamily="34" charset="0"/>
+              </a:rPr>
+              <a:t>Turtschynow</a:t>
+            </a:r>
+            <a:r>
+              <a:rPr lang="en-US" sz="2400" dirty="0">
+                <a:solidFill>
+                  <a:srgbClr val="000000"/>
+                </a:solidFill>
+                <a:latin typeface="Myriad Pro" pitchFamily="34" charset="0"/>
               </a:rPr>
               <a:t>
-</a:t>
-            </a:r>
-            <a:r>
-              <a:rPr lang="en-US" sz="2400">
-                <a:solidFill>
-                  <a:srgbClr val="000000"/>
-                </a:solidFill>
-                <a:latin typeface="NexusSansPro"/>
-              </a:rPr>
-              <a:t>Turtschynow</a:t>
-            </a:r>
-            <a:r>
-              <a:rPr lang="en-US" sz="2400">
-                <a:solidFill>
-                  <a:srgbClr val="000000"/>
-                </a:solidFill>
-                <a:latin typeface="NexusSansPro"/>
-              </a:rPr>
-              <a:t>
-</a:t>
-            </a:r>
-            <a:r>
-              <a:rPr lang="en-US" sz="2400">
-                <a:solidFill>
-                  <a:srgbClr val="000000"/>
-                </a:solidFill>
-                <a:latin typeface="NexusSansPro"/>
-              </a:rPr>
-              <a:t> </a:t>
-            </a:r>
-            <a:endParaRPr/>
+ </a:t>
+            </a:r>
+            <a:endParaRPr dirty="0">
+              <a:latin typeface="Myriad Pro" pitchFamily="34" charset="0"/>
+            </a:endParaRPr>
           </a:p>
           <a:p>
             <a:pPr>
@@ -6499,15 +8993,26 @@
               </a:lnSpc>
             </a:pPr>
             <a:r>
-              <a:rPr b="1" lang="en-US" sz="2400">
-                <a:solidFill>
-                  <a:srgbClr val="000000"/>
-                </a:solidFill>
-                <a:latin typeface="NexusSansPro"/>
-              </a:rPr>
-              <a:t>Wann?</a:t>
-            </a:r>
-            <a:endParaRPr/>
+              <a:rPr lang="en-US" sz="2400" b="1" dirty="0" err="1">
+                <a:solidFill>
+                  <a:srgbClr val="000000"/>
+                </a:solidFill>
+                <a:latin typeface="Myriad Pro" pitchFamily="34" charset="0"/>
+              </a:rPr>
+              <a:t>Wann</a:t>
+            </a:r>
+            <a:r>
+              <a:rPr lang="en-US" sz="2400" b="1" dirty="0">
+                <a:solidFill>
+                  <a:srgbClr val="000000"/>
+                </a:solidFill>
+                <a:latin typeface="Myriad Pro" pitchFamily="34" charset="0"/>
+              </a:rPr>
+              <a:t>?</a:t>
+            </a:r>
+            <a:endParaRPr dirty="0">
+              <a:latin typeface="Myriad Pro" pitchFamily="34" charset="0"/>
+            </a:endParaRPr>
           </a:p>
           <a:p>
             <a:pPr>
@@ -6516,34 +9021,36 @@
               </a:lnSpc>
             </a:pPr>
             <a:r>
-              <a:rPr lang="en-US" sz="2400">
-                <a:solidFill>
-                  <a:srgbClr val="000000"/>
-                </a:solidFill>
-                <a:latin typeface="NexusSansPro"/>
-              </a:rPr>
-              <a:t> </a:t>
-            </a:r>
-            <a:r>
-              <a:rPr lang="en-US" sz="2400">
-                <a:solidFill>
-                  <a:srgbClr val="000000"/>
-                </a:solidFill>
-                <a:latin typeface="NexusSansPro"/>
-              </a:rPr>
-              <a:t>1. Quartal 2014</a:t>
-            </a:r>
-            <a:r>
-              <a:rPr lang="en-US" sz="2400">
-                <a:solidFill>
-                  <a:srgbClr val="000000"/>
-                </a:solidFill>
-                <a:latin typeface="NexusSansPro"/>
-              </a:rPr>
-              <a:t>
+              <a:rPr lang="en-US" sz="2400" dirty="0">
+                <a:solidFill>
+                  <a:srgbClr val="000000"/>
+                </a:solidFill>
+                <a:latin typeface="Myriad Pro" pitchFamily="34" charset="0"/>
+              </a:rPr>
+              <a:t> 1. </a:t>
+            </a:r>
+            <a:r>
+              <a:rPr lang="en-US" sz="2400" dirty="0" err="1">
+                <a:solidFill>
+                  <a:srgbClr val="000000"/>
+                </a:solidFill>
+                <a:latin typeface="Myriad Pro" pitchFamily="34" charset="0"/>
+              </a:rPr>
+              <a:t>Quartal</a:t>
+            </a:r>
+            <a:r>
+              <a:rPr lang="en-US" sz="2400" dirty="0">
+                <a:solidFill>
+                  <a:srgbClr val="000000"/>
+                </a:solidFill>
+                <a:latin typeface="Myriad Pro" pitchFamily="34" charset="0"/>
+              </a:rPr>
+              <a:t> 2014
 </a:t>
             </a:r>
-            <a:endParaRPr/>
+            <a:endParaRPr dirty="0">
+              <a:latin typeface="Myriad Pro" pitchFamily="34" charset="0"/>
+            </a:endParaRPr>
           </a:p>
           <a:p>
             <a:pPr>
@@ -6552,24 +9059,35 @@
               </a:lnSpc>
             </a:pPr>
             <a:r>
-              <a:rPr b="1" lang="en-US" sz="2400">
-                <a:solidFill>
-                  <a:srgbClr val="000000"/>
-                </a:solidFill>
-                <a:latin typeface="NexusSansPro"/>
-              </a:rPr>
-              <a:t>Wo?</a:t>
-            </a:r>
-            <a:r>
-              <a:rPr lang="en-US" sz="2400">
-                <a:solidFill>
-                  <a:srgbClr val="000000"/>
-                </a:solidFill>
-                <a:latin typeface="NexusSansPro"/>
+              <a:rPr lang="en-US" sz="2400" b="1" dirty="0" err="1">
+                <a:solidFill>
+                  <a:srgbClr val="000000"/>
+                </a:solidFill>
+                <a:latin typeface="Myriad Pro" pitchFamily="34" charset="0"/>
+              </a:rPr>
+              <a:t>Wo</a:t>
+            </a:r>
+            <a:r>
+              <a:rPr lang="en-US" sz="2400" b="1" dirty="0">
+                <a:solidFill>
+                  <a:srgbClr val="000000"/>
+                </a:solidFill>
+                <a:latin typeface="Myriad Pro" pitchFamily="34" charset="0"/>
+              </a:rPr>
+              <a:t>?</a:t>
+            </a:r>
+            <a:r>
+              <a:rPr lang="en-US" sz="2400" dirty="0">
+                <a:solidFill>
+                  <a:srgbClr val="000000"/>
+                </a:solidFill>
+                <a:latin typeface="Myriad Pro" pitchFamily="34" charset="0"/>
               </a:rPr>
               <a:t> </a:t>
             </a:r>
-            <a:endParaRPr/>
+            <a:endParaRPr dirty="0">
+              <a:latin typeface="Myriad Pro" pitchFamily="34" charset="0"/>
+            </a:endParaRPr>
           </a:p>
           <a:p>
             <a:pPr>
@@ -6578,36 +9096,41 @@
               </a:lnSpc>
             </a:pPr>
             <a:r>
-              <a:rPr lang="en-US" sz="2400">
-                <a:solidFill>
-                  <a:srgbClr val="000000"/>
-                </a:solidFill>
-                <a:latin typeface="NexusSansPro"/>
+              <a:rPr lang="en-US" sz="2400" dirty="0">
+                <a:solidFill>
+                  <a:srgbClr val="000000"/>
+                </a:solidFill>
+                <a:latin typeface="Myriad Pro" pitchFamily="34" charset="0"/>
               </a:rPr>
               <a:t>Ukraine</a:t>
             </a:r>
-            <a:endParaRPr/>
+            <a:endParaRPr dirty="0">
+              <a:latin typeface="Myriad Pro" pitchFamily="34" charset="0"/>
+            </a:endParaRPr>
           </a:p>
         </p:txBody>
       </p:sp>
     </p:spTree>
   </p:cSld>
+  <p:clrMapOvr>
+    <a:masterClrMapping/>
+  </p:clrMapOvr>
   <p:timing>
     <p:tnLst>
       <p:par>
-        <p:cTn id="3" dur="indefinite" restart="never" nodeType="tmRoot">
+        <p:cTn id="1" dur="indefinite" restart="never" nodeType="tmRoot">
           <p:childTnLst>
             <p:seq>
-              <p:cTn id="4" nodeType="mainSeq"/>
+              <p:cTn id="2" nodeType="mainSeq"/>
               <p:prevCondLst>
-                <p:cond delay="0" evt="onPrev">
+                <p:cond evt="onPrev" delay="0">
                   <p:tgtEl>
                     <p:sldTgt/>
                   </p:tgtEl>
                 </p:cond>
               </p:prevCondLst>
               <p:nextCondLst>
-                <p:cond delay="0" evt="onNext">
+                <p:cond evt="onNext" delay="0">
                   <p:tgtEl>
                     <p:sldTgt/>
                   </p:tgtEl>
@@ -6623,7 +9146,7 @@
 </file>
 
 <file path=ppt/slides/slide3.xml><?xml version="1.0" encoding="utf-8"?>
-<p:sld xmlns:a="http://schemas.openxmlformats.org/drawingml/2006/main" xmlns:p="http://schemas.openxmlformats.org/presentationml/2006/main" xmlns:r="http://schemas.openxmlformats.org/officeDocument/2006/relationships" show="0">
+<p:sld xmlns:a="http://schemas.openxmlformats.org/drawingml/2006/main" xmlns:r="http://schemas.openxmlformats.org/officeDocument/2006/relationships" xmlns:p="http://schemas.openxmlformats.org/presentationml/2006/main">
   <p:cSld>
     <p:spTree>
       <p:nvGrpSpPr>
@@ -6641,274 +9164,56 @@
       </p:grpSpPr>
       <p:sp>
         <p:nvSpPr>
-          <p:cNvPr id="135" name="TextShape 1"/>
-          <p:cNvSpPr txBox="1"/>
-          <p:nvPr/>
-        </p:nvSpPr>
-        <p:spPr>
-          <a:xfrm>
-            <a:off x="457200" y="274680"/>
-            <a:ext cx="8229240" cy="1142640"/>
-          </a:xfrm>
-          <a:prstGeom prst="rect">
-            <a:avLst/>
-          </a:prstGeom>
-        </p:spPr>
-        <p:txBody>
-          <a:bodyPr anchor="ctr"/>
-          <a:p>
-            <a:pPr algn="ctr">
-              <a:lnSpc>
-                <a:spcPct val="100000"/>
-              </a:lnSpc>
-            </a:pPr>
-            <a:r>
-              <a:rPr lang="en-US" sz="4400">
-                <a:solidFill>
-                  <a:srgbClr val="0076a3"/>
-                </a:solidFill>
-                <a:latin typeface="Yanone Kaffeesatz Bold"/>
-              </a:rPr>
-              <a:t>Idee</a:t>
-            </a:r>
-            <a:endParaRPr/>
-          </a:p>
-        </p:txBody>
-      </p:sp>
-      <p:sp>
-        <p:nvSpPr>
-          <p:cNvPr id="136" name="TextShape 2"/>
-          <p:cNvSpPr txBox="1"/>
-          <p:nvPr/>
-        </p:nvSpPr>
-        <p:spPr>
-          <a:xfrm>
-            <a:off x="457200" y="1600200"/>
-            <a:ext cx="8229240" cy="3885840"/>
-          </a:xfrm>
-          <a:prstGeom prst="rect">
-            <a:avLst/>
-          </a:prstGeom>
-        </p:spPr>
+          <p:cNvPr id="2" name="Titel 1"/>
+          <p:cNvSpPr>
+            <a:spLocks noGrp="1"/>
+          </p:cNvSpPr>
+          <p:nvPr>
+            <p:ph type="title"/>
+          </p:nvPr>
+        </p:nvSpPr>
+        <p:spPr/>
         <p:txBody>
           <a:bodyPr/>
-          <a:p>
-            <a:pPr>
-              <a:lnSpc>
-                <a:spcPct val="100000"/>
-              </a:lnSpc>
-              <a:buFont typeface="Arial"/>
-              <a:buChar char="•"/>
-            </a:pPr>
-            <a:r>
-              <a:rPr lang="en-US" sz="3200">
-                <a:solidFill>
-                  <a:srgbClr val="000000"/>
-                </a:solidFill>
-                <a:latin typeface="Myriad Pro"/>
-              </a:rPr>
-              <a:t>Bei vielen aktuellen internationalen News fehlt dem Leser wichtiger Kontext. </a:t>
-            </a:r>
-            <a:endParaRPr/>
-          </a:p>
-          <a:p>
-            <a:pPr>
-              <a:lnSpc>
-                <a:spcPct val="100000"/>
-              </a:lnSpc>
-              <a:buFont typeface="Arial"/>
-              <a:buChar char="•"/>
-            </a:pPr>
-            <a:r>
-              <a:rPr lang="en-US" sz="3200">
-                <a:solidFill>
-                  <a:srgbClr val="000000"/>
-                </a:solidFill>
-                <a:latin typeface="Myriad Pro"/>
-              </a:rPr>
-              <a:t>Viele Redaktionen reagieren auf das fehlende Wissen, indem sie zusätzlich zu ihren aktuellen Meldungen Hintergrund- und Übersichtsartikel anbieten. </a:t>
-            </a:r>
-            <a:endParaRPr/>
-          </a:p>
-          <a:p>
-            <a:pPr>
-              <a:lnSpc>
-                <a:spcPct val="100000"/>
-              </a:lnSpc>
-              <a:buFont typeface="Arial"/>
-              <a:buChar char="•"/>
-            </a:pPr>
-            <a:r>
-              <a:rPr lang="en-US" sz="3200">
-                <a:solidFill>
-                  <a:srgbClr val="000000"/>
-                </a:solidFill>
-                <a:latin typeface="Myriad Pro"/>
-              </a:rPr>
-              <a:t>Onlineangebote wie die Tagesschau  oder The Guardian sind u.a. durch die von ihnen in Form von Mashups angebotenen Hintergrund- und Übersichtsartikel führend in diesem Bereich.</a:t>
-            </a:r>
-            <a:endParaRPr/>
-          </a:p>
-          <a:p>
-            <a:pPr>
-              <a:lnSpc>
-                <a:spcPct val="100000"/>
-              </a:lnSpc>
-            </a:pPr>
-            <a:endParaRPr/>
-          </a:p>
-          <a:p>
-            <a:pPr>
-              <a:lnSpc>
-                <a:spcPct val="100000"/>
-              </a:lnSpc>
-            </a:pPr>
-            <a:endParaRPr/>
-          </a:p>
-        </p:txBody>
-      </p:sp>
-      <p:sp>
-        <p:nvSpPr>
-          <p:cNvPr id="137" name="TextShape 3"/>
-          <p:cNvSpPr txBox="1"/>
-          <p:nvPr/>
-        </p:nvSpPr>
-        <p:spPr>
-          <a:xfrm>
-            <a:off x="457200" y="6356520"/>
-            <a:ext cx="2133360" cy="364680"/>
-          </a:xfrm>
-          <a:prstGeom prst="rect">
-            <a:avLst/>
-          </a:prstGeom>
-        </p:spPr>
-        <p:txBody>
-          <a:bodyPr anchor="ctr"/>
-          <a:p>
-            <a:pPr>
-              <a:lnSpc>
-                <a:spcPct val="100000"/>
-              </a:lnSpc>
-            </a:pPr>
-            <a:r>
-              <a:rPr lang="en-US" sz="1200">
-                <a:solidFill>
-                  <a:srgbClr val="ffffff"/>
-                </a:solidFill>
-                <a:latin typeface="Myriad Pro"/>
-              </a:rPr>
-              <a:t>16. Juli 2014</a:t>
-            </a:r>
-            <a:endParaRPr/>
-          </a:p>
-        </p:txBody>
-      </p:sp>
-      <p:sp>
-        <p:nvSpPr>
-          <p:cNvPr id="138" name="TextShape 4"/>
-          <p:cNvSpPr txBox="1"/>
-          <p:nvPr/>
-        </p:nvSpPr>
-        <p:spPr>
-          <a:xfrm>
-            <a:off x="2743200" y="6356520"/>
-            <a:ext cx="3657240" cy="364680"/>
-          </a:xfrm>
-          <a:prstGeom prst="rect">
-            <a:avLst/>
-          </a:prstGeom>
-        </p:spPr>
-        <p:txBody>
-          <a:bodyPr anchor="ctr"/>
-          <a:p>
-            <a:pPr algn="ctr">
-              <a:lnSpc>
-                <a:spcPct val="100000"/>
-              </a:lnSpc>
-            </a:pPr>
-            <a:r>
-              <a:rPr lang="en-US" sz="1200">
-                <a:solidFill>
-                  <a:srgbClr val="ffffff"/>
-                </a:solidFill>
-                <a:latin typeface="Myriad Pro"/>
-              </a:rPr>
-              <a:t>NM+ - Zwischenpräsentation | RF, TG, SM</a:t>
-            </a:r>
-            <a:endParaRPr/>
-          </a:p>
-        </p:txBody>
-      </p:sp>
-      <p:sp>
-        <p:nvSpPr>
-          <p:cNvPr id="139" name="TextShape 5"/>
-          <p:cNvSpPr txBox="1"/>
-          <p:nvPr/>
-        </p:nvSpPr>
-        <p:spPr>
-          <a:xfrm>
-            <a:off x="6553080" y="6356520"/>
-            <a:ext cx="2133360" cy="364680"/>
-          </a:xfrm>
-          <a:prstGeom prst="rect">
-            <a:avLst/>
-          </a:prstGeom>
-        </p:spPr>
-        <p:txBody>
-          <a:bodyPr anchor="ctr"/>
-          <a:p>
-            <a:pPr algn="r">
-              <a:lnSpc>
-                <a:spcPct val="100000"/>
-              </a:lnSpc>
-            </a:pPr>
-            <a:fld id="{9D8092FC-ED84-43DC-AE98-94CD5598C090}" type="slidenum">
-              <a:rPr lang="en-US" sz="1200">
-                <a:solidFill>
-                  <a:srgbClr val="ffffff"/>
-                </a:solidFill>
-                <a:latin typeface="Myriad Pro"/>
-              </a:rPr>
-              <a:t>&lt;number&gt;</a:t>
-            </a:fld>
-            <a:endParaRPr/>
+          <a:lstStyle/>
+          <a:p>
+            <a:r>
+              <a:rPr lang="en-US" dirty="0" smtClean="0"/>
+              <a:t>News sources</a:t>
+            </a:r>
+            <a:endParaRPr lang="en-US" dirty="0"/>
+          </a:p>
+        </p:txBody>
+      </p:sp>
+      <p:sp>
+        <p:nvSpPr>
+          <p:cNvPr id="3" name="Untertitel 2"/>
+          <p:cNvSpPr>
+            <a:spLocks noGrp="1"/>
+          </p:cNvSpPr>
+          <p:nvPr>
+            <p:ph type="subTitle"/>
+          </p:nvPr>
+        </p:nvSpPr>
+        <p:spPr/>
+        <p:txBody>
+          <a:bodyPr/>
+          <a:lstStyle/>
+          <a:p>
+            <a:endParaRPr lang="en-US"/>
           </a:p>
         </p:txBody>
       </p:sp>
     </p:spTree>
   </p:cSld>
-  <p:timing>
-    <p:tnLst>
-      <p:par>
-        <p:cTn id="5" dur="indefinite" restart="never" nodeType="tmRoot">
-          <p:childTnLst>
-            <p:seq>
-              <p:cTn id="6" nodeType="mainSeq"/>
-              <p:prevCondLst>
-                <p:cond delay="0" evt="onPrev">
-                  <p:tgtEl>
-                    <p:sldTgt/>
-                  </p:tgtEl>
-                </p:cond>
-              </p:prevCondLst>
-              <p:nextCondLst>
-                <p:cond delay="0" evt="onNext">
-                  <p:tgtEl>
-                    <p:sldTgt/>
-                  </p:tgtEl>
-                </p:cond>
-              </p:nextCondLst>
-            </p:seq>
-          </p:childTnLst>
-        </p:cTn>
-      </p:par>
-    </p:tnLst>
-  </p:timing>
+  <p:clrMapOvr>
+    <a:masterClrMapping/>
+  </p:clrMapOvr>
 </p:sld>
 </file>
 
 <file path=ppt/slides/slide4.xml><?xml version="1.0" encoding="utf-8"?>
-<p:sld xmlns:a="http://schemas.openxmlformats.org/drawingml/2006/main" xmlns:p="http://schemas.openxmlformats.org/presentationml/2006/main" xmlns:r="http://schemas.openxmlformats.org/officeDocument/2006/relationships" show="0">
+<p:sld xmlns:a="http://schemas.openxmlformats.org/drawingml/2006/main" xmlns:r="http://schemas.openxmlformats.org/officeDocument/2006/relationships" xmlns:p="http://schemas.openxmlformats.org/presentationml/2006/main">
   <p:cSld>
     <p:spTree>
       <p:nvGrpSpPr>
@@ -6926,247 +9231,84 @@
       </p:grpSpPr>
       <p:sp>
         <p:nvSpPr>
-          <p:cNvPr id="140" name="TextShape 1"/>
-          <p:cNvSpPr txBox="1"/>
-          <p:nvPr/>
-        </p:nvSpPr>
-        <p:spPr>
-          <a:xfrm>
-            <a:off x="457200" y="274680"/>
-            <a:ext cx="8229240" cy="1142640"/>
-          </a:xfrm>
-          <a:prstGeom prst="rect">
-            <a:avLst/>
-          </a:prstGeom>
-        </p:spPr>
-        <p:txBody>
-          <a:bodyPr anchor="ctr"/>
-          <a:p>
-            <a:pPr algn="ctr">
-              <a:lnSpc>
-                <a:spcPct val="100000"/>
-              </a:lnSpc>
-            </a:pPr>
-            <a:r>
-              <a:rPr lang="en-US" sz="4400">
-                <a:solidFill>
-                  <a:srgbClr val="0076a3"/>
-                </a:solidFill>
-                <a:latin typeface="Yanone Kaffeesatz Bold"/>
-              </a:rPr>
-              <a:t>Unser Projekt</a:t>
-            </a:r>
-            <a:endParaRPr/>
-          </a:p>
-        </p:txBody>
-      </p:sp>
-      <p:sp>
-        <p:nvSpPr>
-          <p:cNvPr id="141" name="TextShape 2"/>
-          <p:cNvSpPr txBox="1"/>
-          <p:nvPr/>
-        </p:nvSpPr>
-        <p:spPr>
-          <a:xfrm>
-            <a:off x="457200" y="1600200"/>
-            <a:ext cx="8229240" cy="3885840"/>
-          </a:xfrm>
-          <a:prstGeom prst="rect">
-            <a:avLst/>
-          </a:prstGeom>
-        </p:spPr>
+          <p:cNvPr id="2" name="Titel 1"/>
+          <p:cNvSpPr>
+            <a:spLocks noGrp="1"/>
+          </p:cNvSpPr>
+          <p:nvPr>
+            <p:ph type="title"/>
+          </p:nvPr>
+        </p:nvSpPr>
+        <p:spPr/>
         <p:txBody>
           <a:bodyPr/>
-          <a:p>
-            <a:pPr>
-              <a:lnSpc>
-                <a:spcPct val="100000"/>
-              </a:lnSpc>
-              <a:buFont typeface="Arial"/>
-              <a:buChar char="•"/>
-            </a:pPr>
-            <a:r>
-              <a:rPr lang="en-US" sz="3200">
-                <a:solidFill>
-                  <a:srgbClr val="000000"/>
-                </a:solidFill>
-                <a:latin typeface="Myriad Pro"/>
-              </a:rPr>
-              <a:t>NM+ zielt darauf ab, die wichtigsten Themen des Tages mit einem Dossier zu versehen.</a:t>
-            </a:r>
-            <a:endParaRPr/>
-          </a:p>
-          <a:p>
-            <a:pPr>
-              <a:lnSpc>
-                <a:spcPct val="100000"/>
-              </a:lnSpc>
-              <a:buFont typeface="Arial"/>
-              <a:buChar char="•"/>
-            </a:pPr>
-            <a:r>
-              <a:rPr lang="en-US" sz="3200">
-                <a:solidFill>
-                  <a:srgbClr val="000000"/>
-                </a:solidFill>
-                <a:latin typeface="Myriad Pro"/>
-              </a:rPr>
-              <a:t>Zielgruppe: Nutzer, die das aktuelle Weltgeschehen in Politik und Wirtschaft verfolgen und die sich neben aktuellen News auch für deren Hintergründe interessieren und Wert auf eine sachlich korrekte Berichterstattung legen. </a:t>
-            </a:r>
-            <a:endParaRPr/>
-          </a:p>
-          <a:p>
-            <a:pPr>
-              <a:lnSpc>
-                <a:spcPct val="100000"/>
-              </a:lnSpc>
-            </a:pPr>
-            <a:endParaRPr/>
-          </a:p>
-        </p:txBody>
-      </p:sp>
-      <p:sp>
-        <p:nvSpPr>
-          <p:cNvPr id="142" name="TextShape 3"/>
-          <p:cNvSpPr txBox="1"/>
-          <p:nvPr/>
-        </p:nvSpPr>
-        <p:spPr>
-          <a:xfrm>
-            <a:off x="457200" y="6356520"/>
-            <a:ext cx="2133360" cy="364680"/>
-          </a:xfrm>
-          <a:prstGeom prst="rect">
-            <a:avLst/>
-          </a:prstGeom>
-        </p:spPr>
-        <p:txBody>
-          <a:bodyPr anchor="ctr"/>
-          <a:p>
-            <a:pPr>
-              <a:lnSpc>
-                <a:spcPct val="100000"/>
-              </a:lnSpc>
-            </a:pPr>
-            <a:r>
-              <a:rPr lang="en-US" sz="1200">
-                <a:solidFill>
-                  <a:srgbClr val="ffffff"/>
-                </a:solidFill>
-                <a:latin typeface="Myriad Pro"/>
-              </a:rPr>
-              <a:t>16. Juli 2014</a:t>
-            </a:r>
-            <a:endParaRPr/>
-          </a:p>
-        </p:txBody>
-      </p:sp>
-      <p:sp>
-        <p:nvSpPr>
-          <p:cNvPr id="143" name="TextShape 4"/>
-          <p:cNvSpPr txBox="1"/>
-          <p:nvPr/>
-        </p:nvSpPr>
-        <p:spPr>
-          <a:xfrm>
-            <a:off x="2743200" y="6356520"/>
-            <a:ext cx="3657240" cy="364680"/>
-          </a:xfrm>
-          <a:prstGeom prst="rect">
-            <a:avLst/>
-          </a:prstGeom>
-        </p:spPr>
-        <p:txBody>
-          <a:bodyPr anchor="ctr"/>
-          <a:p>
-            <a:pPr algn="ctr">
-              <a:lnSpc>
-                <a:spcPct val="100000"/>
-              </a:lnSpc>
-            </a:pPr>
-            <a:r>
-              <a:rPr lang="en-US" sz="1200">
-                <a:solidFill>
-                  <a:srgbClr val="ffffff"/>
-                </a:solidFill>
-                <a:latin typeface="Myriad Pro"/>
-              </a:rPr>
-              <a:t>NM+ - Zwischenpräsentation | RF, TG, SM</a:t>
-            </a:r>
-            <a:endParaRPr/>
-          </a:p>
-        </p:txBody>
-      </p:sp>
-      <p:sp>
-        <p:nvSpPr>
-          <p:cNvPr id="144" name="TextShape 5"/>
-          <p:cNvSpPr txBox="1"/>
-          <p:nvPr/>
-        </p:nvSpPr>
-        <p:spPr>
-          <a:xfrm>
-            <a:off x="6553080" y="6356520"/>
-            <a:ext cx="2133360" cy="364680"/>
-          </a:xfrm>
-          <a:prstGeom prst="rect">
-            <a:avLst/>
-          </a:prstGeom>
-        </p:spPr>
-        <p:txBody>
-          <a:bodyPr anchor="ctr"/>
-          <a:p>
-            <a:pPr algn="r">
-              <a:lnSpc>
-                <a:spcPct val="100000"/>
-              </a:lnSpc>
-            </a:pPr>
-            <a:fld id="{B2C3385D-9818-4969-949B-C3D947C302E6}" type="slidenum">
-              <a:rPr lang="en-US" sz="1200">
-                <a:solidFill>
-                  <a:srgbClr val="ffffff"/>
-                </a:solidFill>
-                <a:latin typeface="Myriad Pro"/>
-              </a:rPr>
-              <a:t>&lt;number&gt;</a:t>
-            </a:fld>
-            <a:endParaRPr/>
+          <a:lstStyle/>
+          <a:p>
+            <a:r>
+              <a:rPr lang="en-US" dirty="0" err="1" smtClean="0"/>
+              <a:t>Newssource</a:t>
+            </a:r>
+            <a:r>
+              <a:rPr lang="en-US" dirty="0" smtClean="0"/>
+              <a:t> </a:t>
+            </a:r>
+            <a:r>
+              <a:rPr lang="en-US" dirty="0" err="1" smtClean="0"/>
+              <a:t>mit</a:t>
+            </a:r>
+            <a:r>
+              <a:rPr lang="en-US" dirty="0" smtClean="0"/>
+              <a:t> </a:t>
+            </a:r>
+            <a:r>
+              <a:rPr lang="en-US" dirty="0" err="1" smtClean="0"/>
+              <a:t>artikeltitel</a:t>
+            </a:r>
+            <a:r>
+              <a:rPr lang="en-US" dirty="0" smtClean="0"/>
+              <a:t> </a:t>
+            </a:r>
+            <a:r>
+              <a:rPr lang="en-US" dirty="0" err="1" smtClean="0"/>
+              <a:t>zu</a:t>
+            </a:r>
+            <a:r>
+              <a:rPr lang="en-US" dirty="0" smtClean="0"/>
+              <a:t> example</a:t>
+            </a:r>
+            <a:endParaRPr lang="en-US" dirty="0"/>
+          </a:p>
+        </p:txBody>
+      </p:sp>
+      <p:sp>
+        <p:nvSpPr>
+          <p:cNvPr id="3" name="Textplatzhalter 2"/>
+          <p:cNvSpPr>
+            <a:spLocks noGrp="1"/>
+          </p:cNvSpPr>
+          <p:nvPr>
+            <p:ph type="body"/>
+          </p:nvPr>
+        </p:nvSpPr>
+        <p:spPr/>
+        <p:txBody>
+          <a:bodyPr/>
+          <a:lstStyle/>
+          <a:p>
+            <a:endParaRPr lang="en-US"/>
           </a:p>
         </p:txBody>
       </p:sp>
     </p:spTree>
   </p:cSld>
-  <p:timing>
-    <p:tnLst>
-      <p:par>
-        <p:cTn id="7" dur="indefinite" restart="never" nodeType="tmRoot">
-          <p:childTnLst>
-            <p:seq>
-              <p:cTn id="8" nodeType="mainSeq"/>
-              <p:prevCondLst>
-                <p:cond delay="0" evt="onPrev">
-                  <p:tgtEl>
-                    <p:sldTgt/>
-                  </p:tgtEl>
-                </p:cond>
-              </p:prevCondLst>
-              <p:nextCondLst>
-                <p:cond delay="0" evt="onNext">
-                  <p:tgtEl>
-                    <p:sldTgt/>
-                  </p:tgtEl>
-                </p:cond>
-              </p:nextCondLst>
-            </p:seq>
-          </p:childTnLst>
-        </p:cTn>
-      </p:par>
-    </p:tnLst>
-  </p:timing>
+  <p:clrMapOvr>
+    <a:masterClrMapping/>
+  </p:clrMapOvr>
 </p:sld>
 </file>
 
 <file path=ppt/slides/slide5.xml><?xml version="1.0" encoding="utf-8"?>
-<p:sld xmlns:a="http://schemas.openxmlformats.org/drawingml/2006/main" xmlns:p="http://schemas.openxmlformats.org/presentationml/2006/main" xmlns:r="http://schemas.openxmlformats.org/officeDocument/2006/relationships">
+<p:sld xmlns:a="http://schemas.openxmlformats.org/drawingml/2006/main" xmlns:r="http://schemas.openxmlformats.org/officeDocument/2006/relationships" xmlns:p="http://schemas.openxmlformats.org/presentationml/2006/main">
   <p:cSld>
     <p:spTree>
       <p:nvGrpSpPr>
@@ -7184,182 +9326,76 @@
       </p:grpSpPr>
       <p:sp>
         <p:nvSpPr>
-          <p:cNvPr id="145" name="TextShape 1"/>
-          <p:cNvSpPr txBox="1"/>
-          <p:nvPr/>
-        </p:nvSpPr>
-        <p:spPr>
-          <a:xfrm>
-            <a:off x="457200" y="2362320"/>
-            <a:ext cx="8229240" cy="1142640"/>
-          </a:xfrm>
-          <a:prstGeom prst="rect">
-            <a:avLst/>
-          </a:prstGeom>
-        </p:spPr>
-        <p:txBody>
-          <a:bodyPr anchor="ctr"/>
-          <a:p>
-            <a:pPr>
-              <a:lnSpc>
-                <a:spcPct val="100000"/>
-              </a:lnSpc>
-            </a:pPr>
-            <a:r>
-              <a:rPr lang="en-US" sz="4800">
-                <a:solidFill>
-                  <a:srgbClr val="0076a3"/>
-                </a:solidFill>
-                <a:latin typeface="Yanone Kaffeesatz Bold"/>
-              </a:rPr>
-              <a:t>Prototyp</a:t>
-            </a:r>
-            <a:endParaRPr/>
-          </a:p>
-        </p:txBody>
-      </p:sp>
-      <p:sp>
-        <p:nvSpPr>
-          <p:cNvPr id="146" name="TextShape 2"/>
-          <p:cNvSpPr txBox="1"/>
-          <p:nvPr/>
-        </p:nvSpPr>
-        <p:spPr>
-          <a:xfrm>
-            <a:off x="457200" y="6356520"/>
-            <a:ext cx="2133360" cy="364680"/>
-          </a:xfrm>
-          <a:prstGeom prst="rect">
-            <a:avLst/>
-          </a:prstGeom>
-        </p:spPr>
-        <p:txBody>
-          <a:bodyPr anchor="ctr"/>
-          <a:p>
-            <a:pPr>
-              <a:lnSpc>
-                <a:spcPct val="100000"/>
-              </a:lnSpc>
-            </a:pPr>
-            <a:r>
-              <a:rPr lang="en-US" sz="1200">
-                <a:solidFill>
-                  <a:srgbClr val="ffffff"/>
-                </a:solidFill>
-                <a:latin typeface="Myriad Pro"/>
-              </a:rPr>
-              <a:t>16. Juli 2014</a:t>
-            </a:r>
-            <a:endParaRPr/>
-          </a:p>
-        </p:txBody>
-      </p:sp>
-      <p:sp>
-        <p:nvSpPr>
-          <p:cNvPr id="147" name="TextShape 3"/>
-          <p:cNvSpPr txBox="1"/>
-          <p:nvPr/>
-        </p:nvSpPr>
-        <p:spPr>
-          <a:xfrm>
-            <a:off x="2666880" y="6356520"/>
-            <a:ext cx="3809520" cy="364680"/>
-          </a:xfrm>
-          <a:prstGeom prst="rect">
-            <a:avLst/>
-          </a:prstGeom>
-        </p:spPr>
-        <p:txBody>
-          <a:bodyPr anchor="ctr"/>
-          <a:p>
-            <a:pPr>
-              <a:lnSpc>
-                <a:spcPct val="100000"/>
-              </a:lnSpc>
-            </a:pPr>
-            <a:r>
-              <a:rPr lang="en-US" sz="1200">
-                <a:solidFill>
-                  <a:srgbClr val="ffffff"/>
-                </a:solidFill>
-                <a:latin typeface="Myriad Pro"/>
-              </a:rPr>
-              <a:t>NM+ - Zwischenpräsentation | RF, TG, SM</a:t>
-            </a:r>
-            <a:endParaRPr/>
-          </a:p>
-        </p:txBody>
-      </p:sp>
-      <p:sp>
-        <p:nvSpPr>
-          <p:cNvPr id="148" name="TextShape 4"/>
-          <p:cNvSpPr txBox="1"/>
-          <p:nvPr/>
-        </p:nvSpPr>
-        <p:spPr>
-          <a:xfrm>
-            <a:off x="6553080" y="6356520"/>
-            <a:ext cx="2133360" cy="364680"/>
-          </a:xfrm>
-          <a:prstGeom prst="rect">
-            <a:avLst/>
-          </a:prstGeom>
-        </p:spPr>
-        <p:txBody>
-          <a:bodyPr anchor="ctr"/>
-          <a:p>
-            <a:pPr>
-              <a:lnSpc>
-                <a:spcPct val="100000"/>
-              </a:lnSpc>
-            </a:pPr>
-            <a:fld id="{8F6A994C-2A66-4E3E-86B3-3987EECE1426}" type="slidenum">
-              <a:rPr lang="en-US" sz="1200">
-                <a:solidFill>
-                  <a:srgbClr val="ffffff"/>
-                </a:solidFill>
-                <a:latin typeface="Myriad Pro"/>
-              </a:rPr>
-              <a:t>&lt;number&gt;</a:t>
-            </a:fld>
-            <a:endParaRPr/>
+          <p:cNvPr id="2" name="Titel 1"/>
+          <p:cNvSpPr>
+            <a:spLocks noGrp="1"/>
+          </p:cNvSpPr>
+          <p:nvPr>
+            <p:ph type="title"/>
+          </p:nvPr>
+        </p:nvSpPr>
+        <p:spPr/>
+        <p:txBody>
+          <a:bodyPr/>
+          <a:lstStyle/>
+          <a:p>
+            <a:r>
+              <a:rPr lang="en-US" dirty="0" err="1" smtClean="0"/>
+              <a:t>Mashup</a:t>
+            </a:r>
+            <a:r>
+              <a:rPr lang="en-US" dirty="0" smtClean="0"/>
+              <a:t>, </a:t>
+            </a:r>
+            <a:r>
+              <a:rPr lang="en-US" dirty="0" err="1" smtClean="0"/>
+              <a:t>artikel</a:t>
+            </a:r>
+            <a:r>
+              <a:rPr lang="en-US" dirty="0" smtClean="0"/>
+              <a:t>, </a:t>
+            </a:r>
+            <a:r>
+              <a:rPr lang="en-US" dirty="0" err="1" smtClean="0"/>
+              <a:t>Bilder</a:t>
+            </a:r>
+            <a:r>
+              <a:rPr lang="en-US" dirty="0" smtClean="0"/>
+              <a:t>, maps example story</a:t>
+            </a:r>
+            <a:endParaRPr lang="en-US" dirty="0"/>
+          </a:p>
+        </p:txBody>
+      </p:sp>
+      <p:sp>
+        <p:nvSpPr>
+          <p:cNvPr id="3" name="Textplatzhalter 2"/>
+          <p:cNvSpPr>
+            <a:spLocks noGrp="1"/>
+          </p:cNvSpPr>
+          <p:nvPr>
+            <p:ph type="body"/>
+          </p:nvPr>
+        </p:nvSpPr>
+        <p:spPr/>
+        <p:txBody>
+          <a:bodyPr/>
+          <a:lstStyle/>
+          <a:p>
+            <a:endParaRPr lang="en-US"/>
           </a:p>
         </p:txBody>
       </p:sp>
     </p:spTree>
   </p:cSld>
-  <p:timing>
-    <p:tnLst>
-      <p:par>
-        <p:cTn id="9" dur="indefinite" restart="never" nodeType="tmRoot">
-          <p:childTnLst>
-            <p:seq>
-              <p:cTn id="10" nodeType="mainSeq"/>
-              <p:prevCondLst>
-                <p:cond delay="0" evt="onPrev">
-                  <p:tgtEl>
-                    <p:sldTgt/>
-                  </p:tgtEl>
-                </p:cond>
-              </p:prevCondLst>
-              <p:nextCondLst>
-                <p:cond delay="0" evt="onNext">
-                  <p:tgtEl>
-                    <p:sldTgt/>
-                  </p:tgtEl>
-                </p:cond>
-              </p:nextCondLst>
-            </p:seq>
-          </p:childTnLst>
-        </p:cTn>
-      </p:par>
-    </p:tnLst>
-  </p:timing>
+  <p:clrMapOvr>
+    <a:masterClrMapping/>
+  </p:clrMapOvr>
 </p:sld>
 </file>
 
 <file path=ppt/slides/slide6.xml><?xml version="1.0" encoding="utf-8"?>
-<p:sld xmlns:a="http://schemas.openxmlformats.org/drawingml/2006/main" xmlns:p="http://schemas.openxmlformats.org/presentationml/2006/main" xmlns:r="http://schemas.openxmlformats.org/officeDocument/2006/relationships">
+<p:sld xmlns:a="http://schemas.openxmlformats.org/drawingml/2006/main" xmlns:r="http://schemas.openxmlformats.org/officeDocument/2006/relationships" xmlns:p="http://schemas.openxmlformats.org/presentationml/2006/main">
   <p:cSld>
     <p:spTree>
       <p:nvGrpSpPr>
@@ -7377,633 +9413,64 @@
       </p:grpSpPr>
       <p:sp>
         <p:nvSpPr>
-          <p:cNvPr id="149" name="CustomShape 1"/>
-          <p:cNvSpPr/>
-          <p:nvPr/>
-        </p:nvSpPr>
-        <p:spPr>
-          <a:xfrm>
-            <a:off x="0" y="990720"/>
-            <a:ext cx="7436880" cy="4647960"/>
-          </a:xfrm>
-          <a:prstGeom prst="swooshArrow">
-            <a:avLst>
-              <a:gd name="adj1" fmla="val 25000"/>
-              <a:gd name="adj2" fmla="val 25000"/>
-            </a:avLst>
-          </a:prstGeom>
-          <a:solidFill>
-            <a:srgbClr val="ccd4ea"/>
-          </a:solidFill>
-          <a:ln>
-            <a:noFill/>
-          </a:ln>
-        </p:spPr>
-      </p:sp>
-      <p:sp>
-        <p:nvSpPr>
-          <p:cNvPr id="150" name="CustomShape 2"/>
-          <p:cNvSpPr/>
-          <p:nvPr/>
-        </p:nvSpPr>
-        <p:spPr>
-          <a:xfrm>
-            <a:off x="762120" y="4419720"/>
-            <a:ext cx="170640" cy="170640"/>
-          </a:xfrm>
-          <a:prstGeom prst="ellipse">
-            <a:avLst/>
-          </a:prstGeom>
-          <a:solidFill>
-            <a:srgbClr val="0f6fc6"/>
-          </a:solidFill>
-          <a:ln w="25560">
-            <a:solidFill>
-              <a:srgbClr val="ffffff"/>
-            </a:solidFill>
-            <a:round/>
-          </a:ln>
-        </p:spPr>
-      </p:sp>
-      <p:sp>
-        <p:nvSpPr>
-          <p:cNvPr id="151" name="CustomShape 3"/>
-          <p:cNvSpPr/>
-          <p:nvPr/>
-        </p:nvSpPr>
-        <p:spPr>
-          <a:xfrm>
-            <a:off x="954720" y="4306680"/>
-            <a:ext cx="2335680" cy="874440"/>
-          </a:xfrm>
-          <a:prstGeom prst="rect">
-            <a:avLst/>
-          </a:prstGeom>
-          <a:noFill/>
-          <a:ln>
-            <a:noFill/>
-          </a:ln>
-        </p:spPr>
-        <p:txBody>
-          <a:bodyPr lIns="90720" rIns="0" tIns="0" bIns="0"/>
-          <a:p>
-            <a:pPr>
-              <a:lnSpc>
-                <a:spcPct val="90000"/>
-              </a:lnSpc>
-            </a:pPr>
-            <a:r>
-              <a:rPr lang="en-US" sz="2800">
-                <a:solidFill>
-                  <a:srgbClr val="000000"/>
-                </a:solidFill>
-                <a:latin typeface="Myriad Pro"/>
-              </a:rPr>
-              <a:t>RSS Crawling</a:t>
-            </a:r>
-            <a:endParaRPr/>
-          </a:p>
-        </p:txBody>
-      </p:sp>
-      <p:sp>
-        <p:nvSpPr>
-          <p:cNvPr id="152" name="CustomShape 4"/>
-          <p:cNvSpPr/>
-          <p:nvPr/>
-        </p:nvSpPr>
-        <p:spPr>
-          <a:xfrm>
-            <a:off x="1597680" y="3633480"/>
-            <a:ext cx="267480" cy="267480"/>
-          </a:xfrm>
-          <a:prstGeom prst="ellipse">
-            <a:avLst/>
-          </a:prstGeom>
-          <a:solidFill>
-            <a:srgbClr val="0f6fc6"/>
-          </a:solidFill>
-          <a:ln w="25560">
-            <a:solidFill>
-              <a:srgbClr val="ffffff"/>
-            </a:solidFill>
-            <a:round/>
-          </a:ln>
-        </p:spPr>
-      </p:sp>
-      <p:sp>
-        <p:nvSpPr>
-          <p:cNvPr id="153" name="CustomShape 5"/>
-          <p:cNvSpPr/>
-          <p:nvPr/>
-        </p:nvSpPr>
-        <p:spPr>
-          <a:xfrm>
-            <a:off x="1855800" y="3581280"/>
-            <a:ext cx="1953720" cy="795240"/>
-          </a:xfrm>
-          <a:prstGeom prst="rect">
-            <a:avLst/>
-          </a:prstGeom>
-          <a:noFill/>
-          <a:ln>
-            <a:noFill/>
-          </a:ln>
-        </p:spPr>
-        <p:txBody>
-          <a:bodyPr lIns="141840" rIns="0" tIns="0" bIns="0"/>
-          <a:p>
-            <a:pPr>
-              <a:lnSpc>
-                <a:spcPct val="90000"/>
-              </a:lnSpc>
-            </a:pPr>
-            <a:r>
-              <a:rPr lang="en-US" sz="2800">
-                <a:solidFill>
-                  <a:srgbClr val="000000"/>
-                </a:solidFill>
-                <a:latin typeface="Myriad Pro"/>
-              </a:rPr>
-              <a:t>Clustering</a:t>
-            </a:r>
-            <a:endParaRPr/>
-          </a:p>
-        </p:txBody>
-      </p:sp>
-      <p:sp>
-        <p:nvSpPr>
-          <p:cNvPr id="154" name="CustomShape 6"/>
-          <p:cNvSpPr/>
-          <p:nvPr/>
-        </p:nvSpPr>
-        <p:spPr>
-          <a:xfrm>
-            <a:off x="2687040" y="2895480"/>
-            <a:ext cx="356760" cy="356760"/>
-          </a:xfrm>
-          <a:prstGeom prst="ellipse">
-            <a:avLst/>
-          </a:prstGeom>
-          <a:solidFill>
-            <a:srgbClr val="0f6fc6"/>
-          </a:solidFill>
-          <a:ln w="25560">
-            <a:solidFill>
-              <a:srgbClr val="ffffff"/>
-            </a:solidFill>
-            <a:round/>
-          </a:ln>
-        </p:spPr>
-      </p:sp>
-      <p:sp>
-        <p:nvSpPr>
-          <p:cNvPr id="155" name="CustomShape 7"/>
-          <p:cNvSpPr/>
-          <p:nvPr/>
-        </p:nvSpPr>
-        <p:spPr>
-          <a:xfrm>
-            <a:off x="2971800" y="2895480"/>
-            <a:ext cx="861840" cy="630720"/>
-          </a:xfrm>
-          <a:prstGeom prst="rect">
-            <a:avLst/>
-          </a:prstGeom>
-          <a:noFill/>
-          <a:ln>
-            <a:noFill/>
-          </a:ln>
-        </p:spPr>
-        <p:txBody>
-          <a:bodyPr lIns="189000" rIns="0" tIns="0" bIns="0"/>
-          <a:p>
-            <a:pPr>
-              <a:lnSpc>
-                <a:spcPct val="90000"/>
-              </a:lnSpc>
-            </a:pPr>
-            <a:r>
-              <a:rPr lang="en-US" sz="2800">
-                <a:solidFill>
-                  <a:srgbClr val="000000"/>
-                </a:solidFill>
-                <a:latin typeface="Myriad Pro"/>
-              </a:rPr>
-              <a:t>NER</a:t>
-            </a:r>
-            <a:endParaRPr/>
-          </a:p>
-        </p:txBody>
-      </p:sp>
-      <p:sp>
-        <p:nvSpPr>
-          <p:cNvPr id="156" name="CustomShape 8"/>
-          <p:cNvSpPr/>
-          <p:nvPr/>
-        </p:nvSpPr>
-        <p:spPr>
-          <a:xfrm>
-            <a:off x="3958560" y="2362320"/>
-            <a:ext cx="460800" cy="460800"/>
-          </a:xfrm>
-          <a:prstGeom prst="ellipse">
-            <a:avLst/>
-          </a:prstGeom>
-          <a:solidFill>
-            <a:srgbClr val="0f6fc6"/>
-          </a:solidFill>
-          <a:ln w="25560">
-            <a:solidFill>
-              <a:srgbClr val="ffffff"/>
-            </a:solidFill>
-            <a:round/>
-          </a:ln>
-        </p:spPr>
-      </p:sp>
-      <p:sp>
-        <p:nvSpPr>
-          <p:cNvPr id="157" name="CustomShape 9"/>
-          <p:cNvSpPr/>
-          <p:nvPr/>
-        </p:nvSpPr>
-        <p:spPr>
-          <a:xfrm>
-            <a:off x="3886200" y="2905560"/>
-            <a:ext cx="2553840" cy="980280"/>
-          </a:xfrm>
-          <a:prstGeom prst="rect">
-            <a:avLst/>
-          </a:prstGeom>
-          <a:noFill/>
-          <a:ln>
-            <a:noFill/>
-          </a:ln>
-        </p:spPr>
-        <p:txBody>
-          <a:bodyPr lIns="244440" rIns="0" tIns="0" bIns="0"/>
-          <a:p>
-            <a:pPr>
-              <a:lnSpc>
-                <a:spcPct val="90000"/>
-              </a:lnSpc>
-            </a:pPr>
-            <a:r>
-              <a:rPr lang="en-US" sz="2800">
-                <a:solidFill>
-                  <a:srgbClr val="000000"/>
-                </a:solidFill>
-                <a:latin typeface="Myriad Pro"/>
-              </a:rPr>
-              <a:t>Background </a:t>
-            </a:r>
-            <a:r>
-              <a:rPr lang="en-US" sz="2800">
-                <a:solidFill>
-                  <a:srgbClr val="000000"/>
-                </a:solidFill>
-                <a:latin typeface="Myriad Pro"/>
-              </a:rPr>
-              <a:t>
-</a:t>
-            </a:r>
-            <a:r>
-              <a:rPr lang="en-US" sz="2800">
-                <a:solidFill>
-                  <a:srgbClr val="000000"/>
-                </a:solidFill>
-                <a:latin typeface="Myriad Pro"/>
-              </a:rPr>
-              <a:t>Extraction</a:t>
-            </a:r>
-            <a:endParaRPr/>
-          </a:p>
-        </p:txBody>
-      </p:sp>
-      <p:sp>
-        <p:nvSpPr>
-          <p:cNvPr id="158" name="CustomShape 10"/>
-          <p:cNvSpPr/>
-          <p:nvPr/>
-        </p:nvSpPr>
-        <p:spPr>
-          <a:xfrm>
-            <a:off x="5203800" y="1981080"/>
-            <a:ext cx="587160" cy="587160"/>
-          </a:xfrm>
-          <a:prstGeom prst="ellipse">
-            <a:avLst/>
-          </a:prstGeom>
-          <a:solidFill>
-            <a:srgbClr val="0f6fc6"/>
-          </a:solidFill>
-          <a:ln w="25560">
-            <a:solidFill>
-              <a:srgbClr val="ffffff"/>
-            </a:solidFill>
-            <a:round/>
-          </a:ln>
-        </p:spPr>
-      </p:sp>
-      <p:sp>
-        <p:nvSpPr>
-          <p:cNvPr id="159" name="CustomShape 11"/>
-          <p:cNvSpPr/>
-          <p:nvPr/>
-        </p:nvSpPr>
-        <p:spPr>
-          <a:xfrm>
-            <a:off x="5562720" y="1905120"/>
-            <a:ext cx="2858760" cy="982440"/>
-          </a:xfrm>
-          <a:prstGeom prst="rect">
-            <a:avLst/>
-          </a:prstGeom>
-          <a:noFill/>
-          <a:ln>
-            <a:noFill/>
-          </a:ln>
-        </p:spPr>
-        <p:txBody>
-          <a:bodyPr lIns="311400" rIns="0" tIns="0" bIns="0"/>
-          <a:p>
-            <a:pPr>
-              <a:lnSpc>
-                <a:spcPct val="90000"/>
-              </a:lnSpc>
-            </a:pPr>
-            <a:r>
-              <a:rPr lang="en-US" sz="2800">
-                <a:solidFill>
-                  <a:srgbClr val="000000"/>
-                </a:solidFill>
-                <a:latin typeface="Myriad Pro"/>
-              </a:rPr>
-              <a:t>Web </a:t>
-            </a:r>
-            <a:r>
-              <a:rPr lang="en-US" sz="2800">
-                <a:solidFill>
-                  <a:srgbClr val="000000"/>
-                </a:solidFill>
-                <a:latin typeface="Myriad Pro"/>
-              </a:rPr>
-              <a:t>
-</a:t>
-            </a:r>
-            <a:r>
-              <a:rPr lang="en-US" sz="2800">
-                <a:solidFill>
-                  <a:srgbClr val="000000"/>
-                </a:solidFill>
-                <a:latin typeface="Myriad Pro"/>
-              </a:rPr>
-              <a:t>Framework</a:t>
-            </a:r>
-            <a:endParaRPr/>
-          </a:p>
-        </p:txBody>
-      </p:sp>
-      <p:sp>
-        <p:nvSpPr>
-          <p:cNvPr id="160" name="CustomShape 12"/>
-          <p:cNvSpPr/>
-          <p:nvPr/>
-        </p:nvSpPr>
-        <p:spPr>
-          <a:xfrm>
-            <a:off x="457200" y="274680"/>
-            <a:ext cx="8229240" cy="1142640"/>
-          </a:xfrm>
-          <a:prstGeom prst="rect">
-            <a:avLst/>
-          </a:prstGeom>
-          <a:noFill/>
-          <a:ln>
-            <a:noFill/>
-          </a:ln>
-        </p:spPr>
-        <p:txBody>
-          <a:bodyPr anchor="ctr"/>
-          <a:p>
-            <a:pPr algn="ctr">
-              <a:lnSpc>
-                <a:spcPct val="100000"/>
-              </a:lnSpc>
-            </a:pPr>
-            <a:r>
-              <a:rPr lang="en-US" sz="4400">
-                <a:solidFill>
-                  <a:srgbClr val="0076a3"/>
-                </a:solidFill>
-                <a:latin typeface="Yanone Kaffeesatz Bold"/>
-              </a:rPr>
-              <a:t>Wie</a:t>
-            </a:r>
-            <a:endParaRPr/>
-          </a:p>
-        </p:txBody>
-      </p:sp>
-      <p:sp>
-        <p:nvSpPr>
-          <p:cNvPr id="161" name="TextShape 13"/>
-          <p:cNvSpPr txBox="1"/>
-          <p:nvPr/>
-        </p:nvSpPr>
-        <p:spPr>
-          <a:xfrm>
-            <a:off x="457200" y="6356520"/>
-            <a:ext cx="2133360" cy="364680"/>
-          </a:xfrm>
-          <a:prstGeom prst="rect">
-            <a:avLst/>
-          </a:prstGeom>
-        </p:spPr>
-        <p:txBody>
-          <a:bodyPr anchor="ctr"/>
-          <a:p>
-            <a:pPr>
-              <a:lnSpc>
-                <a:spcPct val="100000"/>
-              </a:lnSpc>
-            </a:pPr>
-            <a:r>
-              <a:rPr lang="en-US" sz="1200">
-                <a:solidFill>
-                  <a:srgbClr val="ffffff"/>
-                </a:solidFill>
-                <a:latin typeface="Myriad Pro"/>
-              </a:rPr>
-              <a:t>16. Juli 2014</a:t>
-            </a:r>
-            <a:endParaRPr/>
-          </a:p>
-        </p:txBody>
-      </p:sp>
-      <p:sp>
-        <p:nvSpPr>
-          <p:cNvPr id="162" name="TextShape 14"/>
-          <p:cNvSpPr txBox="1"/>
-          <p:nvPr/>
-        </p:nvSpPr>
-        <p:spPr>
-          <a:xfrm>
-            <a:off x="2743200" y="6356520"/>
-            <a:ext cx="3657240" cy="364680"/>
-          </a:xfrm>
-          <a:prstGeom prst="rect">
-            <a:avLst/>
-          </a:prstGeom>
-        </p:spPr>
-        <p:txBody>
-          <a:bodyPr anchor="ctr"/>
-          <a:p>
-            <a:pPr algn="ctr">
-              <a:lnSpc>
-                <a:spcPct val="100000"/>
-              </a:lnSpc>
-            </a:pPr>
-            <a:r>
-              <a:rPr lang="en-US" sz="1200">
-                <a:solidFill>
-                  <a:srgbClr val="ffffff"/>
-                </a:solidFill>
-                <a:latin typeface="Myriad Pro"/>
-              </a:rPr>
-              <a:t>NM+ - Zwischenpräsentation | RF, TG, SM</a:t>
-            </a:r>
-            <a:endParaRPr/>
-          </a:p>
-        </p:txBody>
-      </p:sp>
-      <p:sp>
-        <p:nvSpPr>
-          <p:cNvPr id="163" name="TextShape 15"/>
-          <p:cNvSpPr txBox="1"/>
-          <p:nvPr/>
-        </p:nvSpPr>
-        <p:spPr>
-          <a:xfrm>
-            <a:off x="6553080" y="6356520"/>
-            <a:ext cx="2133360" cy="364680"/>
-          </a:xfrm>
-          <a:prstGeom prst="rect">
-            <a:avLst/>
-          </a:prstGeom>
-        </p:spPr>
-        <p:txBody>
-          <a:bodyPr anchor="ctr"/>
-          <a:p>
-            <a:pPr algn="r">
-              <a:lnSpc>
-                <a:spcPct val="100000"/>
-              </a:lnSpc>
-            </a:pPr>
-            <a:fld id="{8D7544C8-AFB4-4DCB-990D-A4D17E90816A}" type="slidenum">
-              <a:rPr lang="en-US" sz="1200">
-                <a:solidFill>
-                  <a:srgbClr val="ffffff"/>
-                </a:solidFill>
-                <a:latin typeface="Myriad Pro"/>
-              </a:rPr>
-              <a:t>&lt;number&gt;</a:t>
-            </a:fld>
-            <a:endParaRPr/>
-          </a:p>
-        </p:txBody>
-      </p:sp>
-      <p:sp>
-        <p:nvSpPr>
-          <p:cNvPr id="164" name="CustomShape 16"/>
-          <p:cNvSpPr/>
-          <p:nvPr/>
-        </p:nvSpPr>
-        <p:spPr>
-          <a:xfrm>
-            <a:off x="7550640" y="1371600"/>
-            <a:ext cx="1325520" cy="943560"/>
-          </a:xfrm>
-          <a:prstGeom prst="rect">
-            <a:avLst/>
-          </a:prstGeom>
-          <a:noFill/>
-          <a:ln>
-            <a:noFill/>
-          </a:ln>
-        </p:spPr>
-        <p:txBody>
-          <a:bodyPr wrap="none" lIns="90000" rIns="90000" tIns="45000" bIns="45000"/>
-          <a:p>
-            <a:pPr>
-              <a:lnSpc>
-                <a:spcPct val="100000"/>
-              </a:lnSpc>
-            </a:pPr>
-            <a:r>
-              <a:rPr b="1" lang="en-US" sz="2800">
-                <a:solidFill>
-                  <a:srgbClr val="000000"/>
-                </a:solidFill>
-                <a:latin typeface="Myriad Pro"/>
-              </a:rPr>
-              <a:t>News</a:t>
-            </a:r>
-            <a:r>
-              <a:rPr b="1" lang="en-US" sz="2800">
-                <a:solidFill>
-                  <a:srgbClr val="000000"/>
-                </a:solidFill>
-                <a:latin typeface="Myriad Pro"/>
-              </a:rPr>
-              <a:t>
-</a:t>
-            </a:r>
-            <a:r>
-              <a:rPr b="1" lang="en-US" sz="2800">
-                <a:solidFill>
-                  <a:srgbClr val="000000"/>
-                </a:solidFill>
-                <a:latin typeface="Myriad Pro"/>
-              </a:rPr>
-              <a:t>Miner+</a:t>
-            </a:r>
-            <a:endParaRPr/>
+          <p:cNvPr id="2" name="Titel 1"/>
+          <p:cNvSpPr>
+            <a:spLocks noGrp="1"/>
+          </p:cNvSpPr>
+          <p:nvPr>
+            <p:ph type="title"/>
+          </p:nvPr>
+        </p:nvSpPr>
+        <p:spPr/>
+        <p:txBody>
+          <a:bodyPr/>
+          <a:lstStyle/>
+          <a:p>
+            <a:r>
+              <a:rPr lang="en-US" dirty="0" smtClean="0"/>
+              <a:t>Story + </a:t>
+            </a:r>
+            <a:r>
+              <a:rPr lang="en-US" dirty="0" err="1" smtClean="0"/>
+              <a:t>Fakten</a:t>
+            </a:r>
+            <a:r>
+              <a:rPr lang="en-US" dirty="0" smtClean="0"/>
+              <a:t> = NM+</a:t>
+            </a:r>
+            <a:endParaRPr lang="en-US" dirty="0"/>
+          </a:p>
+        </p:txBody>
+      </p:sp>
+      <p:sp>
+        <p:nvSpPr>
+          <p:cNvPr id="3" name="Textplatzhalter 2"/>
+          <p:cNvSpPr>
+            <a:spLocks noGrp="1"/>
+          </p:cNvSpPr>
+          <p:nvPr>
+            <p:ph type="body"/>
+          </p:nvPr>
+        </p:nvSpPr>
+        <p:spPr/>
+        <p:txBody>
+          <a:bodyPr/>
+          <a:lstStyle/>
+          <a:p>
+            <a:endParaRPr lang="en-US"/>
           </a:p>
         </p:txBody>
       </p:sp>
     </p:spTree>
   </p:cSld>
-  <p:timing>
-    <p:tnLst>
-      <p:par>
-        <p:cTn id="11" dur="indefinite" restart="never" nodeType="tmRoot">
-          <p:childTnLst>
-            <p:seq>
-              <p:cTn id="12" nodeType="mainSeq"/>
-              <p:prevCondLst>
-                <p:cond delay="0" evt="onPrev">
-                  <p:tgtEl>
-                    <p:sldTgt/>
-                  </p:tgtEl>
-                </p:cond>
-              </p:prevCondLst>
-              <p:nextCondLst>
-                <p:cond delay="0" evt="onNext">
-                  <p:tgtEl>
-                    <p:sldTgt/>
-                  </p:tgtEl>
-                </p:cond>
-              </p:nextCondLst>
-            </p:seq>
-          </p:childTnLst>
-        </p:cTn>
-      </p:par>
-    </p:tnLst>
-  </p:timing>
+  <p:clrMapOvr>
+    <a:masterClrMapping/>
+  </p:clrMapOvr>
 </p:sld>
 </file>
 
 <file path=ppt/slides/slide7.xml><?xml version="1.0" encoding="utf-8"?>
-<p:sld xmlns:a="http://schemas.openxmlformats.org/drawingml/2006/main" xmlns:p="http://schemas.openxmlformats.org/presentationml/2006/main" xmlns:r="http://schemas.openxmlformats.org/officeDocument/2006/relationships">
+<p:sld xmlns:a="http://schemas.openxmlformats.org/drawingml/2006/main" xmlns:r="http://schemas.openxmlformats.org/officeDocument/2006/relationships" xmlns:p="http://schemas.openxmlformats.org/presentationml/2006/main">
   <p:cSld>
     <p:spTree>
       <p:nvGrpSpPr>
@@ -8021,7 +9488,7 @@
       </p:grpSpPr>
       <p:sp>
         <p:nvSpPr>
-          <p:cNvPr id="165" name="TextShape 1"/>
+          <p:cNvPr id="145" name="TextShape 1"/>
           <p:cNvSpPr txBox="1"/>
           <p:nvPr/>
         </p:nvSpPr>
@@ -8036,6 +9503,7 @@
         </p:spPr>
         <p:txBody>
           <a:bodyPr anchor="ctr"/>
+          <a:lstStyle/>
           <a:p>
             <a:pPr>
               <a:lnSpc>
@@ -8043,27 +9511,27 @@
               </a:lnSpc>
             </a:pPr>
             <a:r>
-              <a:rPr lang="en-US" sz="4800">
-                <a:solidFill>
-                  <a:srgbClr val="0076a3"/>
+              <a:rPr lang="en-US" sz="4800" dirty="0" err="1" smtClean="0">
+                <a:solidFill>
+                  <a:srgbClr val="0076A3"/>
                 </a:solidFill>
                 <a:latin typeface="Yanone Kaffeesatz Bold"/>
               </a:rPr>
-              <a:t>Any Questions?</a:t>
-            </a:r>
-            <a:endParaRPr/>
-          </a:p>
-        </p:txBody>
-      </p:sp>
-      <p:sp>
-        <p:nvSpPr>
-          <p:cNvPr id="166" name="TextShape 2"/>
+              <a:t>Prototyp</a:t>
+            </a:r>
+            <a:endParaRPr dirty="0"/>
+          </a:p>
+        </p:txBody>
+      </p:sp>
+      <p:sp>
+        <p:nvSpPr>
+          <p:cNvPr id="146" name="TextShape 2"/>
           <p:cNvSpPr txBox="1"/>
           <p:nvPr/>
         </p:nvSpPr>
         <p:spPr>
           <a:xfrm>
-            <a:off x="6553080" y="6356520"/>
+            <a:off x="457200" y="6356520"/>
             <a:ext cx="2133360" cy="364680"/>
           </a:xfrm>
           <a:prstGeom prst="rect">
@@ -8072,28 +9540,29 @@
         </p:spPr>
         <p:txBody>
           <a:bodyPr anchor="ctr"/>
+          <a:lstStyle/>
           <a:p>
             <a:pPr>
               <a:lnSpc>
                 <a:spcPct val="100000"/>
               </a:lnSpc>
             </a:pPr>
-            <a:fld id="{749BCD1A-1C7D-4702-80CB-9E15189B10C0}" type="slidenum">
+            <a:r>
               <a:rPr lang="en-US" sz="1200">
                 <a:solidFill>
-                  <a:srgbClr val="ffffff"/>
-                </a:solidFill>
-                <a:latin typeface="Myriad Pro"/>
-              </a:rPr>
-              <a:t>&lt;number&gt;</a:t>
-            </a:fld>
-            <a:endParaRPr/>
-          </a:p>
-        </p:txBody>
-      </p:sp>
-      <p:sp>
-        <p:nvSpPr>
-          <p:cNvPr id="167" name="TextShape 3"/>
+                  <a:srgbClr val="FFFFFF"/>
+                </a:solidFill>
+                <a:latin typeface="Myriad Pro"/>
+              </a:rPr>
+              <a:t>16. Juli 2014</a:t>
+            </a:r>
+            <a:endParaRPr/>
+          </a:p>
+        </p:txBody>
+      </p:sp>
+      <p:sp>
+        <p:nvSpPr>
+          <p:cNvPr id="147" name="TextShape 3"/>
           <p:cNvSpPr txBox="1"/>
           <p:nvPr/>
         </p:nvSpPr>
@@ -8108,6 +9577,7 @@
         </p:spPr>
         <p:txBody>
           <a:bodyPr anchor="ctr"/>
+          <a:lstStyle/>
           <a:p>
             <a:pPr>
               <a:lnSpc>
@@ -8117,7 +9587,7 @@
             <a:r>
               <a:rPr lang="en-US" sz="1200">
                 <a:solidFill>
-                  <a:srgbClr val="ffffff"/>
+                  <a:srgbClr val="FFFFFF"/>
                 </a:solidFill>
                 <a:latin typeface="Myriad Pro"/>
               </a:rPr>
@@ -8129,13 +9599,13 @@
       </p:sp>
       <p:sp>
         <p:nvSpPr>
-          <p:cNvPr id="168" name="TextShape 4"/>
+          <p:cNvPr id="148" name="TextShape 4"/>
           <p:cNvSpPr txBox="1"/>
           <p:nvPr/>
         </p:nvSpPr>
         <p:spPr>
           <a:xfrm>
-            <a:off x="457200" y="6356520"/>
+            <a:off x="6553080" y="6356520"/>
             <a:ext cx="2133360" cy="364680"/>
           </a:xfrm>
           <a:prstGeom prst="rect">
@@ -8144,43 +9614,52 @@
         </p:spPr>
         <p:txBody>
           <a:bodyPr anchor="ctr"/>
+          <a:lstStyle/>
           <a:p>
             <a:pPr>
               <a:lnSpc>
                 <a:spcPct val="100000"/>
               </a:lnSpc>
             </a:pPr>
-            <a:r>
+            <a:fld id="{8F6A994C-2A66-4E3E-86B3-3987EECE1426}" type="slidenum">
               <a:rPr lang="en-US" sz="1200">
                 <a:solidFill>
-                  <a:srgbClr val="ffffff"/>
-                </a:solidFill>
-                <a:latin typeface="Myriad Pro"/>
-              </a:rPr>
-              <a:t>16. Juli 2014</a:t>
-            </a:r>
+                  <a:srgbClr val="FFFFFF"/>
+                </a:solidFill>
+                <a:latin typeface="Myriad Pro"/>
+              </a:rPr>
+              <a:pPr>
+                <a:lnSpc>
+                  <a:spcPct val="100000"/>
+                </a:lnSpc>
+              </a:pPr>
+              <a:t>7</a:t>
+            </a:fld>
             <a:endParaRPr/>
           </a:p>
         </p:txBody>
       </p:sp>
     </p:spTree>
   </p:cSld>
+  <p:clrMapOvr>
+    <a:masterClrMapping/>
+  </p:clrMapOvr>
   <p:timing>
     <p:tnLst>
       <p:par>
-        <p:cTn id="13" dur="indefinite" restart="never" nodeType="tmRoot">
+        <p:cTn id="1" dur="indefinite" restart="never" nodeType="tmRoot">
           <p:childTnLst>
             <p:seq>
-              <p:cTn id="14" nodeType="mainSeq"/>
+              <p:cTn id="2" nodeType="mainSeq"/>
               <p:prevCondLst>
-                <p:cond delay="0" evt="onPrev">
+                <p:cond evt="onPrev" delay="0">
                   <p:tgtEl>
                     <p:sldTgt/>
                   </p:tgtEl>
                 </p:cond>
               </p:prevCondLst>
               <p:nextCondLst>
-                <p:cond delay="0" evt="onNext">
+                <p:cond evt="onNext" delay="0">
                   <p:tgtEl>
                     <p:sldTgt/>
                   </p:tgtEl>
@@ -8196,7 +9675,7 @@
 </file>
 
 <file path=ppt/slides/slide8.xml><?xml version="1.0" encoding="utf-8"?>
-<p:sld xmlns:a="http://schemas.openxmlformats.org/drawingml/2006/main" xmlns:p="http://schemas.openxmlformats.org/presentationml/2006/main" xmlns:r="http://schemas.openxmlformats.org/officeDocument/2006/relationships">
+<p:sld xmlns:a="http://schemas.openxmlformats.org/drawingml/2006/main" xmlns:r="http://schemas.openxmlformats.org/officeDocument/2006/relationships" xmlns:p="http://schemas.openxmlformats.org/presentationml/2006/main">
   <p:cSld>
     <p:spTree>
       <p:nvGrpSpPr>
@@ -8214,8 +9693,365 @@
       </p:grpSpPr>
       <p:sp>
         <p:nvSpPr>
-          <p:cNvPr id="169" name="TextShape 1"/>
-          <p:cNvSpPr txBox="1"/>
+          <p:cNvPr id="149" name="CustomShape 1"/>
+          <p:cNvSpPr/>
+          <p:nvPr/>
+        </p:nvSpPr>
+        <p:spPr>
+          <a:xfrm>
+            <a:off x="0" y="990720"/>
+            <a:ext cx="7436880" cy="4647960"/>
+          </a:xfrm>
+          <a:prstGeom prst="swooshArrow">
+            <a:avLst>
+              <a:gd name="adj1" fmla="val 25000"/>
+              <a:gd name="adj2" fmla="val 25000"/>
+            </a:avLst>
+          </a:prstGeom>
+          <a:solidFill>
+            <a:srgbClr val="CCD4EA"/>
+          </a:solidFill>
+          <a:ln>
+            <a:noFill/>
+          </a:ln>
+        </p:spPr>
+      </p:sp>
+      <p:sp>
+        <p:nvSpPr>
+          <p:cNvPr id="150" name="CustomShape 2"/>
+          <p:cNvSpPr/>
+          <p:nvPr/>
+        </p:nvSpPr>
+        <p:spPr>
+          <a:xfrm>
+            <a:off x="762120" y="4419720"/>
+            <a:ext cx="170640" cy="170640"/>
+          </a:xfrm>
+          <a:prstGeom prst="ellipse">
+            <a:avLst/>
+          </a:prstGeom>
+          <a:solidFill>
+            <a:srgbClr val="0F6FC6"/>
+          </a:solidFill>
+          <a:ln w="25560">
+            <a:solidFill>
+              <a:srgbClr val="FFFFFF"/>
+            </a:solidFill>
+            <a:round/>
+          </a:ln>
+        </p:spPr>
+      </p:sp>
+      <p:sp>
+        <p:nvSpPr>
+          <p:cNvPr id="151" name="CustomShape 3"/>
+          <p:cNvSpPr/>
+          <p:nvPr/>
+        </p:nvSpPr>
+        <p:spPr>
+          <a:xfrm>
+            <a:off x="954720" y="4306680"/>
+            <a:ext cx="2335680" cy="874440"/>
+          </a:xfrm>
+          <a:prstGeom prst="rect">
+            <a:avLst/>
+          </a:prstGeom>
+          <a:noFill/>
+          <a:ln>
+            <a:noFill/>
+          </a:ln>
+        </p:spPr>
+        <p:txBody>
+          <a:bodyPr lIns="90720" tIns="0" rIns="0" bIns="0"/>
+          <a:lstStyle/>
+          <a:p>
+            <a:pPr>
+              <a:lnSpc>
+                <a:spcPct val="90000"/>
+              </a:lnSpc>
+            </a:pPr>
+            <a:r>
+              <a:rPr lang="en-US" sz="2800">
+                <a:solidFill>
+                  <a:srgbClr val="000000"/>
+                </a:solidFill>
+                <a:latin typeface="Myriad Pro"/>
+              </a:rPr>
+              <a:t>RSS Crawling</a:t>
+            </a:r>
+            <a:endParaRPr/>
+          </a:p>
+        </p:txBody>
+      </p:sp>
+      <p:sp>
+        <p:nvSpPr>
+          <p:cNvPr id="152" name="CustomShape 4"/>
+          <p:cNvSpPr/>
+          <p:nvPr/>
+        </p:nvSpPr>
+        <p:spPr>
+          <a:xfrm>
+            <a:off x="1597680" y="3633480"/>
+            <a:ext cx="267480" cy="267480"/>
+          </a:xfrm>
+          <a:prstGeom prst="ellipse">
+            <a:avLst/>
+          </a:prstGeom>
+          <a:solidFill>
+            <a:srgbClr val="0F6FC6"/>
+          </a:solidFill>
+          <a:ln w="25560">
+            <a:solidFill>
+              <a:srgbClr val="FFFFFF"/>
+            </a:solidFill>
+            <a:round/>
+          </a:ln>
+        </p:spPr>
+      </p:sp>
+      <p:sp>
+        <p:nvSpPr>
+          <p:cNvPr id="153" name="CustomShape 5"/>
+          <p:cNvSpPr/>
+          <p:nvPr/>
+        </p:nvSpPr>
+        <p:spPr>
+          <a:xfrm>
+            <a:off x="1855800" y="3581280"/>
+            <a:ext cx="1953720" cy="795240"/>
+          </a:xfrm>
+          <a:prstGeom prst="rect">
+            <a:avLst/>
+          </a:prstGeom>
+          <a:noFill/>
+          <a:ln>
+            <a:noFill/>
+          </a:ln>
+        </p:spPr>
+        <p:txBody>
+          <a:bodyPr lIns="141840" tIns="0" rIns="0" bIns="0"/>
+          <a:lstStyle/>
+          <a:p>
+            <a:pPr>
+              <a:lnSpc>
+                <a:spcPct val="90000"/>
+              </a:lnSpc>
+            </a:pPr>
+            <a:r>
+              <a:rPr lang="en-US" sz="2800">
+                <a:solidFill>
+                  <a:srgbClr val="000000"/>
+                </a:solidFill>
+                <a:latin typeface="Myriad Pro"/>
+              </a:rPr>
+              <a:t>Clustering</a:t>
+            </a:r>
+            <a:endParaRPr/>
+          </a:p>
+        </p:txBody>
+      </p:sp>
+      <p:sp>
+        <p:nvSpPr>
+          <p:cNvPr id="154" name="CustomShape 6"/>
+          <p:cNvSpPr/>
+          <p:nvPr/>
+        </p:nvSpPr>
+        <p:spPr>
+          <a:xfrm>
+            <a:off x="2687040" y="2895480"/>
+            <a:ext cx="356760" cy="356760"/>
+          </a:xfrm>
+          <a:prstGeom prst="ellipse">
+            <a:avLst/>
+          </a:prstGeom>
+          <a:solidFill>
+            <a:srgbClr val="0F6FC6"/>
+          </a:solidFill>
+          <a:ln w="25560">
+            <a:solidFill>
+              <a:srgbClr val="FFFFFF"/>
+            </a:solidFill>
+            <a:round/>
+          </a:ln>
+        </p:spPr>
+      </p:sp>
+      <p:sp>
+        <p:nvSpPr>
+          <p:cNvPr id="155" name="CustomShape 7"/>
+          <p:cNvSpPr/>
+          <p:nvPr/>
+        </p:nvSpPr>
+        <p:spPr>
+          <a:xfrm>
+            <a:off x="2971800" y="2895480"/>
+            <a:ext cx="861840" cy="630720"/>
+          </a:xfrm>
+          <a:prstGeom prst="rect">
+            <a:avLst/>
+          </a:prstGeom>
+          <a:noFill/>
+          <a:ln>
+            <a:noFill/>
+          </a:ln>
+        </p:spPr>
+        <p:txBody>
+          <a:bodyPr lIns="189000" tIns="0" rIns="0" bIns="0"/>
+          <a:lstStyle/>
+          <a:p>
+            <a:pPr>
+              <a:lnSpc>
+                <a:spcPct val="90000"/>
+              </a:lnSpc>
+            </a:pPr>
+            <a:r>
+              <a:rPr lang="en-US" sz="2800">
+                <a:solidFill>
+                  <a:srgbClr val="000000"/>
+                </a:solidFill>
+                <a:latin typeface="Myriad Pro"/>
+              </a:rPr>
+              <a:t>NER</a:t>
+            </a:r>
+            <a:endParaRPr/>
+          </a:p>
+        </p:txBody>
+      </p:sp>
+      <p:sp>
+        <p:nvSpPr>
+          <p:cNvPr id="156" name="CustomShape 8"/>
+          <p:cNvSpPr/>
+          <p:nvPr/>
+        </p:nvSpPr>
+        <p:spPr>
+          <a:xfrm>
+            <a:off x="3958560" y="2362320"/>
+            <a:ext cx="460800" cy="460800"/>
+          </a:xfrm>
+          <a:prstGeom prst="ellipse">
+            <a:avLst/>
+          </a:prstGeom>
+          <a:solidFill>
+            <a:srgbClr val="0F6FC6"/>
+          </a:solidFill>
+          <a:ln w="25560">
+            <a:solidFill>
+              <a:srgbClr val="FFFFFF"/>
+            </a:solidFill>
+            <a:round/>
+          </a:ln>
+        </p:spPr>
+      </p:sp>
+      <p:sp>
+        <p:nvSpPr>
+          <p:cNvPr id="157" name="CustomShape 9"/>
+          <p:cNvSpPr/>
+          <p:nvPr/>
+        </p:nvSpPr>
+        <p:spPr>
+          <a:xfrm>
+            <a:off x="3886200" y="2905560"/>
+            <a:ext cx="2553840" cy="980280"/>
+          </a:xfrm>
+          <a:prstGeom prst="rect">
+            <a:avLst/>
+          </a:prstGeom>
+          <a:noFill/>
+          <a:ln>
+            <a:noFill/>
+          </a:ln>
+        </p:spPr>
+        <p:txBody>
+          <a:bodyPr lIns="244440" tIns="0" rIns="0" bIns="0"/>
+          <a:lstStyle/>
+          <a:p>
+            <a:pPr>
+              <a:lnSpc>
+                <a:spcPct val="90000"/>
+              </a:lnSpc>
+            </a:pPr>
+            <a:r>
+              <a:rPr lang="en-US" sz="2800">
+                <a:solidFill>
+                  <a:srgbClr val="000000"/>
+                </a:solidFill>
+                <a:latin typeface="Myriad Pro"/>
+              </a:rPr>
+              <a:t>Background 
+Extraction</a:t>
+            </a:r>
+            <a:endParaRPr/>
+          </a:p>
+        </p:txBody>
+      </p:sp>
+      <p:sp>
+        <p:nvSpPr>
+          <p:cNvPr id="158" name="CustomShape 10"/>
+          <p:cNvSpPr/>
+          <p:nvPr/>
+        </p:nvSpPr>
+        <p:spPr>
+          <a:xfrm>
+            <a:off x="5203800" y="1981080"/>
+            <a:ext cx="587160" cy="587160"/>
+          </a:xfrm>
+          <a:prstGeom prst="ellipse">
+            <a:avLst/>
+          </a:prstGeom>
+          <a:solidFill>
+            <a:srgbClr val="0F6FC6"/>
+          </a:solidFill>
+          <a:ln w="25560">
+            <a:solidFill>
+              <a:srgbClr val="FFFFFF"/>
+            </a:solidFill>
+            <a:round/>
+          </a:ln>
+        </p:spPr>
+      </p:sp>
+      <p:sp>
+        <p:nvSpPr>
+          <p:cNvPr id="159" name="CustomShape 11"/>
+          <p:cNvSpPr/>
+          <p:nvPr/>
+        </p:nvSpPr>
+        <p:spPr>
+          <a:xfrm>
+            <a:off x="5562720" y="1905120"/>
+            <a:ext cx="2858760" cy="982440"/>
+          </a:xfrm>
+          <a:prstGeom prst="rect">
+            <a:avLst/>
+          </a:prstGeom>
+          <a:noFill/>
+          <a:ln>
+            <a:noFill/>
+          </a:ln>
+        </p:spPr>
+        <p:txBody>
+          <a:bodyPr lIns="311400" tIns="0" rIns="0" bIns="0"/>
+          <a:lstStyle/>
+          <a:p>
+            <a:pPr>
+              <a:lnSpc>
+                <a:spcPct val="90000"/>
+              </a:lnSpc>
+            </a:pPr>
+            <a:r>
+              <a:rPr lang="en-US" sz="2800">
+                <a:solidFill>
+                  <a:srgbClr val="000000"/>
+                </a:solidFill>
+                <a:latin typeface="Myriad Pro"/>
+              </a:rPr>
+              <a:t>Web 
+Framework</a:t>
+            </a:r>
+            <a:endParaRPr/>
+          </a:p>
+        </p:txBody>
+      </p:sp>
+      <p:sp>
+        <p:nvSpPr>
+          <p:cNvPr id="160" name="CustomShape 12"/>
+          <p:cNvSpPr/>
           <p:nvPr/>
         </p:nvSpPr>
         <p:spPr>
@@ -8226,9 +10062,14 @@
           <a:prstGeom prst="rect">
             <a:avLst/>
           </a:prstGeom>
+          <a:noFill/>
+          <a:ln>
+            <a:noFill/>
+          </a:ln>
         </p:spPr>
         <p:txBody>
           <a:bodyPr anchor="ctr"/>
+          <a:lstStyle/>
           <a:p>
             <a:pPr algn="ctr">
               <a:lnSpc>
@@ -8238,128 +10079,154 @@
             <a:r>
               <a:rPr lang="en-US" sz="4400">
                 <a:solidFill>
-                  <a:srgbClr val="0076a3"/>
+                  <a:srgbClr val="0076A3"/>
                 </a:solidFill>
                 <a:latin typeface="Yanone Kaffeesatz Bold"/>
               </a:rPr>
-              <a:t>Verfahren</a:t>
-            </a:r>
-            <a:endParaRPr/>
-          </a:p>
-        </p:txBody>
-      </p:sp>
-      <p:sp>
-        <p:nvSpPr>
-          <p:cNvPr id="170" name="TextShape 2"/>
+              <a:t>Wie</a:t>
+            </a:r>
+            <a:endParaRPr/>
+          </a:p>
+        </p:txBody>
+      </p:sp>
+      <p:sp>
+        <p:nvSpPr>
+          <p:cNvPr id="161" name="TextShape 13"/>
           <p:cNvSpPr txBox="1"/>
           <p:nvPr/>
         </p:nvSpPr>
         <p:spPr>
           <a:xfrm>
-            <a:off x="457200" y="1600200"/>
-            <a:ext cx="8229240" cy="3885840"/>
-          </a:xfrm>
-          <a:prstGeom prst="rect">
-            <a:avLst/>
-          </a:prstGeom>
-        </p:spPr>
-        <p:txBody>
-          <a:bodyPr/>
+            <a:off x="457200" y="6356520"/>
+            <a:ext cx="2133360" cy="364680"/>
+          </a:xfrm>
+          <a:prstGeom prst="rect">
+            <a:avLst/>
+          </a:prstGeom>
+        </p:spPr>
+        <p:txBody>
+          <a:bodyPr anchor="ctr"/>
+          <a:lstStyle/>
           <a:p>
             <a:pPr>
               <a:lnSpc>
                 <a:spcPct val="100000"/>
               </a:lnSpc>
-              <a:buFont typeface="Arial"/>
-              <a:buChar char="•"/>
-            </a:pPr>
-            <a:r>
-              <a:rPr lang="en-US" sz="3200">
-                <a:solidFill>
-                  <a:srgbClr val="000000"/>
-                </a:solidFill>
-                <a:latin typeface="Myriad Pro"/>
-              </a:rPr>
-              <a:t>Clustern </a:t>
-            </a:r>
-            <a:endParaRPr/>
-          </a:p>
-          <a:p>
-            <a:pPr lvl="1">
+            </a:pPr>
+            <a:r>
+              <a:rPr lang="en-US" sz="1200">
+                <a:solidFill>
+                  <a:srgbClr val="FFFFFF"/>
+                </a:solidFill>
+                <a:latin typeface="Myriad Pro"/>
+              </a:rPr>
+              <a:t>16. Juli 2014</a:t>
+            </a:r>
+            <a:endParaRPr/>
+          </a:p>
+        </p:txBody>
+      </p:sp>
+      <p:sp>
+        <p:nvSpPr>
+          <p:cNvPr id="162" name="TextShape 14"/>
+          <p:cNvSpPr txBox="1"/>
+          <p:nvPr/>
+        </p:nvSpPr>
+        <p:spPr>
+          <a:xfrm>
+            <a:off x="2743200" y="6356520"/>
+            <a:ext cx="3657240" cy="364680"/>
+          </a:xfrm>
+          <a:prstGeom prst="rect">
+            <a:avLst/>
+          </a:prstGeom>
+        </p:spPr>
+        <p:txBody>
+          <a:bodyPr anchor="ctr"/>
+          <a:lstStyle/>
+          <a:p>
+            <a:pPr algn="ctr">
               <a:lnSpc>
                 <a:spcPct val="100000"/>
               </a:lnSpc>
-              <a:buFont typeface="Arial"/>
-              <a:buChar char="–"/>
-            </a:pPr>
-            <a:r>
-              <a:rPr lang="en-US" sz="2800">
-                <a:solidFill>
-                  <a:srgbClr val="000000"/>
-                </a:solidFill>
-                <a:latin typeface="Myriad Pro"/>
-              </a:rPr>
-              <a:t>Hierarisch (VSM)</a:t>
-            </a:r>
-            <a:endParaRPr/>
-          </a:p>
-          <a:p>
-            <a:pPr lvl="1">
+            </a:pPr>
+            <a:r>
+              <a:rPr lang="en-US" sz="1200">
+                <a:solidFill>
+                  <a:srgbClr val="FFFFFF"/>
+                </a:solidFill>
+                <a:latin typeface="Myriad Pro"/>
+              </a:rPr>
+              <a:t>NM+ - Zwischenpräsentation | RF, TG, SM</a:t>
+            </a:r>
+            <a:endParaRPr/>
+          </a:p>
+        </p:txBody>
+      </p:sp>
+      <p:sp>
+        <p:nvSpPr>
+          <p:cNvPr id="163" name="TextShape 15"/>
+          <p:cNvSpPr txBox="1"/>
+          <p:nvPr/>
+        </p:nvSpPr>
+        <p:spPr>
+          <a:xfrm>
+            <a:off x="6553080" y="6356520"/>
+            <a:ext cx="2133360" cy="364680"/>
+          </a:xfrm>
+          <a:prstGeom prst="rect">
+            <a:avLst/>
+          </a:prstGeom>
+        </p:spPr>
+        <p:txBody>
+          <a:bodyPr anchor="ctr"/>
+          <a:lstStyle/>
+          <a:p>
+            <a:pPr algn="r">
               <a:lnSpc>
                 <a:spcPct val="100000"/>
               </a:lnSpc>
-              <a:buFont typeface="Arial"/>
-              <a:buChar char="–"/>
-            </a:pPr>
-            <a:r>
-              <a:rPr lang="en-US" sz="2800">
-                <a:solidFill>
-                  <a:srgbClr val="000000"/>
-                </a:solidFill>
-                <a:latin typeface="Myriad Pro"/>
-              </a:rPr>
-              <a:t>Agglomerativ </a:t>
-            </a:r>
-            <a:endParaRPr/>
-          </a:p>
-          <a:p>
-            <a:pPr lvl="1">
-              <a:lnSpc>
-                <a:spcPct val="100000"/>
-              </a:lnSpc>
-              <a:buFont typeface="Arial"/>
-              <a:buChar char="–"/>
-            </a:pPr>
-            <a:r>
-              <a:rPr lang="en-US" sz="2800">
-                <a:solidFill>
-                  <a:srgbClr val="000000"/>
-                </a:solidFill>
-                <a:latin typeface="Myriad Pro"/>
-              </a:rPr>
-              <a:t>Distanzfunktion</a:t>
-            </a:r>
-            <a:endParaRPr/>
-          </a:p>
-        </p:txBody>
-      </p:sp>
-      <p:sp>
-        <p:nvSpPr>
-          <p:cNvPr id="171" name="TextShape 3"/>
-          <p:cNvSpPr txBox="1"/>
+            </a:pPr>
+            <a:fld id="{8D7544C8-AFB4-4DCB-990D-A4D17E90816A}" type="slidenum">
+              <a:rPr lang="en-US" sz="1200">
+                <a:solidFill>
+                  <a:srgbClr val="FFFFFF"/>
+                </a:solidFill>
+                <a:latin typeface="Myriad Pro"/>
+              </a:rPr>
+              <a:pPr algn="r">
+                <a:lnSpc>
+                  <a:spcPct val="100000"/>
+                </a:lnSpc>
+              </a:pPr>
+              <a:t>8</a:t>
+            </a:fld>
+            <a:endParaRPr/>
+          </a:p>
+        </p:txBody>
+      </p:sp>
+      <p:sp>
+        <p:nvSpPr>
+          <p:cNvPr id="164" name="CustomShape 16"/>
+          <p:cNvSpPr/>
           <p:nvPr/>
         </p:nvSpPr>
         <p:spPr>
           <a:xfrm>
-            <a:off x="457200" y="6356520"/>
-            <a:ext cx="2133360" cy="364680"/>
-          </a:xfrm>
-          <a:prstGeom prst="rect">
-            <a:avLst/>
-          </a:prstGeom>
-        </p:spPr>
-        <p:txBody>
-          <a:bodyPr anchor="ctr"/>
+            <a:off x="7550640" y="1371600"/>
+            <a:ext cx="1325520" cy="943560"/>
+          </a:xfrm>
+          <a:prstGeom prst="rect">
+            <a:avLst/>
+          </a:prstGeom>
+          <a:noFill/>
+          <a:ln>
+            <a:noFill/>
+          </a:ln>
+        </p:spPr>
+        <p:txBody>
+          <a:bodyPr wrap="none" lIns="90000" tIns="45000" rIns="90000" bIns="45000"/>
+          <a:lstStyle/>
           <a:p>
             <a:pPr>
               <a:lnSpc>
@@ -8367,108 +10234,40 @@
               </a:lnSpc>
             </a:pPr>
             <a:r>
-              <a:rPr lang="en-US" sz="1200">
-                <a:solidFill>
-                  <a:srgbClr val="ffffff"/>
-                </a:solidFill>
-                <a:latin typeface="Myriad Pro"/>
-              </a:rPr>
-              <a:t>16. Juli 2014</a:t>
-            </a:r>
-            <a:endParaRPr/>
-          </a:p>
-        </p:txBody>
-      </p:sp>
-      <p:sp>
-        <p:nvSpPr>
-          <p:cNvPr id="172" name="TextShape 4"/>
-          <p:cNvSpPr txBox="1"/>
-          <p:nvPr/>
-        </p:nvSpPr>
-        <p:spPr>
-          <a:xfrm>
-            <a:off x="2743200" y="6356520"/>
-            <a:ext cx="3657240" cy="364680"/>
-          </a:xfrm>
-          <a:prstGeom prst="rect">
-            <a:avLst/>
-          </a:prstGeom>
-        </p:spPr>
-        <p:txBody>
-          <a:bodyPr anchor="ctr"/>
-          <a:p>
-            <a:pPr algn="ctr">
-              <a:lnSpc>
-                <a:spcPct val="100000"/>
-              </a:lnSpc>
-            </a:pPr>
-            <a:r>
-              <a:rPr lang="en-US" sz="1200">
-                <a:solidFill>
-                  <a:srgbClr val="ffffff"/>
-                </a:solidFill>
-                <a:latin typeface="Myriad Pro"/>
-              </a:rPr>
-              <a:t>NM+ - Zwischenpräsentation | RF, TG, SM</a:t>
-            </a:r>
-            <a:endParaRPr/>
-          </a:p>
-        </p:txBody>
-      </p:sp>
-      <p:sp>
-        <p:nvSpPr>
-          <p:cNvPr id="173" name="TextShape 5"/>
-          <p:cNvSpPr txBox="1"/>
-          <p:nvPr/>
-        </p:nvSpPr>
-        <p:spPr>
-          <a:xfrm>
-            <a:off x="6553080" y="6356520"/>
-            <a:ext cx="2133360" cy="364680"/>
-          </a:xfrm>
-          <a:prstGeom prst="rect">
-            <a:avLst/>
-          </a:prstGeom>
-        </p:spPr>
-        <p:txBody>
-          <a:bodyPr anchor="ctr"/>
-          <a:p>
-            <a:pPr algn="r">
-              <a:lnSpc>
-                <a:spcPct val="100000"/>
-              </a:lnSpc>
-            </a:pPr>
-            <a:fld id="{8E163E27-7FDF-41D2-926C-D04853637D4A}" type="slidenum">
-              <a:rPr lang="en-US" sz="1200">
-                <a:solidFill>
-                  <a:srgbClr val="ffffff"/>
-                </a:solidFill>
-                <a:latin typeface="Myriad Pro"/>
-              </a:rPr>
-              <a:t>&lt;number&gt;</a:t>
-            </a:fld>
+              <a:rPr lang="en-US" sz="2800" b="1">
+                <a:solidFill>
+                  <a:srgbClr val="000000"/>
+                </a:solidFill>
+                <a:latin typeface="Myriad Pro"/>
+              </a:rPr>
+              <a:t>News
+Miner+</a:t>
+            </a:r>
             <a:endParaRPr/>
           </a:p>
         </p:txBody>
       </p:sp>
     </p:spTree>
   </p:cSld>
+  <p:clrMapOvr>
+    <a:masterClrMapping/>
+  </p:clrMapOvr>
   <p:timing>
     <p:tnLst>
       <p:par>
-        <p:cTn id="15" dur="indefinite" restart="never" nodeType="tmRoot">
+        <p:cTn id="1" dur="indefinite" restart="never" nodeType="tmRoot">
           <p:childTnLst>
             <p:seq>
-              <p:cTn id="16" nodeType="mainSeq"/>
+              <p:cTn id="2" nodeType="mainSeq"/>
               <p:prevCondLst>
-                <p:cond delay="0" evt="onPrev">
+                <p:cond evt="onPrev" delay="0">
                   <p:tgtEl>
                     <p:sldTgt/>
                   </p:tgtEl>
                 </p:cond>
               </p:prevCondLst>
               <p:nextCondLst>
-                <p:cond delay="0" evt="onNext">
+                <p:cond evt="onNext" delay="0">
                   <p:tgtEl>
                     <p:sldTgt/>
                   </p:tgtEl>
@@ -8484,7 +10283,7 @@
 </file>
 
 <file path=ppt/slides/slide9.xml><?xml version="1.0" encoding="utf-8"?>
-<p:sld xmlns:a="http://schemas.openxmlformats.org/drawingml/2006/main" xmlns:p="http://schemas.openxmlformats.org/presentationml/2006/main" xmlns:r="http://schemas.openxmlformats.org/officeDocument/2006/relationships">
+<p:sld xmlns:a="http://schemas.openxmlformats.org/drawingml/2006/main" xmlns:r="http://schemas.openxmlformats.org/officeDocument/2006/relationships" xmlns:p="http://schemas.openxmlformats.org/presentationml/2006/main">
   <p:cSld>
     <p:spTree>
       <p:nvGrpSpPr>
@@ -8517,6 +10316,7 @@
         </p:spPr>
         <p:txBody>
           <a:bodyPr anchor="ctr"/>
+          <a:lstStyle/>
           <a:p>
             <a:pPr algn="ctr">
               <a:lnSpc>
@@ -8526,7 +10326,7 @@
             <a:r>
               <a:rPr lang="en-US" sz="4400">
                 <a:solidFill>
-                  <a:srgbClr val="0076a3"/>
+                  <a:srgbClr val="0076A3"/>
                 </a:solidFill>
                 <a:latin typeface="Yanone Kaffeesatz Bold"/>
               </a:rPr>
@@ -8553,6 +10353,7 @@
         </p:spPr>
         <p:txBody>
           <a:bodyPr/>
+          <a:lstStyle/>
           <a:p>
             <a:pPr>
               <a:lnSpc>
@@ -8610,6 +10411,7 @@
         </p:spPr>
         <p:txBody>
           <a:bodyPr anchor="ctr"/>
+          <a:lstStyle/>
           <a:p>
             <a:pPr>
               <a:lnSpc>
@@ -8619,7 +10421,7 @@
             <a:r>
               <a:rPr lang="en-US" sz="1200">
                 <a:solidFill>
-                  <a:srgbClr val="ffffff"/>
+                  <a:srgbClr val="FFFFFF"/>
                 </a:solidFill>
                 <a:latin typeface="Myriad Pro"/>
               </a:rPr>
@@ -8646,6 +10448,7 @@
         </p:spPr>
         <p:txBody>
           <a:bodyPr anchor="ctr"/>
+          <a:lstStyle/>
           <a:p>
             <a:pPr algn="ctr">
               <a:lnSpc>
@@ -8655,7 +10458,7 @@
             <a:r>
               <a:rPr lang="en-US" sz="1200">
                 <a:solidFill>
-                  <a:srgbClr val="ffffff"/>
+                  <a:srgbClr val="FFFFFF"/>
                 </a:solidFill>
                 <a:latin typeface="Myriad Pro"/>
               </a:rPr>
@@ -8682,6 +10485,7 @@
         </p:spPr>
         <p:txBody>
           <a:bodyPr anchor="ctr"/>
+          <a:lstStyle/>
           <a:p>
             <a:pPr algn="r">
               <a:lnSpc>
@@ -8691,11 +10495,16 @@
             <a:fld id="{193DAA72-D709-4EFC-B2C1-68C246C6D099}" type="slidenum">
               <a:rPr lang="en-US" sz="1200">
                 <a:solidFill>
-                  <a:srgbClr val="ffffff"/>
-                </a:solidFill>
-                <a:latin typeface="Myriad Pro"/>
-              </a:rPr>
-              <a:t>&lt;number&gt;</a:t>
+                  <a:srgbClr val="FFFFFF"/>
+                </a:solidFill>
+                <a:latin typeface="Myriad Pro"/>
+              </a:rPr>
+              <a:pPr algn="r">
+                <a:lnSpc>
+                  <a:spcPct val="100000"/>
+                </a:lnSpc>
+              </a:pPr>
+              <a:t>9</a:t>
             </a:fld>
             <a:endParaRPr/>
           </a:p>
@@ -8703,22 +10512,25 @@
       </p:sp>
     </p:spTree>
   </p:cSld>
+  <p:clrMapOvr>
+    <a:masterClrMapping/>
+  </p:clrMapOvr>
   <p:timing>
     <p:tnLst>
       <p:par>
-        <p:cTn id="17" dur="indefinite" restart="never" nodeType="tmRoot">
+        <p:cTn id="1" dur="indefinite" restart="never" nodeType="tmRoot">
           <p:childTnLst>
             <p:seq>
-              <p:cTn id="18" nodeType="mainSeq"/>
+              <p:cTn id="2" nodeType="mainSeq"/>
               <p:prevCondLst>
-                <p:cond delay="0" evt="onPrev">
+                <p:cond evt="onPrev" delay="0">
                   <p:tgtEl>
                     <p:sldTgt/>
                   </p:tgtEl>
                 </p:cond>
               </p:prevCondLst>
               <p:nextCondLst>
-                <p:cond delay="0" evt="onNext">
+                <p:cond evt="onNext" delay="0">
                   <p:tgtEl>
                     <p:sldTgt/>
                   </p:tgtEl>
@@ -8953,6 +10765,8 @@
       </a:bgFillStyleLst>
     </a:fmtScheme>
   </a:themeElements>
+  <a:objectDefaults/>
+  <a:extraClrSchemeLst/>
 </a:theme>
 </file>
 
@@ -9176,6 +10990,8 @@
       </a:bgFillStyleLst>
     </a:fmtScheme>
   </a:themeElements>
+  <a:objectDefaults/>
+  <a:extraClrSchemeLst/>
 </a:theme>
 </file>
 
@@ -9399,6 +11215,8 @@
       </a:bgFillStyleLst>
     </a:fmtScheme>
   </a:themeElements>
+  <a:objectDefaults/>
+  <a:extraClrSchemeLst/>
 </a:theme>
 </file>
 
@@ -9622,5 +11440,7 @@
       </a:bgFillStyleLst>
     </a:fmtScheme>
   </a:themeElements>
+  <a:objectDefaults/>
+  <a:extraClrSchemeLst/>
 </a:theme>
 </file>